--- a/Physical_Computing/Documents/Physical Computing_Prototype.pptx
+++ b/Physical_Computing/Documents/Physical Computing_Prototype.pptx
@@ -6,10 +6,16 @@
   </p:sldMasterIdLst>
   <p:sldIdLst>
     <p:sldId id="256" r:id="rId2"/>
-    <p:sldId id="258" r:id="rId3"/>
-    <p:sldId id="259" r:id="rId4"/>
-    <p:sldId id="257" r:id="rId5"/>
-    <p:sldId id="260" r:id="rId6"/>
+    <p:sldId id="263" r:id="rId3"/>
+    <p:sldId id="264" r:id="rId4"/>
+    <p:sldId id="270" r:id="rId5"/>
+    <p:sldId id="265" r:id="rId6"/>
+    <p:sldId id="269" r:id="rId7"/>
+    <p:sldId id="272" r:id="rId8"/>
+    <p:sldId id="266" r:id="rId9"/>
+    <p:sldId id="271" r:id="rId10"/>
+    <p:sldId id="268" r:id="rId11"/>
+    <p:sldId id="262" r:id="rId12"/>
   </p:sldIdLst>
   <p:sldSz cx="12192000" cy="6858000"/>
   <p:notesSz cx="6858000" cy="9144000"/>
@@ -119,7 +125,7 @@
 <file path=ppt/revisionInfo.xml><?xml version="1.0" encoding="utf-8"?>
 <p1510:revInfo xmlns:a="http://schemas.openxmlformats.org/drawingml/2006/main" xmlns:r="http://schemas.openxmlformats.org/officeDocument/2006/relationships" xmlns:p1510="http://schemas.microsoft.com/office/powerpoint/2015/10/main">
   <p1510:revLst>
-    <p1510:client id="{A5F4598C-1837-400E-A7ED-BEDE70723D5A}" v="17" dt="2023-06-03T17:55:15.081"/>
+    <p1510:client id="{A5F4598C-1837-400E-A7ED-BEDE70723D5A}" v="235" dt="2023-06-14T18:15:45.507"/>
   </p1510:revLst>
 </p1510:revInfo>
 </file>
@@ -128,13 +134,13 @@
 <pc:chgInfo xmlns:a="http://schemas.openxmlformats.org/drawingml/2006/main" xmlns:r="http://schemas.openxmlformats.org/officeDocument/2006/relationships" xmlns:ac="http://schemas.microsoft.com/office/drawing/2013/main/command" xmlns:pc="http://schemas.microsoft.com/office/powerpoint/2013/main/command">
   <pc:docChgLst>
     <pc:chgData name="교원 김" userId="22c46b319e4c0415" providerId="LiveId" clId="{A5F4598C-1837-400E-A7ED-BEDE70723D5A}"/>
-    <pc:docChg chg="undo custSel addSld modSld sldOrd">
-      <pc:chgData name="교원 김" userId="22c46b319e4c0415" providerId="LiveId" clId="{A5F4598C-1837-400E-A7ED-BEDE70723D5A}" dt="2023-06-03T17:56:08.318" v="338" actId="20577"/>
+    <pc:docChg chg="undo redo custSel addSld delSld modSld sldOrd">
+      <pc:chgData name="교원 김" userId="22c46b319e4c0415" providerId="LiveId" clId="{A5F4598C-1837-400E-A7ED-BEDE70723D5A}" dt="2023-06-14T18:15:58.724" v="3461" actId="1076"/>
       <pc:docMkLst>
         <pc:docMk/>
       </pc:docMkLst>
-      <pc:sldChg chg="addSp delSp modSp mod">
-        <pc:chgData name="교원 김" userId="22c46b319e4c0415" providerId="LiveId" clId="{A5F4598C-1837-400E-A7ED-BEDE70723D5A}" dt="2023-06-03T17:56:08.318" v="338" actId="20577"/>
+      <pc:sldChg chg="addSp delSp modSp del mod">
+        <pc:chgData name="교원 김" userId="22c46b319e4c0415" providerId="LiveId" clId="{A5F4598C-1837-400E-A7ED-BEDE70723D5A}" dt="2023-06-14T18:15:28.893" v="3452" actId="47"/>
         <pc:sldMkLst>
           <pc:docMk/>
           <pc:sldMk cId="890831062" sldId="257"/>
@@ -332,38 +338,54 @@
           </ac:cxnSpMkLst>
         </pc:cxnChg>
       </pc:sldChg>
-      <pc:sldChg chg="addSp delSp modSp mod">
-        <pc:chgData name="교원 김" userId="22c46b319e4c0415" providerId="LiveId" clId="{A5F4598C-1837-400E-A7ED-BEDE70723D5A}" dt="2023-06-03T17:45:21.436" v="36" actId="14100"/>
+      <pc:sldChg chg="addSp delSp modSp del mod">
+        <pc:chgData name="교원 김" userId="22c46b319e4c0415" providerId="LiveId" clId="{A5F4598C-1837-400E-A7ED-BEDE70723D5A}" dt="2023-06-14T17:35:00.619" v="722" actId="47"/>
         <pc:sldMkLst>
           <pc:docMk/>
           <pc:sldMk cId="4216304705" sldId="258"/>
         </pc:sldMkLst>
-        <pc:spChg chg="mod">
-          <ac:chgData name="교원 김" userId="22c46b319e4c0415" providerId="LiveId" clId="{A5F4598C-1837-400E-A7ED-BEDE70723D5A}" dt="2023-06-03T17:45:11.487" v="22" actId="20577"/>
+        <pc:spChg chg="del">
+          <ac:chgData name="교원 김" userId="22c46b319e4c0415" providerId="LiveId" clId="{A5F4598C-1837-400E-A7ED-BEDE70723D5A}" dt="2023-06-14T06:06:57.029" v="339" actId="478"/>
+          <ac:spMkLst>
+            <pc:docMk/>
+            <pc:sldMk cId="4216304705" sldId="258"/>
+            <ac:spMk id="3" creationId="{2DDB3852-E2B1-9B7B-C2A7-EC9A9D63C352}"/>
+          </ac:spMkLst>
+        </pc:spChg>
+        <pc:spChg chg="del mod">
+          <ac:chgData name="교원 김" userId="22c46b319e4c0415" providerId="LiveId" clId="{A5F4598C-1837-400E-A7ED-BEDE70723D5A}" dt="2023-06-14T17:32:40.890" v="654" actId="478"/>
           <ac:spMkLst>
             <pc:docMk/>
             <pc:sldMk cId="4216304705" sldId="258"/>
             <ac:spMk id="4" creationId="{E9348E8F-B488-C474-7FEA-1830C5F3EE6A}"/>
           </ac:spMkLst>
         </pc:spChg>
-        <pc:spChg chg="mod">
-          <ac:chgData name="교원 김" userId="22c46b319e4c0415" providerId="LiveId" clId="{A5F4598C-1837-400E-A7ED-BEDE70723D5A}" dt="2023-06-03T17:45:16.303" v="34" actId="20577"/>
+        <pc:spChg chg="del mod">
+          <ac:chgData name="교원 김" userId="22c46b319e4c0415" providerId="LiveId" clId="{A5F4598C-1837-400E-A7ED-BEDE70723D5A}" dt="2023-06-14T17:32:40.890" v="654" actId="478"/>
           <ac:spMkLst>
             <pc:docMk/>
             <pc:sldMk cId="4216304705" sldId="258"/>
             <ac:spMk id="5" creationId="{2314E371-92A2-56E6-1B02-331E1897D73B}"/>
           </ac:spMkLst>
         </pc:spChg>
-        <pc:spChg chg="mod">
-          <ac:chgData name="교원 김" userId="22c46b319e4c0415" providerId="LiveId" clId="{A5F4598C-1837-400E-A7ED-BEDE70723D5A}" dt="2023-06-03T17:45:21.436" v="36" actId="14100"/>
+        <pc:spChg chg="del mod">
+          <ac:chgData name="교원 김" userId="22c46b319e4c0415" providerId="LiveId" clId="{A5F4598C-1837-400E-A7ED-BEDE70723D5A}" dt="2023-06-14T17:32:40.890" v="654" actId="478"/>
+          <ac:spMkLst>
+            <pc:docMk/>
+            <pc:sldMk cId="4216304705" sldId="258"/>
+            <ac:spMk id="6" creationId="{D0821794-0918-CFE9-DFC1-ACEF40C676BE}"/>
+          </ac:spMkLst>
+        </pc:spChg>
+        <pc:spChg chg="add del mod">
+          <ac:chgData name="교원 김" userId="22c46b319e4c0415" providerId="LiveId" clId="{A5F4598C-1837-400E-A7ED-BEDE70723D5A}" dt="2023-06-14T17:32:40.890" v="654" actId="478"/>
           <ac:spMkLst>
             <pc:docMk/>
             <pc:sldMk cId="4216304705" sldId="258"/>
             <ac:spMk id="7" creationId="{B3D216D7-AFA8-407E-51B2-CBBC4A11DDF9}"/>
           </ac:spMkLst>
         </pc:spChg>
-        <pc:spChg chg="mod">
-          <ac:chgData name="교원 김" userId="22c46b319e4c0415" providerId="LiveId" clId="{A5F4598C-1837-400E-A7ED-BEDE70723D5A}" dt="2023-06-03T17:44:45.168" v="7" actId="1076"/>
+        <pc:spChg chg="del mod">
+          <ac:chgData name="교원 김" userId="22c46b319e4c0415" providerId="LiveId" clId="{A5F4598C-1837-400E-A7ED-BEDE70723D5A}" dt="2023-06-14T17:32:40.890" v="654" actId="478"/>
           <ac:spMkLst>
             <pc:docMk/>
             <pc:sldMk cId="4216304705" sldId="258"/>
@@ -378,8 +400,8 @@
             <ac:spMk id="10" creationId="{B413220E-63E5-E9CC-4214-BAE57E5D103B}"/>
           </ac:spMkLst>
         </pc:spChg>
-        <pc:spChg chg="add mod">
-          <ac:chgData name="교원 김" userId="22c46b319e4c0415" providerId="LiveId" clId="{A5F4598C-1837-400E-A7ED-BEDE70723D5A}" dt="2023-06-03T17:44:45.168" v="7" actId="1076"/>
+        <pc:spChg chg="add del mod">
+          <ac:chgData name="교원 김" userId="22c46b319e4c0415" providerId="LiveId" clId="{A5F4598C-1837-400E-A7ED-BEDE70723D5A}" dt="2023-06-14T17:32:40.890" v="654" actId="478"/>
           <ac:spMkLst>
             <pc:docMk/>
             <pc:sldMk cId="4216304705" sldId="258"/>
@@ -402,32 +424,32 @@
             <ac:spMk id="19" creationId="{475113D7-0AC4-CB90-E8E7-29FD04217A87}"/>
           </ac:spMkLst>
         </pc:spChg>
-        <pc:spChg chg="add mod">
-          <ac:chgData name="교원 김" userId="22c46b319e4c0415" providerId="LiveId" clId="{A5F4598C-1837-400E-A7ED-BEDE70723D5A}" dt="2023-06-03T17:45:00.588" v="12" actId="571"/>
+        <pc:spChg chg="add del mod">
+          <ac:chgData name="교원 김" userId="22c46b319e4c0415" providerId="LiveId" clId="{A5F4598C-1837-400E-A7ED-BEDE70723D5A}" dt="2023-06-14T17:32:40.890" v="654" actId="478"/>
           <ac:spMkLst>
             <pc:docMk/>
             <pc:sldMk cId="4216304705" sldId="258"/>
             <ac:spMk id="21" creationId="{48EA4B85-D30D-D855-7FE2-766D8D965293}"/>
           </ac:spMkLst>
         </pc:spChg>
-        <pc:spChg chg="add mod">
-          <ac:chgData name="교원 김" userId="22c46b319e4c0415" providerId="LiveId" clId="{A5F4598C-1837-400E-A7ED-BEDE70723D5A}" dt="2023-06-03T17:45:00.588" v="12" actId="571"/>
+        <pc:spChg chg="add del mod">
+          <ac:chgData name="교원 김" userId="22c46b319e4c0415" providerId="LiveId" clId="{A5F4598C-1837-400E-A7ED-BEDE70723D5A}" dt="2023-06-14T17:32:40.890" v="654" actId="478"/>
           <ac:spMkLst>
             <pc:docMk/>
             <pc:sldMk cId="4216304705" sldId="258"/>
             <ac:spMk id="23" creationId="{D407F28B-870F-63F4-BE96-2EE1FF8C3D67}"/>
           </ac:spMkLst>
         </pc:spChg>
-        <pc:cxnChg chg="mod">
-          <ac:chgData name="교원 김" userId="22c46b319e4c0415" providerId="LiveId" clId="{A5F4598C-1837-400E-A7ED-BEDE70723D5A}" dt="2023-06-03T17:44:45.168" v="7" actId="1076"/>
+        <pc:cxnChg chg="del mod">
+          <ac:chgData name="교원 김" userId="22c46b319e4c0415" providerId="LiveId" clId="{A5F4598C-1837-400E-A7ED-BEDE70723D5A}" dt="2023-06-14T17:32:40.890" v="654" actId="478"/>
           <ac:cxnSpMkLst>
             <pc:docMk/>
             <pc:sldMk cId="4216304705" sldId="258"/>
             <ac:cxnSpMk id="9" creationId="{E318A370-A076-8D3D-A1BC-123C01A2E58A}"/>
           </ac:cxnSpMkLst>
         </pc:cxnChg>
-        <pc:cxnChg chg="add mod">
-          <ac:chgData name="교원 김" userId="22c46b319e4c0415" providerId="LiveId" clId="{A5F4598C-1837-400E-A7ED-BEDE70723D5A}" dt="2023-06-03T17:44:45.168" v="7" actId="1076"/>
+        <pc:cxnChg chg="add del mod">
+          <ac:chgData name="교원 김" userId="22c46b319e4c0415" providerId="LiveId" clId="{A5F4598C-1837-400E-A7ED-BEDE70723D5A}" dt="2023-06-14T17:32:40.890" v="654" actId="478"/>
           <ac:cxnSpMkLst>
             <pc:docMk/>
             <pc:sldMk cId="4216304705" sldId="258"/>
@@ -442,8 +464,8 @@
             <ac:cxnSpMk id="12" creationId="{02F3E6E6-B422-024A-533E-9BCB50971AFF}"/>
           </ac:cxnSpMkLst>
         </pc:cxnChg>
-        <pc:cxnChg chg="mod">
-          <ac:chgData name="교원 김" userId="22c46b319e4c0415" providerId="LiveId" clId="{A5F4598C-1837-400E-A7ED-BEDE70723D5A}" dt="2023-06-03T17:45:21.436" v="36" actId="14100"/>
+        <pc:cxnChg chg="del mod">
+          <ac:chgData name="교원 김" userId="22c46b319e4c0415" providerId="LiveId" clId="{A5F4598C-1837-400E-A7ED-BEDE70723D5A}" dt="2023-06-14T17:32:40.890" v="654" actId="478"/>
           <ac:cxnSpMkLst>
             <pc:docMk/>
             <pc:sldMk cId="4216304705" sldId="258"/>
@@ -466,16 +488,16 @@
             <ac:cxnSpMk id="18" creationId="{D7678305-FB9B-6730-BD6C-F561CEC6A989}"/>
           </ac:cxnSpMkLst>
         </pc:cxnChg>
-        <pc:cxnChg chg="add mod">
-          <ac:chgData name="교원 김" userId="22c46b319e4c0415" providerId="LiveId" clId="{A5F4598C-1837-400E-A7ED-BEDE70723D5A}" dt="2023-06-03T17:45:00.588" v="12" actId="571"/>
+        <pc:cxnChg chg="add del mod">
+          <ac:chgData name="교원 김" userId="22c46b319e4c0415" providerId="LiveId" clId="{A5F4598C-1837-400E-A7ED-BEDE70723D5A}" dt="2023-06-14T17:32:40.890" v="654" actId="478"/>
           <ac:cxnSpMkLst>
             <pc:docMk/>
             <pc:sldMk cId="4216304705" sldId="258"/>
             <ac:cxnSpMk id="20" creationId="{327223B6-E06F-C88D-7704-3B37296E90DF}"/>
           </ac:cxnSpMkLst>
         </pc:cxnChg>
-        <pc:cxnChg chg="add mod">
-          <ac:chgData name="교원 김" userId="22c46b319e4c0415" providerId="LiveId" clId="{A5F4598C-1837-400E-A7ED-BEDE70723D5A}" dt="2023-06-03T17:45:00.588" v="12" actId="571"/>
+        <pc:cxnChg chg="add del mod">
+          <ac:chgData name="교원 김" userId="22c46b319e4c0415" providerId="LiveId" clId="{A5F4598C-1837-400E-A7ED-BEDE70723D5A}" dt="2023-06-14T17:32:40.890" v="654" actId="478"/>
           <ac:cxnSpMkLst>
             <pc:docMk/>
             <pc:sldMk cId="4216304705" sldId="258"/>
@@ -483,8 +505,8 @@
           </ac:cxnSpMkLst>
         </pc:cxnChg>
       </pc:sldChg>
-      <pc:sldChg chg="modSp add mod ord">
-        <pc:chgData name="교원 김" userId="22c46b319e4c0415" providerId="LiveId" clId="{A5F4598C-1837-400E-A7ED-BEDE70723D5A}" dt="2023-06-03T17:54:53.084" v="322"/>
+      <pc:sldChg chg="modSp add del mod ord">
+        <pc:chgData name="교원 김" userId="22c46b319e4c0415" providerId="LiveId" clId="{A5F4598C-1837-400E-A7ED-BEDE70723D5A}" dt="2023-06-14T18:15:28.025" v="3451" actId="47"/>
         <pc:sldMkLst>
           <pc:docMk/>
           <pc:sldMk cId="1368460774" sldId="259"/>
@@ -497,6 +519,1008 @@
             <ac:spMk id="2" creationId="{D2F4B487-129E-42A5-39DA-F4FA017F0BD2}"/>
           </ac:spMkLst>
         </pc:spChg>
+      </pc:sldChg>
+      <pc:sldChg chg="del">
+        <pc:chgData name="교원 김" userId="22c46b319e4c0415" providerId="LiveId" clId="{A5F4598C-1837-400E-A7ED-BEDE70723D5A}" dt="2023-06-14T18:15:30.355" v="3453" actId="47"/>
+        <pc:sldMkLst>
+          <pc:docMk/>
+          <pc:sldMk cId="1629068261" sldId="260"/>
+        </pc:sldMkLst>
+      </pc:sldChg>
+      <pc:sldChg chg="addSp delSp modSp add del mod ord">
+        <pc:chgData name="교원 김" userId="22c46b319e4c0415" providerId="LiveId" clId="{A5F4598C-1837-400E-A7ED-BEDE70723D5A}" dt="2023-06-14T17:35:52.250" v="761" actId="47"/>
+        <pc:sldMkLst>
+          <pc:docMk/>
+          <pc:sldMk cId="1864264157" sldId="261"/>
+        </pc:sldMkLst>
+        <pc:spChg chg="mod">
+          <ac:chgData name="교원 김" userId="22c46b319e4c0415" providerId="LiveId" clId="{A5F4598C-1837-400E-A7ED-BEDE70723D5A}" dt="2023-06-14T17:33:47.744" v="720" actId="20577"/>
+          <ac:spMkLst>
+            <pc:docMk/>
+            <pc:sldMk cId="1864264157" sldId="261"/>
+            <ac:spMk id="2" creationId="{D2F4B487-129E-42A5-39DA-F4FA017F0BD2}"/>
+          </ac:spMkLst>
+        </pc:spChg>
+        <pc:spChg chg="del">
+          <ac:chgData name="교원 김" userId="22c46b319e4c0415" providerId="LiveId" clId="{A5F4598C-1837-400E-A7ED-BEDE70723D5A}" dt="2023-06-14T17:30:48.217" v="462" actId="478"/>
+          <ac:spMkLst>
+            <pc:docMk/>
+            <pc:sldMk cId="1864264157" sldId="261"/>
+            <ac:spMk id="3" creationId="{95912AC3-0F83-B577-0B4C-45408D5FC8F6}"/>
+          </ac:spMkLst>
+        </pc:spChg>
+        <pc:graphicFrameChg chg="add del mod modGraphic">
+          <ac:chgData name="교원 김" userId="22c46b319e4c0415" providerId="LiveId" clId="{A5F4598C-1837-400E-A7ED-BEDE70723D5A}" dt="2023-06-14T17:30:57.243" v="470"/>
+          <ac:graphicFrameMkLst>
+            <pc:docMk/>
+            <pc:sldMk cId="1864264157" sldId="261"/>
+            <ac:graphicFrameMk id="4" creationId="{343DA33F-4E0B-6456-7A43-EC9A724DB3B6}"/>
+          </ac:graphicFrameMkLst>
+        </pc:graphicFrameChg>
+        <pc:picChg chg="add">
+          <ac:chgData name="교원 김" userId="22c46b319e4c0415" providerId="LiveId" clId="{A5F4598C-1837-400E-A7ED-BEDE70723D5A}" dt="2023-06-14T17:31:19.974" v="471" actId="22"/>
+          <ac:picMkLst>
+            <pc:docMk/>
+            <pc:sldMk cId="1864264157" sldId="261"/>
+            <ac:picMk id="6" creationId="{825329CE-B717-6DBB-C9E1-6E8FEB46B133}"/>
+          </ac:picMkLst>
+        </pc:picChg>
+      </pc:sldChg>
+      <pc:sldChg chg="addSp delSp modSp add mod">
+        <pc:chgData name="교원 김" userId="22c46b319e4c0415" providerId="LiveId" clId="{A5F4598C-1837-400E-A7ED-BEDE70723D5A}" dt="2023-06-14T18:15:58.724" v="3461" actId="1076"/>
+        <pc:sldMkLst>
+          <pc:docMk/>
+          <pc:sldMk cId="2741179167" sldId="262"/>
+        </pc:sldMkLst>
+        <pc:spChg chg="del mod">
+          <ac:chgData name="교원 김" userId="22c46b319e4c0415" providerId="LiveId" clId="{A5F4598C-1837-400E-A7ED-BEDE70723D5A}" dt="2023-06-14T18:15:54.551" v="3460" actId="478"/>
+          <ac:spMkLst>
+            <pc:docMk/>
+            <pc:sldMk cId="2741179167" sldId="262"/>
+            <ac:spMk id="2" creationId="{D2F4B487-129E-42A5-39DA-F4FA017F0BD2}"/>
+          </ac:spMkLst>
+        </pc:spChg>
+        <pc:spChg chg="add mod">
+          <ac:chgData name="교원 김" userId="22c46b319e4c0415" providerId="LiveId" clId="{A5F4598C-1837-400E-A7ED-BEDE70723D5A}" dt="2023-06-14T18:15:58.724" v="3461" actId="1076"/>
+          <ac:spMkLst>
+            <pc:docMk/>
+            <pc:sldMk cId="2741179167" sldId="262"/>
+            <ac:spMk id="3" creationId="{3CDA57A3-0FA0-67E9-8A38-74057D5BE382}"/>
+          </ac:spMkLst>
+        </pc:spChg>
+        <pc:spChg chg="add mod">
+          <ac:chgData name="교원 김" userId="22c46b319e4c0415" providerId="LiveId" clId="{A5F4598C-1837-400E-A7ED-BEDE70723D5A}" dt="2023-06-14T18:15:39.244" v="3454"/>
+          <ac:spMkLst>
+            <pc:docMk/>
+            <pc:sldMk cId="2741179167" sldId="262"/>
+            <ac:spMk id="5" creationId="{A02CD218-4EF6-4602-6682-398B5DBFD7E8}"/>
+          </ac:spMkLst>
+        </pc:spChg>
+        <pc:spChg chg="add mod">
+          <ac:chgData name="교원 김" userId="22c46b319e4c0415" providerId="LiveId" clId="{A5F4598C-1837-400E-A7ED-BEDE70723D5A}" dt="2023-06-14T18:15:52.887" v="3459"/>
+          <ac:spMkLst>
+            <pc:docMk/>
+            <pc:sldMk cId="2741179167" sldId="262"/>
+            <ac:spMk id="7" creationId="{ED8B30BD-6172-4294-A87D-4D9F4A599FF7}"/>
+          </ac:spMkLst>
+        </pc:spChg>
+        <pc:picChg chg="del">
+          <ac:chgData name="교원 김" userId="22c46b319e4c0415" providerId="LiveId" clId="{A5F4598C-1837-400E-A7ED-BEDE70723D5A}" dt="2023-06-14T17:31:50.658" v="482" actId="478"/>
+          <ac:picMkLst>
+            <pc:docMk/>
+            <pc:sldMk cId="2741179167" sldId="262"/>
+            <ac:picMk id="6" creationId="{825329CE-B717-6DBB-C9E1-6E8FEB46B133}"/>
+          </ac:picMkLst>
+        </pc:picChg>
+        <pc:cxnChg chg="add mod">
+          <ac:chgData name="교원 김" userId="22c46b319e4c0415" providerId="LiveId" clId="{A5F4598C-1837-400E-A7ED-BEDE70723D5A}" dt="2023-06-14T18:15:39.244" v="3454"/>
+          <ac:cxnSpMkLst>
+            <pc:docMk/>
+            <pc:sldMk cId="2741179167" sldId="262"/>
+            <ac:cxnSpMk id="4" creationId="{0C97DF88-8EAC-529B-36CE-5D22835262D4}"/>
+          </ac:cxnSpMkLst>
+        </pc:cxnChg>
+        <pc:cxnChg chg="add mod">
+          <ac:chgData name="교원 김" userId="22c46b319e4c0415" providerId="LiveId" clId="{A5F4598C-1837-400E-A7ED-BEDE70723D5A}" dt="2023-06-14T18:15:45.507" v="3455"/>
+          <ac:cxnSpMkLst>
+            <pc:docMk/>
+            <pc:sldMk cId="2741179167" sldId="262"/>
+            <ac:cxnSpMk id="6" creationId="{C3356958-4ACB-C343-AFEF-D051C3F5BDD3}"/>
+          </ac:cxnSpMkLst>
+        </pc:cxnChg>
+      </pc:sldChg>
+      <pc:sldChg chg="addSp delSp modSp add mod">
+        <pc:chgData name="교원 김" userId="22c46b319e4c0415" providerId="LiveId" clId="{A5F4598C-1837-400E-A7ED-BEDE70723D5A}" dt="2023-06-14T17:39:48.604" v="858" actId="478"/>
+        <pc:sldMkLst>
+          <pc:docMk/>
+          <pc:sldMk cId="1574419775" sldId="263"/>
+        </pc:sldMkLst>
+        <pc:spChg chg="del">
+          <ac:chgData name="교원 김" userId="22c46b319e4c0415" providerId="LiveId" clId="{A5F4598C-1837-400E-A7ED-BEDE70723D5A}" dt="2023-06-14T17:35:59.959" v="762" actId="478"/>
+          <ac:spMkLst>
+            <pc:docMk/>
+            <pc:sldMk cId="1574419775" sldId="263"/>
+            <ac:spMk id="2" creationId="{611D0A94-EC2F-D807-AAE8-BD68CA3516D2}"/>
+          </ac:spMkLst>
+        </pc:spChg>
+        <pc:spChg chg="add del mod">
+          <ac:chgData name="교원 김" userId="22c46b319e4c0415" providerId="LiveId" clId="{A5F4598C-1837-400E-A7ED-BEDE70723D5A}" dt="2023-06-14T17:36:03.278" v="763" actId="478"/>
+          <ac:spMkLst>
+            <pc:docMk/>
+            <pc:sldMk cId="1574419775" sldId="263"/>
+            <ac:spMk id="4" creationId="{595B5C31-5005-96EE-13A5-90EDDE41D59E}"/>
+          </ac:spMkLst>
+        </pc:spChg>
+        <pc:spChg chg="del">
+          <ac:chgData name="교원 김" userId="22c46b319e4c0415" providerId="LiveId" clId="{A5F4598C-1837-400E-A7ED-BEDE70723D5A}" dt="2023-06-14T17:35:59.959" v="762" actId="478"/>
+          <ac:spMkLst>
+            <pc:docMk/>
+            <pc:sldMk cId="1574419775" sldId="263"/>
+            <ac:spMk id="6" creationId="{077D2CBC-83AD-849D-D3A4-E2FEB010FB58}"/>
+          </ac:spMkLst>
+        </pc:spChg>
+        <pc:spChg chg="mod">
+          <ac:chgData name="교원 김" userId="22c46b319e4c0415" providerId="LiveId" clId="{A5F4598C-1837-400E-A7ED-BEDE70723D5A}" dt="2023-06-14T17:39:28.918" v="844" actId="20577"/>
+          <ac:spMkLst>
+            <pc:docMk/>
+            <pc:sldMk cId="1574419775" sldId="263"/>
+            <ac:spMk id="9" creationId="{B112D299-4F14-CC08-E9C7-71FB470DFC98}"/>
+          </ac:spMkLst>
+        </pc:spChg>
+        <pc:spChg chg="add mod">
+          <ac:chgData name="교원 김" userId="22c46b319e4c0415" providerId="LiveId" clId="{A5F4598C-1837-400E-A7ED-BEDE70723D5A}" dt="2023-06-14T17:39:16.194" v="829" actId="207"/>
+          <ac:spMkLst>
+            <pc:docMk/>
+            <pc:sldMk cId="1574419775" sldId="263"/>
+            <ac:spMk id="11" creationId="{DC4C6A0E-64F1-6C9D-6AAC-5B6DACE358A2}"/>
+          </ac:spMkLst>
+        </pc:spChg>
+        <pc:spChg chg="del">
+          <ac:chgData name="교원 김" userId="22c46b319e4c0415" providerId="LiveId" clId="{A5F4598C-1837-400E-A7ED-BEDE70723D5A}" dt="2023-06-14T17:35:59.959" v="762" actId="478"/>
+          <ac:spMkLst>
+            <pc:docMk/>
+            <pc:sldMk cId="1574419775" sldId="263"/>
+            <ac:spMk id="13" creationId="{2442AA62-A5D1-4A67-29A5-11B4023AA74A}"/>
+          </ac:spMkLst>
+        </pc:spChg>
+        <pc:spChg chg="add mod">
+          <ac:chgData name="교원 김" userId="22c46b319e4c0415" providerId="LiveId" clId="{A5F4598C-1837-400E-A7ED-BEDE70723D5A}" dt="2023-06-14T17:39:20.042" v="831" actId="113"/>
+          <ac:spMkLst>
+            <pc:docMk/>
+            <pc:sldMk cId="1574419775" sldId="263"/>
+            <ac:spMk id="14" creationId="{AEF5D983-1CBD-FBEB-EC71-51754657114A}"/>
+          </ac:spMkLst>
+        </pc:spChg>
+        <pc:spChg chg="del">
+          <ac:chgData name="교원 김" userId="22c46b319e4c0415" providerId="LiveId" clId="{A5F4598C-1837-400E-A7ED-BEDE70723D5A}" dt="2023-06-14T17:35:59.959" v="762" actId="478"/>
+          <ac:spMkLst>
+            <pc:docMk/>
+            <pc:sldMk cId="1574419775" sldId="263"/>
+            <ac:spMk id="15" creationId="{B0C64AA6-580A-95F6-B206-1A3E38AF09E3}"/>
+          </ac:spMkLst>
+        </pc:spChg>
+        <pc:spChg chg="del">
+          <ac:chgData name="교원 김" userId="22c46b319e4c0415" providerId="LiveId" clId="{A5F4598C-1837-400E-A7ED-BEDE70723D5A}" dt="2023-06-14T17:35:59.959" v="762" actId="478"/>
+          <ac:spMkLst>
+            <pc:docMk/>
+            <pc:sldMk cId="1574419775" sldId="263"/>
+            <ac:spMk id="16" creationId="{6E38CB67-ADB4-8463-C92E-AA855C9EF65C}"/>
+          </ac:spMkLst>
+        </pc:spChg>
+        <pc:spChg chg="add mod">
+          <ac:chgData name="교원 김" userId="22c46b319e4c0415" providerId="LiveId" clId="{A5F4598C-1837-400E-A7ED-BEDE70723D5A}" dt="2023-06-14T17:39:22.695" v="833" actId="207"/>
+          <ac:spMkLst>
+            <pc:docMk/>
+            <pc:sldMk cId="1574419775" sldId="263"/>
+            <ac:spMk id="17" creationId="{091831BA-F6C4-0309-183E-662CA74F83CA}"/>
+          </ac:spMkLst>
+        </pc:spChg>
+        <pc:spChg chg="add del mod">
+          <ac:chgData name="교원 김" userId="22c46b319e4c0415" providerId="LiveId" clId="{A5F4598C-1837-400E-A7ED-BEDE70723D5A}" dt="2023-06-14T17:38:11.695" v="820" actId="478"/>
+          <ac:spMkLst>
+            <pc:docMk/>
+            <pc:sldMk cId="1574419775" sldId="263"/>
+            <ac:spMk id="21" creationId="{140D3771-7F43-CF5D-0932-2C5F34FE9682}"/>
+          </ac:spMkLst>
+        </pc:spChg>
+        <pc:spChg chg="add del mod">
+          <ac:chgData name="교원 김" userId="22c46b319e4c0415" providerId="LiveId" clId="{A5F4598C-1837-400E-A7ED-BEDE70723D5A}" dt="2023-06-14T17:39:48.604" v="858" actId="478"/>
+          <ac:spMkLst>
+            <pc:docMk/>
+            <pc:sldMk cId="1574419775" sldId="263"/>
+            <ac:spMk id="24" creationId="{2472FE0E-4E0A-59FB-3191-AD63A490E0E6}"/>
+          </ac:spMkLst>
+        </pc:spChg>
+        <pc:spChg chg="del">
+          <ac:chgData name="교원 김" userId="22c46b319e4c0415" providerId="LiveId" clId="{A5F4598C-1837-400E-A7ED-BEDE70723D5A}" dt="2023-06-14T17:35:59.959" v="762" actId="478"/>
+          <ac:spMkLst>
+            <pc:docMk/>
+            <pc:sldMk cId="1574419775" sldId="263"/>
+            <ac:spMk id="30" creationId="{1CE6F3B0-3369-BF60-CDD5-7B94098E5220}"/>
+          </ac:spMkLst>
+        </pc:spChg>
+        <pc:picChg chg="del">
+          <ac:chgData name="교원 김" userId="22c46b319e4c0415" providerId="LiveId" clId="{A5F4598C-1837-400E-A7ED-BEDE70723D5A}" dt="2023-06-14T17:35:59.959" v="762" actId="478"/>
+          <ac:picMkLst>
+            <pc:docMk/>
+            <pc:sldMk cId="1574419775" sldId="263"/>
+            <ac:picMk id="5" creationId="{B9A151BC-A6E9-B809-5A6A-AA7FD00AD068}"/>
+          </ac:picMkLst>
+        </pc:picChg>
+        <pc:picChg chg="del">
+          <ac:chgData name="교원 김" userId="22c46b319e4c0415" providerId="LiveId" clId="{A5F4598C-1837-400E-A7ED-BEDE70723D5A}" dt="2023-06-14T17:35:59.959" v="762" actId="478"/>
+          <ac:picMkLst>
+            <pc:docMk/>
+            <pc:sldMk cId="1574419775" sldId="263"/>
+            <ac:picMk id="8" creationId="{65D14FF7-05E8-5BF0-809F-82ECE25EDEC5}"/>
+          </ac:picMkLst>
+        </pc:picChg>
+        <pc:cxnChg chg="del">
+          <ac:chgData name="교원 김" userId="22c46b319e4c0415" providerId="LiveId" clId="{A5F4598C-1837-400E-A7ED-BEDE70723D5A}" dt="2023-06-14T17:35:59.959" v="762" actId="478"/>
+          <ac:cxnSpMkLst>
+            <pc:docMk/>
+            <pc:sldMk cId="1574419775" sldId="263"/>
+            <ac:cxnSpMk id="18" creationId="{012F818A-51EA-24C0-2F2E-F95C42C84468}"/>
+          </ac:cxnSpMkLst>
+        </pc:cxnChg>
+        <pc:cxnChg chg="add mod">
+          <ac:chgData name="교원 김" userId="22c46b319e4c0415" providerId="LiveId" clId="{A5F4598C-1837-400E-A7ED-BEDE70723D5A}" dt="2023-06-14T17:38:25.360" v="823" actId="1076"/>
+          <ac:cxnSpMkLst>
+            <pc:docMk/>
+            <pc:sldMk cId="1574419775" sldId="263"/>
+            <ac:cxnSpMk id="19" creationId="{96B33D34-1BE1-D485-11DE-17CFD77DC8A6}"/>
+          </ac:cxnSpMkLst>
+        </pc:cxnChg>
+        <pc:cxnChg chg="del">
+          <ac:chgData name="교원 김" userId="22c46b319e4c0415" providerId="LiveId" clId="{A5F4598C-1837-400E-A7ED-BEDE70723D5A}" dt="2023-06-14T17:35:59.959" v="762" actId="478"/>
+          <ac:cxnSpMkLst>
+            <pc:docMk/>
+            <pc:sldMk cId="1574419775" sldId="263"/>
+            <ac:cxnSpMk id="20" creationId="{BAA24E63-E938-AB83-406A-D5BE11146D74}"/>
+          </ac:cxnSpMkLst>
+        </pc:cxnChg>
+        <pc:cxnChg chg="del">
+          <ac:chgData name="교원 김" userId="22c46b319e4c0415" providerId="LiveId" clId="{A5F4598C-1837-400E-A7ED-BEDE70723D5A}" dt="2023-06-14T17:35:59.959" v="762" actId="478"/>
+          <ac:cxnSpMkLst>
+            <pc:docMk/>
+            <pc:sldMk cId="1574419775" sldId="263"/>
+            <ac:cxnSpMk id="22" creationId="{8936903A-0DB8-9B79-69A9-BC1617628D0E}"/>
+          </ac:cxnSpMkLst>
+        </pc:cxnChg>
+        <pc:cxnChg chg="add mod">
+          <ac:chgData name="교원 김" userId="22c46b319e4c0415" providerId="LiveId" clId="{A5F4598C-1837-400E-A7ED-BEDE70723D5A}" dt="2023-06-14T17:38:25.360" v="823" actId="1076"/>
+          <ac:cxnSpMkLst>
+            <pc:docMk/>
+            <pc:sldMk cId="1574419775" sldId="263"/>
+            <ac:cxnSpMk id="23" creationId="{EDDAFF3F-31E8-99B4-F0A2-3BEDBB63BC3C}"/>
+          </ac:cxnSpMkLst>
+        </pc:cxnChg>
+        <pc:cxnChg chg="del">
+          <ac:chgData name="교원 김" userId="22c46b319e4c0415" providerId="LiveId" clId="{A5F4598C-1837-400E-A7ED-BEDE70723D5A}" dt="2023-06-14T17:35:59.959" v="762" actId="478"/>
+          <ac:cxnSpMkLst>
+            <pc:docMk/>
+            <pc:sldMk cId="1574419775" sldId="263"/>
+            <ac:cxnSpMk id="28" creationId="{5AE8CC79-5005-D0B3-C30A-6F24E2057BAC}"/>
+          </ac:cxnSpMkLst>
+        </pc:cxnChg>
+      </pc:sldChg>
+      <pc:sldChg chg="addSp delSp modSp add mod">
+        <pc:chgData name="교원 김" userId="22c46b319e4c0415" providerId="LiveId" clId="{A5F4598C-1837-400E-A7ED-BEDE70723D5A}" dt="2023-06-14T17:59:47.232" v="1985" actId="20577"/>
+        <pc:sldMkLst>
+          <pc:docMk/>
+          <pc:sldMk cId="897415166" sldId="264"/>
+        </pc:sldMkLst>
+        <pc:spChg chg="add mod">
+          <ac:chgData name="교원 김" userId="22c46b319e4c0415" providerId="LiveId" clId="{A5F4598C-1837-400E-A7ED-BEDE70723D5A}" dt="2023-06-14T17:42:37.573" v="914" actId="693"/>
+          <ac:spMkLst>
+            <pc:docMk/>
+            <pc:sldMk cId="897415166" sldId="264"/>
+            <ac:spMk id="2" creationId="{7A68CCD4-D2A2-30FC-C7B0-6A7C971E38B2}"/>
+          </ac:spMkLst>
+        </pc:spChg>
+        <pc:spChg chg="del">
+          <ac:chgData name="교원 김" userId="22c46b319e4c0415" providerId="LiveId" clId="{A5F4598C-1837-400E-A7ED-BEDE70723D5A}" dt="2023-06-14T17:41:48.931" v="901" actId="478"/>
+          <ac:spMkLst>
+            <pc:docMk/>
+            <pc:sldMk cId="897415166" sldId="264"/>
+            <ac:spMk id="3" creationId="{2BA18534-573E-33D5-1C8E-A3BC036F78B9}"/>
+          </ac:spMkLst>
+        </pc:spChg>
+        <pc:spChg chg="add mod">
+          <ac:chgData name="교원 김" userId="22c46b319e4c0415" providerId="LiveId" clId="{A5F4598C-1837-400E-A7ED-BEDE70723D5A}" dt="2023-06-14T17:59:47.232" v="1985" actId="20577"/>
+          <ac:spMkLst>
+            <pc:docMk/>
+            <pc:sldMk cId="897415166" sldId="264"/>
+            <ac:spMk id="3" creationId="{A572BBEB-C4B4-E8FB-0D89-4DED14388F6B}"/>
+          </ac:spMkLst>
+        </pc:spChg>
+        <pc:spChg chg="add del mod">
+          <ac:chgData name="교원 김" userId="22c46b319e4c0415" providerId="LiveId" clId="{A5F4598C-1837-400E-A7ED-BEDE70723D5A}" dt="2023-06-14T17:42:55.318" v="923"/>
+          <ac:spMkLst>
+            <pc:docMk/>
+            <pc:sldMk cId="897415166" sldId="264"/>
+            <ac:spMk id="4" creationId="{EA31ABBA-B9F2-9334-EE5E-623BF8688111}"/>
+          </ac:spMkLst>
+        </pc:spChg>
+        <pc:spChg chg="add mod">
+          <ac:chgData name="교원 김" userId="22c46b319e4c0415" providerId="LiveId" clId="{A5F4598C-1837-400E-A7ED-BEDE70723D5A}" dt="2023-06-14T17:43:22.473" v="939" actId="14100"/>
+          <ac:spMkLst>
+            <pc:docMk/>
+            <pc:sldMk cId="897415166" sldId="264"/>
+            <ac:spMk id="5" creationId="{AA7462EC-BA35-B9DA-52B8-0CD23DC46208}"/>
+          </ac:spMkLst>
+        </pc:spChg>
+        <pc:spChg chg="add del mod">
+          <ac:chgData name="교원 김" userId="22c46b319e4c0415" providerId="LiveId" clId="{A5F4598C-1837-400E-A7ED-BEDE70723D5A}" dt="2023-06-14T17:45:19.570" v="997" actId="478"/>
+          <ac:spMkLst>
+            <pc:docMk/>
+            <pc:sldMk cId="897415166" sldId="264"/>
+            <ac:spMk id="6" creationId="{A0872FD4-207C-A59B-8F51-D1025FC80B96}"/>
+          </ac:spMkLst>
+        </pc:spChg>
+        <pc:spChg chg="add del mod">
+          <ac:chgData name="교원 김" userId="22c46b319e4c0415" providerId="LiveId" clId="{A5F4598C-1837-400E-A7ED-BEDE70723D5A}" dt="2023-06-14T17:45:19.570" v="997" actId="478"/>
+          <ac:spMkLst>
+            <pc:docMk/>
+            <pc:sldMk cId="897415166" sldId="264"/>
+            <ac:spMk id="8" creationId="{01A91B18-6963-0DA5-B58B-7D5E4F422D11}"/>
+          </ac:spMkLst>
+        </pc:spChg>
+        <pc:spChg chg="add del mod">
+          <ac:chgData name="교원 김" userId="22c46b319e4c0415" providerId="LiveId" clId="{A5F4598C-1837-400E-A7ED-BEDE70723D5A}" dt="2023-06-14T17:58:15.504" v="1707" actId="20577"/>
+          <ac:spMkLst>
+            <pc:docMk/>
+            <pc:sldMk cId="897415166" sldId="264"/>
+            <ac:spMk id="9" creationId="{B112D299-4F14-CC08-E9C7-71FB470DFC98}"/>
+          </ac:spMkLst>
+        </pc:spChg>
+        <pc:spChg chg="add mod">
+          <ac:chgData name="교원 김" userId="22c46b319e4c0415" providerId="LiveId" clId="{A5F4598C-1837-400E-A7ED-BEDE70723D5A}" dt="2023-06-14T17:53:03.461" v="1305" actId="20577"/>
+          <ac:spMkLst>
+            <pc:docMk/>
+            <pc:sldMk cId="897415166" sldId="264"/>
+            <ac:spMk id="11" creationId="{4A1D1E6F-181D-C5A9-B1CF-2BD86AC5AEAC}"/>
+          </ac:spMkLst>
+        </pc:spChg>
+        <pc:spChg chg="add mod">
+          <ac:chgData name="교원 김" userId="22c46b319e4c0415" providerId="LiveId" clId="{A5F4598C-1837-400E-A7ED-BEDE70723D5A}" dt="2023-06-14T17:53:13.218" v="1321" actId="14100"/>
+          <ac:spMkLst>
+            <pc:docMk/>
+            <pc:sldMk cId="897415166" sldId="264"/>
+            <ac:spMk id="13" creationId="{B3BAD1B9-6010-E844-15AF-19929294E650}"/>
+          </ac:spMkLst>
+        </pc:spChg>
+        <pc:spChg chg="add del mod">
+          <ac:chgData name="교원 김" userId="22c46b319e4c0415" providerId="LiveId" clId="{A5F4598C-1837-400E-A7ED-BEDE70723D5A}" dt="2023-06-14T17:44:31.491" v="988" actId="478"/>
+          <ac:spMkLst>
+            <pc:docMk/>
+            <pc:sldMk cId="897415166" sldId="264"/>
+            <ac:spMk id="14" creationId="{8DCAFEF0-EA86-4F1D-2687-11105A3BD26A}"/>
+          </ac:spMkLst>
+        </pc:spChg>
+        <pc:spChg chg="add del mod">
+          <ac:chgData name="교원 김" userId="22c46b319e4c0415" providerId="LiveId" clId="{A5F4598C-1837-400E-A7ED-BEDE70723D5A}" dt="2023-06-14T17:44:31.938" v="989" actId="478"/>
+          <ac:spMkLst>
+            <pc:docMk/>
+            <pc:sldMk cId="897415166" sldId="264"/>
+            <ac:spMk id="15" creationId="{08D5C00E-45D4-3287-4353-CE53D1508DCD}"/>
+          </ac:spMkLst>
+        </pc:spChg>
+        <pc:spChg chg="add mod">
+          <ac:chgData name="교원 김" userId="22c46b319e4c0415" providerId="LiveId" clId="{A5F4598C-1837-400E-A7ED-BEDE70723D5A}" dt="2023-06-14T17:46:21.055" v="1042" actId="1076"/>
+          <ac:spMkLst>
+            <pc:docMk/>
+            <pc:sldMk cId="897415166" sldId="264"/>
+            <ac:spMk id="16" creationId="{FA60D3D0-967C-7994-6F63-E8931F471E31}"/>
+          </ac:spMkLst>
+        </pc:spChg>
+        <pc:spChg chg="add mod">
+          <ac:chgData name="교원 김" userId="22c46b319e4c0415" providerId="LiveId" clId="{A5F4598C-1837-400E-A7ED-BEDE70723D5A}" dt="2023-06-14T17:46:15.785" v="1039" actId="20577"/>
+          <ac:spMkLst>
+            <pc:docMk/>
+            <pc:sldMk cId="897415166" sldId="264"/>
+            <ac:spMk id="17" creationId="{AE1BB046-1A52-7006-8E78-D9051B24EDBD}"/>
+          </ac:spMkLst>
+        </pc:spChg>
+        <pc:cxnChg chg="add mod">
+          <ac:chgData name="교원 김" userId="22c46b319e4c0415" providerId="LiveId" clId="{A5F4598C-1837-400E-A7ED-BEDE70723D5A}" dt="2023-06-14T17:46:48.634" v="1051" actId="1076"/>
+          <ac:cxnSpMkLst>
+            <pc:docMk/>
+            <pc:sldMk cId="897415166" sldId="264"/>
+            <ac:cxnSpMk id="18" creationId="{59BC79D9-57E7-B091-C550-D266CD8BDD88}"/>
+          </ac:cxnSpMkLst>
+        </pc:cxnChg>
+        <pc:cxnChg chg="add del mod">
+          <ac:chgData name="교원 김" userId="22c46b319e4c0415" providerId="LiveId" clId="{A5F4598C-1837-400E-A7ED-BEDE70723D5A}" dt="2023-06-14T17:46:51.225" v="1053"/>
+          <ac:cxnSpMkLst>
+            <pc:docMk/>
+            <pc:sldMk cId="897415166" sldId="264"/>
+            <ac:cxnSpMk id="21" creationId="{78890ABB-FE7E-D4C6-7CC5-7999F2ACC8BE}"/>
+          </ac:cxnSpMkLst>
+        </pc:cxnChg>
+        <pc:cxnChg chg="add mod">
+          <ac:chgData name="교원 김" userId="22c46b319e4c0415" providerId="LiveId" clId="{A5F4598C-1837-400E-A7ED-BEDE70723D5A}" dt="2023-06-14T17:46:53.882" v="1054" actId="571"/>
+          <ac:cxnSpMkLst>
+            <pc:docMk/>
+            <pc:sldMk cId="897415166" sldId="264"/>
+            <ac:cxnSpMk id="22" creationId="{275E1B9D-452C-6188-D577-0ADE903717D5}"/>
+          </ac:cxnSpMkLst>
+        </pc:cxnChg>
+        <pc:cxnChg chg="add mod">
+          <ac:chgData name="교원 김" userId="22c46b319e4c0415" providerId="LiveId" clId="{A5F4598C-1837-400E-A7ED-BEDE70723D5A}" dt="2023-06-14T17:47:17.875" v="1062" actId="1076"/>
+          <ac:cxnSpMkLst>
+            <pc:docMk/>
+            <pc:sldMk cId="897415166" sldId="264"/>
+            <ac:cxnSpMk id="24" creationId="{393C2D87-E2B3-CC13-9A42-E84BACF61E88}"/>
+          </ac:cxnSpMkLst>
+        </pc:cxnChg>
+        <pc:cxnChg chg="add mod">
+          <ac:chgData name="교원 김" userId="22c46b319e4c0415" providerId="LiveId" clId="{A5F4598C-1837-400E-A7ED-BEDE70723D5A}" dt="2023-06-14T17:47:46.787" v="1064" actId="688"/>
+          <ac:cxnSpMkLst>
+            <pc:docMk/>
+            <pc:sldMk cId="897415166" sldId="264"/>
+            <ac:cxnSpMk id="25" creationId="{3FCB0D47-E66D-BC29-AA7C-AF0717D458EA}"/>
+          </ac:cxnSpMkLst>
+        </pc:cxnChg>
+      </pc:sldChg>
+      <pc:sldChg chg="addSp delSp modSp add mod ord">
+        <pc:chgData name="교원 김" userId="22c46b319e4c0415" providerId="LiveId" clId="{A5F4598C-1837-400E-A7ED-BEDE70723D5A}" dt="2023-06-14T18:10:30.652" v="3399"/>
+        <pc:sldMkLst>
+          <pc:docMk/>
+          <pc:sldMk cId="4048841667" sldId="265"/>
+        </pc:sldMkLst>
+        <pc:spChg chg="add mod">
+          <ac:chgData name="교원 김" userId="22c46b319e4c0415" providerId="LiveId" clId="{A5F4598C-1837-400E-A7ED-BEDE70723D5A}" dt="2023-06-14T17:52:17.595" v="1300" actId="20577"/>
+          <ac:spMkLst>
+            <pc:docMk/>
+            <pc:sldMk cId="4048841667" sldId="265"/>
+            <ac:spMk id="2" creationId="{1276674F-F720-E887-508D-E84893C42744}"/>
+          </ac:spMkLst>
+        </pc:spChg>
+        <pc:spChg chg="add del mod">
+          <ac:chgData name="교원 김" userId="22c46b319e4c0415" providerId="LiveId" clId="{A5F4598C-1837-400E-A7ED-BEDE70723D5A}" dt="2023-06-14T17:42:39.697" v="915" actId="478"/>
+          <ac:spMkLst>
+            <pc:docMk/>
+            <pc:sldMk cId="4048841667" sldId="265"/>
+            <ac:spMk id="2" creationId="{3C76403E-0BA4-1812-8E43-51E3D51BC0C2}"/>
+          </ac:spMkLst>
+        </pc:spChg>
+        <pc:spChg chg="del">
+          <ac:chgData name="교원 김" userId="22c46b319e4c0415" providerId="LiveId" clId="{A5F4598C-1837-400E-A7ED-BEDE70723D5A}" dt="2023-06-14T17:42:44.111" v="917" actId="478"/>
+          <ac:spMkLst>
+            <pc:docMk/>
+            <pc:sldMk cId="4048841667" sldId="265"/>
+            <ac:spMk id="3" creationId="{2BA18534-573E-33D5-1C8E-A3BC036F78B9}"/>
+          </ac:spMkLst>
+        </pc:spChg>
+        <pc:spChg chg="add mod">
+          <ac:chgData name="교원 김" userId="22c46b319e4c0415" providerId="LiveId" clId="{A5F4598C-1837-400E-A7ED-BEDE70723D5A}" dt="2023-06-14T17:53:45.610" v="1343" actId="20577"/>
+          <ac:spMkLst>
+            <pc:docMk/>
+            <pc:sldMk cId="4048841667" sldId="265"/>
+            <ac:spMk id="3" creationId="{8E55649E-C7D4-DAA5-1F46-00592F7F725D}"/>
+          </ac:spMkLst>
+        </pc:spChg>
+        <pc:spChg chg="add mod">
+          <ac:chgData name="교원 김" userId="22c46b319e4c0415" providerId="LiveId" clId="{A5F4598C-1837-400E-A7ED-BEDE70723D5A}" dt="2023-06-14T17:56:21.316" v="1410" actId="1076"/>
+          <ac:spMkLst>
+            <pc:docMk/>
+            <pc:sldMk cId="4048841667" sldId="265"/>
+            <ac:spMk id="4" creationId="{72C943B0-7A7A-11FB-B067-D9B7595E08CF}"/>
+          </ac:spMkLst>
+        </pc:spChg>
+        <pc:spChg chg="add del mod">
+          <ac:chgData name="교원 김" userId="22c46b319e4c0415" providerId="LiveId" clId="{A5F4598C-1837-400E-A7ED-BEDE70723D5A}" dt="2023-06-14T17:53:16.709" v="1322" actId="478"/>
+          <ac:spMkLst>
+            <pc:docMk/>
+            <pc:sldMk cId="4048841667" sldId="265"/>
+            <ac:spMk id="5" creationId="{7500BE16-8EA5-BA99-FF99-9C3A78FAE00D}"/>
+          </ac:spMkLst>
+        </pc:spChg>
+        <pc:spChg chg="mod">
+          <ac:chgData name="교원 김" userId="22c46b319e4c0415" providerId="LiveId" clId="{A5F4598C-1837-400E-A7ED-BEDE70723D5A}" dt="2023-06-14T17:58:18.842" v="1708"/>
+          <ac:spMkLst>
+            <pc:docMk/>
+            <pc:sldMk cId="4048841667" sldId="265"/>
+            <ac:spMk id="9" creationId="{B112D299-4F14-CC08-E9C7-71FB470DFC98}"/>
+          </ac:spMkLst>
+        </pc:spChg>
+        <pc:spChg chg="add del mod">
+          <ac:chgData name="교원 김" userId="22c46b319e4c0415" providerId="LiveId" clId="{A5F4598C-1837-400E-A7ED-BEDE70723D5A}" dt="2023-06-14T17:53:20.022" v="1324"/>
+          <ac:spMkLst>
+            <pc:docMk/>
+            <pc:sldMk cId="4048841667" sldId="265"/>
+            <ac:spMk id="11" creationId="{41C4167C-14F5-994A-94EF-F1101E00A9AE}"/>
+          </ac:spMkLst>
+        </pc:spChg>
+        <pc:spChg chg="add del mod">
+          <ac:chgData name="교원 김" userId="22c46b319e4c0415" providerId="LiveId" clId="{A5F4598C-1837-400E-A7ED-BEDE70723D5A}" dt="2023-06-14T17:53:20.022" v="1324"/>
+          <ac:spMkLst>
+            <pc:docMk/>
+            <pc:sldMk cId="4048841667" sldId="265"/>
+            <ac:spMk id="13" creationId="{4DEB25EC-3879-BA0F-872C-38E969BD15BF}"/>
+          </ac:spMkLst>
+        </pc:spChg>
+        <pc:spChg chg="add del mod">
+          <ac:chgData name="교원 김" userId="22c46b319e4c0415" providerId="LiveId" clId="{A5F4598C-1837-400E-A7ED-BEDE70723D5A}" dt="2023-06-14T17:53:23.800" v="1326"/>
+          <ac:spMkLst>
+            <pc:docMk/>
+            <pc:sldMk cId="4048841667" sldId="265"/>
+            <ac:spMk id="16" creationId="{BF79BE84-3916-147C-38DA-7EA4652D17B7}"/>
+          </ac:spMkLst>
+        </pc:spChg>
+        <pc:spChg chg="add del mod">
+          <ac:chgData name="교원 김" userId="22c46b319e4c0415" providerId="LiveId" clId="{A5F4598C-1837-400E-A7ED-BEDE70723D5A}" dt="2023-06-14T17:53:23.800" v="1326"/>
+          <ac:spMkLst>
+            <pc:docMk/>
+            <pc:sldMk cId="4048841667" sldId="265"/>
+            <ac:spMk id="17" creationId="{209A05E8-9472-1CC6-9847-D64CA776F98A}"/>
+          </ac:spMkLst>
+        </pc:spChg>
+        <pc:spChg chg="add mod">
+          <ac:chgData name="교원 김" userId="22c46b319e4c0415" providerId="LiveId" clId="{A5F4598C-1837-400E-A7ED-BEDE70723D5A}" dt="2023-06-14T17:53:27.623" v="1327"/>
+          <ac:spMkLst>
+            <pc:docMk/>
+            <pc:sldMk cId="4048841667" sldId="265"/>
+            <ac:spMk id="20" creationId="{E84F0826-1ED9-9083-38EB-96077DCE708A}"/>
+          </ac:spMkLst>
+        </pc:spChg>
+        <pc:spChg chg="add mod">
+          <ac:chgData name="교원 김" userId="22c46b319e4c0415" providerId="LiveId" clId="{A5F4598C-1837-400E-A7ED-BEDE70723D5A}" dt="2023-06-14T17:54:29.978" v="1344"/>
+          <ac:spMkLst>
+            <pc:docMk/>
+            <pc:sldMk cId="4048841667" sldId="265"/>
+            <ac:spMk id="21" creationId="{2F1BBAC6-B51C-2D05-7B19-7C699835CC57}"/>
+          </ac:spMkLst>
+        </pc:spChg>
+        <pc:spChg chg="add del mod">
+          <ac:chgData name="교원 김" userId="22c46b319e4c0415" providerId="LiveId" clId="{A5F4598C-1837-400E-A7ED-BEDE70723D5A}" dt="2023-06-14T17:59:53.873" v="1989" actId="478"/>
+          <ac:spMkLst>
+            <pc:docMk/>
+            <pc:sldMk cId="4048841667" sldId="265"/>
+            <ac:spMk id="23" creationId="{83DEF398-57DB-6FB3-247F-141BB3B4408A}"/>
+          </ac:spMkLst>
+        </pc:spChg>
+        <pc:spChg chg="add del mod">
+          <ac:chgData name="교원 김" userId="22c46b319e4c0415" providerId="LiveId" clId="{A5F4598C-1837-400E-A7ED-BEDE70723D5A}" dt="2023-06-14T17:59:51.136" v="1987"/>
+          <ac:spMkLst>
+            <pc:docMk/>
+            <pc:sldMk cId="4048841667" sldId="265"/>
+            <ac:spMk id="24" creationId="{092A8DB7-225F-E5D6-1578-66C78FC4A9D8}"/>
+          </ac:spMkLst>
+        </pc:spChg>
+        <pc:spChg chg="add mod">
+          <ac:chgData name="교원 김" userId="22c46b319e4c0415" providerId="LiveId" clId="{A5F4598C-1837-400E-A7ED-BEDE70723D5A}" dt="2023-06-14T18:02:47.352" v="2538" actId="20577"/>
+          <ac:spMkLst>
+            <pc:docMk/>
+            <pc:sldMk cId="4048841667" sldId="265"/>
+            <ac:spMk id="25" creationId="{E8E88816-D1EF-6554-4121-E9C376DBFA9F}"/>
+          </ac:spMkLst>
+        </pc:spChg>
+        <pc:cxnChg chg="add mod">
+          <ac:chgData name="교원 김" userId="22c46b319e4c0415" providerId="LiveId" clId="{A5F4598C-1837-400E-A7ED-BEDE70723D5A}" dt="2023-06-14T17:52:52.333" v="1301"/>
+          <ac:cxnSpMkLst>
+            <pc:docMk/>
+            <pc:sldMk cId="4048841667" sldId="265"/>
+            <ac:cxnSpMk id="6" creationId="{2BD51AAF-3C60-7268-D543-0E53099E1CA2}"/>
+          </ac:cxnSpMkLst>
+        </pc:cxnChg>
+        <pc:cxnChg chg="add mod">
+          <ac:chgData name="교원 김" userId="22c46b319e4c0415" providerId="LiveId" clId="{A5F4598C-1837-400E-A7ED-BEDE70723D5A}" dt="2023-06-14T17:52:52.333" v="1301"/>
+          <ac:cxnSpMkLst>
+            <pc:docMk/>
+            <pc:sldMk cId="4048841667" sldId="265"/>
+            <ac:cxnSpMk id="8" creationId="{14D67B3C-6B8E-AEC4-06D0-8481C9F086EB}"/>
+          </ac:cxnSpMkLst>
+        </pc:cxnChg>
+        <pc:cxnChg chg="add del mod">
+          <ac:chgData name="교원 김" userId="22c46b319e4c0415" providerId="LiveId" clId="{A5F4598C-1837-400E-A7ED-BEDE70723D5A}" dt="2023-06-14T17:53:20.022" v="1324"/>
+          <ac:cxnSpMkLst>
+            <pc:docMk/>
+            <pc:sldMk cId="4048841667" sldId="265"/>
+            <ac:cxnSpMk id="14" creationId="{03D3ADDA-A88E-BDDD-35F2-6B20CFA5DA00}"/>
+          </ac:cxnSpMkLst>
+        </pc:cxnChg>
+        <pc:cxnChg chg="add del mod">
+          <ac:chgData name="교원 김" userId="22c46b319e4c0415" providerId="LiveId" clId="{A5F4598C-1837-400E-A7ED-BEDE70723D5A}" dt="2023-06-14T17:53:20.022" v="1324"/>
+          <ac:cxnSpMkLst>
+            <pc:docMk/>
+            <pc:sldMk cId="4048841667" sldId="265"/>
+            <ac:cxnSpMk id="15" creationId="{5D1D3905-D71A-35FA-744C-38B2ACA0D67A}"/>
+          </ac:cxnSpMkLst>
+        </pc:cxnChg>
+        <pc:cxnChg chg="add del mod">
+          <ac:chgData name="교원 김" userId="22c46b319e4c0415" providerId="LiveId" clId="{A5F4598C-1837-400E-A7ED-BEDE70723D5A}" dt="2023-06-14T17:53:23.800" v="1326"/>
+          <ac:cxnSpMkLst>
+            <pc:docMk/>
+            <pc:sldMk cId="4048841667" sldId="265"/>
+            <ac:cxnSpMk id="18" creationId="{B313C0A3-7F58-B270-B2BB-2BB4C941FC30}"/>
+          </ac:cxnSpMkLst>
+        </pc:cxnChg>
+        <pc:cxnChg chg="add del mod">
+          <ac:chgData name="교원 김" userId="22c46b319e4c0415" providerId="LiveId" clId="{A5F4598C-1837-400E-A7ED-BEDE70723D5A}" dt="2023-06-14T17:53:23.800" v="1326"/>
+          <ac:cxnSpMkLst>
+            <pc:docMk/>
+            <pc:sldMk cId="4048841667" sldId="265"/>
+            <ac:cxnSpMk id="19" creationId="{428708BA-0272-5A96-92CF-0C1A77B1EBF1}"/>
+          </ac:cxnSpMkLst>
+        </pc:cxnChg>
+        <pc:cxnChg chg="add mod">
+          <ac:chgData name="교원 김" userId="22c46b319e4c0415" providerId="LiveId" clId="{A5F4598C-1837-400E-A7ED-BEDE70723D5A}" dt="2023-06-14T17:54:29.978" v="1344"/>
+          <ac:cxnSpMkLst>
+            <pc:docMk/>
+            <pc:sldMk cId="4048841667" sldId="265"/>
+            <ac:cxnSpMk id="22" creationId="{6CB121F9-DB25-65CF-049F-E34784069398}"/>
+          </ac:cxnSpMkLst>
+        </pc:cxnChg>
+      </pc:sldChg>
+      <pc:sldChg chg="addSp delSp modSp add mod">
+        <pc:chgData name="교원 김" userId="22c46b319e4c0415" providerId="LiveId" clId="{A5F4598C-1837-400E-A7ED-BEDE70723D5A}" dt="2023-06-14T18:03:53.045" v="2760" actId="20577"/>
+        <pc:sldMkLst>
+          <pc:docMk/>
+          <pc:sldMk cId="358996467" sldId="266"/>
+        </pc:sldMkLst>
+        <pc:spChg chg="add mod">
+          <ac:chgData name="교원 김" userId="22c46b319e4c0415" providerId="LiveId" clId="{A5F4598C-1837-400E-A7ED-BEDE70723D5A}" dt="2023-06-14T17:55:10.096" v="1372" actId="20577"/>
+          <ac:spMkLst>
+            <pc:docMk/>
+            <pc:sldMk cId="358996467" sldId="266"/>
+            <ac:spMk id="2" creationId="{3D089C1C-628A-A53F-5499-474127BA5301}"/>
+          </ac:spMkLst>
+        </pc:spChg>
+        <pc:spChg chg="add del mod">
+          <ac:chgData name="교원 김" userId="22c46b319e4c0415" providerId="LiveId" clId="{A5F4598C-1837-400E-A7ED-BEDE70723D5A}" dt="2023-06-14T17:42:46.096" v="918" actId="478"/>
+          <ac:spMkLst>
+            <pc:docMk/>
+            <pc:sldMk cId="358996467" sldId="266"/>
+            <ac:spMk id="2" creationId="{7D520BBE-97DD-FF85-790F-A16D7854828C}"/>
+          </ac:spMkLst>
+        </pc:spChg>
+        <pc:spChg chg="del">
+          <ac:chgData name="교원 김" userId="22c46b319e4c0415" providerId="LiveId" clId="{A5F4598C-1837-400E-A7ED-BEDE70723D5A}" dt="2023-06-14T17:42:47.021" v="919" actId="478"/>
+          <ac:spMkLst>
+            <pc:docMk/>
+            <pc:sldMk cId="358996467" sldId="266"/>
+            <ac:spMk id="3" creationId="{2BA18534-573E-33D5-1C8E-A3BC036F78B9}"/>
+          </ac:spMkLst>
+        </pc:spChg>
+        <pc:spChg chg="add mod">
+          <ac:chgData name="교원 김" userId="22c46b319e4c0415" providerId="LiveId" clId="{A5F4598C-1837-400E-A7ED-BEDE70723D5A}" dt="2023-06-14T17:57:03.068" v="1435" actId="20577"/>
+          <ac:spMkLst>
+            <pc:docMk/>
+            <pc:sldMk cId="358996467" sldId="266"/>
+            <ac:spMk id="3" creationId="{695ECA7B-6015-D286-4513-8B34BDF57590}"/>
+          </ac:spMkLst>
+        </pc:spChg>
+        <pc:spChg chg="add mod">
+          <ac:chgData name="교원 김" userId="22c46b319e4c0415" providerId="LiveId" clId="{A5F4598C-1837-400E-A7ED-BEDE70723D5A}" dt="2023-06-14T17:42:47.701" v="920"/>
+          <ac:spMkLst>
+            <pc:docMk/>
+            <pc:sldMk cId="358996467" sldId="266"/>
+            <ac:spMk id="4" creationId="{C8A71C19-4EBD-C26A-CDBD-EE9E2E740EEE}"/>
+          </ac:spMkLst>
+        </pc:spChg>
+        <pc:spChg chg="add mod">
+          <ac:chgData name="교원 김" userId="22c46b319e4c0415" providerId="LiveId" clId="{A5F4598C-1837-400E-A7ED-BEDE70723D5A}" dt="2023-06-14T17:56:53.554" v="1431" actId="20577"/>
+          <ac:spMkLst>
+            <pc:docMk/>
+            <pc:sldMk cId="358996467" sldId="266"/>
+            <ac:spMk id="8" creationId="{EA50D99A-AC52-514D-E159-8D1EEA59AFF1}"/>
+          </ac:spMkLst>
+        </pc:spChg>
+        <pc:spChg chg="mod">
+          <ac:chgData name="교원 김" userId="22c46b319e4c0415" providerId="LiveId" clId="{A5F4598C-1837-400E-A7ED-BEDE70723D5A}" dt="2023-06-14T17:58:33.486" v="1714" actId="20577"/>
+          <ac:spMkLst>
+            <pc:docMk/>
+            <pc:sldMk cId="358996467" sldId="266"/>
+            <ac:spMk id="9" creationId="{B112D299-4F14-CC08-E9C7-71FB470DFC98}"/>
+          </ac:spMkLst>
+        </pc:spChg>
+        <pc:spChg chg="add mod">
+          <ac:chgData name="교원 김" userId="22c46b319e4c0415" providerId="LiveId" clId="{A5F4598C-1837-400E-A7ED-BEDE70723D5A}" dt="2023-06-14T17:56:28.663" v="1411"/>
+          <ac:spMkLst>
+            <pc:docMk/>
+            <pc:sldMk cId="358996467" sldId="266"/>
+            <ac:spMk id="11" creationId="{827D6510-5EA2-6B9A-6284-FA75F207E325}"/>
+          </ac:spMkLst>
+        </pc:spChg>
+        <pc:spChg chg="add del mod">
+          <ac:chgData name="교원 김" userId="22c46b319e4c0415" providerId="LiveId" clId="{A5F4598C-1837-400E-A7ED-BEDE70723D5A}" dt="2023-06-14T17:59:57.100" v="1991" actId="478"/>
+          <ac:spMkLst>
+            <pc:docMk/>
+            <pc:sldMk cId="358996467" sldId="266"/>
+            <ac:spMk id="14" creationId="{F67A9E0C-5E44-B7AA-E68D-3276F9EA6704}"/>
+          </ac:spMkLst>
+        </pc:spChg>
+        <pc:spChg chg="add mod">
+          <ac:chgData name="교원 김" userId="22c46b319e4c0415" providerId="LiveId" clId="{A5F4598C-1837-400E-A7ED-BEDE70723D5A}" dt="2023-06-14T18:03:53.045" v="2760" actId="20577"/>
+          <ac:spMkLst>
+            <pc:docMk/>
+            <pc:sldMk cId="358996467" sldId="266"/>
+            <ac:spMk id="15" creationId="{4091FA9E-63E7-0C9F-57EC-7BF95C79BCAD}"/>
+          </ac:spMkLst>
+        </pc:spChg>
+        <pc:spChg chg="add mod">
+          <ac:chgData name="교원 김" userId="22c46b319e4c0415" providerId="LiveId" clId="{A5F4598C-1837-400E-A7ED-BEDE70723D5A}" dt="2023-06-14T18:03:36.322" v="2728" actId="20577"/>
+          <ac:spMkLst>
+            <pc:docMk/>
+            <pc:sldMk cId="358996467" sldId="266"/>
+            <ac:spMk id="16" creationId="{2EFEA42F-3F1A-22BC-8670-6316925EE999}"/>
+          </ac:spMkLst>
+        </pc:spChg>
+        <pc:cxnChg chg="add mod">
+          <ac:chgData name="교원 김" userId="22c46b319e4c0415" providerId="LiveId" clId="{A5F4598C-1837-400E-A7ED-BEDE70723D5A}" dt="2023-06-14T17:55:29.749" v="1373"/>
+          <ac:cxnSpMkLst>
+            <pc:docMk/>
+            <pc:sldMk cId="358996467" sldId="266"/>
+            <ac:cxnSpMk id="5" creationId="{23D30DB7-22DC-3EC8-6800-52FC1BB06EE8}"/>
+          </ac:cxnSpMkLst>
+        </pc:cxnChg>
+        <pc:cxnChg chg="add mod">
+          <ac:chgData name="교원 김" userId="22c46b319e4c0415" providerId="LiveId" clId="{A5F4598C-1837-400E-A7ED-BEDE70723D5A}" dt="2023-06-14T17:55:29.749" v="1373"/>
+          <ac:cxnSpMkLst>
+            <pc:docMk/>
+            <pc:sldMk cId="358996467" sldId="266"/>
+            <ac:cxnSpMk id="6" creationId="{5E33068A-3307-3B12-1621-E33C313F0081}"/>
+          </ac:cxnSpMkLst>
+        </pc:cxnChg>
+        <pc:cxnChg chg="add mod">
+          <ac:chgData name="교원 김" userId="22c46b319e4c0415" providerId="LiveId" clId="{A5F4598C-1837-400E-A7ED-BEDE70723D5A}" dt="2023-06-14T17:56:28.663" v="1411"/>
+          <ac:cxnSpMkLst>
+            <pc:docMk/>
+            <pc:sldMk cId="358996467" sldId="266"/>
+            <ac:cxnSpMk id="13" creationId="{495D87AC-FEC6-261C-D2EE-FDC9D0393D7E}"/>
+          </ac:cxnSpMkLst>
+        </pc:cxnChg>
+        <pc:cxnChg chg="add mod">
+          <ac:chgData name="교원 김" userId="22c46b319e4c0415" providerId="LiveId" clId="{A5F4598C-1837-400E-A7ED-BEDE70723D5A}" dt="2023-06-14T18:03:31.594" v="2713"/>
+          <ac:cxnSpMkLst>
+            <pc:docMk/>
+            <pc:sldMk cId="358996467" sldId="266"/>
+            <ac:cxnSpMk id="17" creationId="{B3F1FE95-6EDB-3085-CFFF-5A3ED83C708E}"/>
+          </ac:cxnSpMkLst>
+        </pc:cxnChg>
+      </pc:sldChg>
+      <pc:sldChg chg="add del">
+        <pc:chgData name="교원 김" userId="22c46b319e4c0415" providerId="LiveId" clId="{A5F4598C-1837-400E-A7ED-BEDE70723D5A}" dt="2023-06-14T18:15:25.144" v="3450" actId="47"/>
+        <pc:sldMkLst>
+          <pc:docMk/>
+          <pc:sldMk cId="2746267328" sldId="267"/>
+        </pc:sldMkLst>
+      </pc:sldChg>
+      <pc:sldChg chg="addSp delSp modSp add mod">
+        <pc:chgData name="교원 김" userId="22c46b319e4c0415" providerId="LiveId" clId="{A5F4598C-1837-400E-A7ED-BEDE70723D5A}" dt="2023-06-14T17:35:49.808" v="760" actId="14100"/>
+        <pc:sldMkLst>
+          <pc:docMk/>
+          <pc:sldMk cId="3126154274" sldId="268"/>
+        </pc:sldMkLst>
+        <pc:spChg chg="del">
+          <ac:chgData name="교원 김" userId="22c46b319e4c0415" providerId="LiveId" clId="{A5F4598C-1837-400E-A7ED-BEDE70723D5A}" dt="2023-06-14T17:35:43.749" v="757" actId="478"/>
+          <ac:spMkLst>
+            <pc:docMk/>
+            <pc:sldMk cId="3126154274" sldId="268"/>
+            <ac:spMk id="3" creationId="{2BA18534-573E-33D5-1C8E-A3BC036F78B9}"/>
+          </ac:spMkLst>
+        </pc:spChg>
+        <pc:spChg chg="mod">
+          <ac:chgData name="교원 김" userId="22c46b319e4c0415" providerId="LiveId" clId="{A5F4598C-1837-400E-A7ED-BEDE70723D5A}" dt="2023-06-14T17:35:33.233" v="756"/>
+          <ac:spMkLst>
+            <pc:docMk/>
+            <pc:sldMk cId="3126154274" sldId="268"/>
+            <ac:spMk id="9" creationId="{B112D299-4F14-CC08-E9C7-71FB470DFC98}"/>
+          </ac:spMkLst>
+        </pc:spChg>
+        <pc:picChg chg="add mod">
+          <ac:chgData name="교원 김" userId="22c46b319e4c0415" providerId="LiveId" clId="{A5F4598C-1837-400E-A7ED-BEDE70723D5A}" dt="2023-06-14T17:35:49.808" v="760" actId="14100"/>
+          <ac:picMkLst>
+            <pc:docMk/>
+            <pc:sldMk cId="3126154274" sldId="268"/>
+            <ac:picMk id="2" creationId="{5DF2806F-F73D-251B-531C-F0B5A17EFBBD}"/>
+          </ac:picMkLst>
+        </pc:picChg>
+      </pc:sldChg>
+      <pc:sldChg chg="addSp delSp modSp add mod">
+        <pc:chgData name="교원 김" userId="22c46b319e4c0415" providerId="LiveId" clId="{A5F4598C-1837-400E-A7ED-BEDE70723D5A}" dt="2023-06-14T18:12:16.979" v="3419" actId="20577"/>
+        <pc:sldMkLst>
+          <pc:docMk/>
+          <pc:sldMk cId="3461550387" sldId="269"/>
+        </pc:sldMkLst>
+        <pc:spChg chg="del">
+          <ac:chgData name="교원 김" userId="22c46b319e4c0415" providerId="LiveId" clId="{A5F4598C-1837-400E-A7ED-BEDE70723D5A}" dt="2023-06-14T18:05:29.930" v="2768" actId="478"/>
+          <ac:spMkLst>
+            <pc:docMk/>
+            <pc:sldMk cId="3461550387" sldId="269"/>
+            <ac:spMk id="3" creationId="{2BA18534-573E-33D5-1C8E-A3BC036F78B9}"/>
+          </ac:spMkLst>
+        </pc:spChg>
+        <pc:spChg chg="mod">
+          <ac:chgData name="교원 김" userId="22c46b319e4c0415" providerId="LiveId" clId="{A5F4598C-1837-400E-A7ED-BEDE70723D5A}" dt="2023-06-14T18:12:16.979" v="3419" actId="20577"/>
+          <ac:spMkLst>
+            <pc:docMk/>
+            <pc:sldMk cId="3461550387" sldId="269"/>
+            <ac:spMk id="9" creationId="{B112D299-4F14-CC08-E9C7-71FB470DFC98}"/>
+          </ac:spMkLst>
+        </pc:spChg>
+        <pc:picChg chg="add del">
+          <ac:chgData name="교원 김" userId="22c46b319e4c0415" providerId="LiveId" clId="{A5F4598C-1837-400E-A7ED-BEDE70723D5A}" dt="2023-06-14T18:05:28.151" v="2767" actId="22"/>
+          <ac:picMkLst>
+            <pc:docMk/>
+            <pc:sldMk cId="3461550387" sldId="269"/>
+            <ac:picMk id="4" creationId="{31F87391-01E7-B760-DBDF-554F313D1A7A}"/>
+          </ac:picMkLst>
+        </pc:picChg>
+        <pc:picChg chg="add del">
+          <ac:chgData name="교원 김" userId="22c46b319e4c0415" providerId="LiveId" clId="{A5F4598C-1837-400E-A7ED-BEDE70723D5A}" dt="2023-06-14T18:05:30.934" v="2770" actId="22"/>
+          <ac:picMkLst>
+            <pc:docMk/>
+            <pc:sldMk cId="3461550387" sldId="269"/>
+            <ac:picMk id="6" creationId="{CECFF8DC-6582-F956-152D-68925C0EFA07}"/>
+          </ac:picMkLst>
+        </pc:picChg>
+        <pc:picChg chg="add mod">
+          <ac:chgData name="교원 김" userId="22c46b319e4c0415" providerId="LiveId" clId="{A5F4598C-1837-400E-A7ED-BEDE70723D5A}" dt="2023-06-14T18:05:42.244" v="2773" actId="1076"/>
+          <ac:picMkLst>
+            <pc:docMk/>
+            <pc:sldMk cId="3461550387" sldId="269"/>
+            <ac:picMk id="11" creationId="{D5BE2A39-B0B4-6C98-B74D-CE4EDAFA0F35}"/>
+          </ac:picMkLst>
+        </pc:picChg>
+      </pc:sldChg>
+      <pc:sldChg chg="addSp delSp modSp add mod ord">
+        <pc:chgData name="교원 김" userId="22c46b319e4c0415" providerId="LiveId" clId="{A5F4598C-1837-400E-A7ED-BEDE70723D5A}" dt="2023-06-14T18:13:58.266" v="3428" actId="1076"/>
+        <pc:sldMkLst>
+          <pc:docMk/>
+          <pc:sldMk cId="1247261276" sldId="270"/>
+        </pc:sldMkLst>
+        <pc:spChg chg="del">
+          <ac:chgData name="교원 김" userId="22c46b319e4c0415" providerId="LiveId" clId="{A5F4598C-1837-400E-A7ED-BEDE70723D5A}" dt="2023-06-14T18:13:08.243" v="3423" actId="478"/>
+          <ac:spMkLst>
+            <pc:docMk/>
+            <pc:sldMk cId="1247261276" sldId="270"/>
+            <ac:spMk id="3" creationId="{2BA18534-573E-33D5-1C8E-A3BC036F78B9}"/>
+          </ac:spMkLst>
+        </pc:spChg>
+        <pc:spChg chg="mod">
+          <ac:chgData name="교원 김" userId="22c46b319e4c0415" providerId="LiveId" clId="{A5F4598C-1837-400E-A7ED-BEDE70723D5A}" dt="2023-06-14T18:12:19.061" v="3421" actId="20577"/>
+          <ac:spMkLst>
+            <pc:docMk/>
+            <pc:sldMk cId="1247261276" sldId="270"/>
+            <ac:spMk id="9" creationId="{B112D299-4F14-CC08-E9C7-71FB470DFC98}"/>
+          </ac:spMkLst>
+        </pc:spChg>
+        <pc:picChg chg="add mod">
+          <ac:chgData name="교원 김" userId="22c46b319e4c0415" providerId="LiveId" clId="{A5F4598C-1837-400E-A7ED-BEDE70723D5A}" dt="2023-06-14T18:13:12.359" v="3425" actId="1076"/>
+          <ac:picMkLst>
+            <pc:docMk/>
+            <pc:sldMk cId="1247261276" sldId="270"/>
+            <ac:picMk id="4" creationId="{FBF83DB4-494D-68FB-C6F0-CA793CB45BB9}"/>
+          </ac:picMkLst>
+        </pc:picChg>
+        <pc:picChg chg="add mod">
+          <ac:chgData name="교원 김" userId="22c46b319e4c0415" providerId="LiveId" clId="{A5F4598C-1837-400E-A7ED-BEDE70723D5A}" dt="2023-06-14T18:13:58.266" v="3428" actId="1076"/>
+          <ac:picMkLst>
+            <pc:docMk/>
+            <pc:sldMk cId="1247261276" sldId="270"/>
+            <ac:picMk id="6" creationId="{FE71A217-5561-F42C-D933-DDD07628C365}"/>
+          </ac:picMkLst>
+        </pc:picChg>
+      </pc:sldChg>
+      <pc:sldChg chg="addSp delSp modSp add mod">
+        <pc:chgData name="교원 김" userId="22c46b319e4c0415" providerId="LiveId" clId="{A5F4598C-1837-400E-A7ED-BEDE70723D5A}" dt="2023-06-14T18:15:20.168" v="3449" actId="20577"/>
+        <pc:sldMkLst>
+          <pc:docMk/>
+          <pc:sldMk cId="3125206007" sldId="271"/>
+        </pc:sldMkLst>
+        <pc:spChg chg="del">
+          <ac:chgData name="교원 김" userId="22c46b319e4c0415" providerId="LiveId" clId="{A5F4598C-1837-400E-A7ED-BEDE70723D5A}" dt="2023-06-14T18:11:22.121" v="3400" actId="478"/>
+          <ac:spMkLst>
+            <pc:docMk/>
+            <pc:sldMk cId="3125206007" sldId="271"/>
+            <ac:spMk id="3" creationId="{2BA18534-573E-33D5-1C8E-A3BC036F78B9}"/>
+          </ac:spMkLst>
+        </pc:spChg>
+        <pc:spChg chg="mod">
+          <ac:chgData name="교원 김" userId="22c46b319e4c0415" providerId="LiveId" clId="{A5F4598C-1837-400E-A7ED-BEDE70723D5A}" dt="2023-06-14T18:12:12.612" v="3415" actId="20577"/>
+          <ac:spMkLst>
+            <pc:docMk/>
+            <pc:sldMk cId="3125206007" sldId="271"/>
+            <ac:spMk id="9" creationId="{B112D299-4F14-CC08-E9C7-71FB470DFC98}"/>
+          </ac:spMkLst>
+        </pc:spChg>
+        <pc:spChg chg="add mod">
+          <ac:chgData name="교원 김" userId="22c46b319e4c0415" providerId="LiveId" clId="{A5F4598C-1837-400E-A7ED-BEDE70723D5A}" dt="2023-06-14T18:15:20.168" v="3449" actId="20577"/>
+          <ac:spMkLst>
+            <pc:docMk/>
+            <pc:sldMk cId="3125206007" sldId="271"/>
+            <ac:spMk id="13" creationId="{055FB6E2-F5AE-84D4-C73C-86BF2990DE10}"/>
+          </ac:spMkLst>
+        </pc:spChg>
+        <pc:picChg chg="add del">
+          <ac:chgData name="교원 김" userId="22c46b319e4c0415" providerId="LiveId" clId="{A5F4598C-1837-400E-A7ED-BEDE70723D5A}" dt="2023-06-14T18:05:25.887" v="2765" actId="22"/>
+          <ac:picMkLst>
+            <pc:docMk/>
+            <pc:sldMk cId="3125206007" sldId="271"/>
+            <ac:picMk id="4" creationId="{E90030B6-BDA2-6E2F-4542-60894098B4B7}"/>
+          </ac:picMkLst>
+        </pc:picChg>
+        <pc:picChg chg="add mod">
+          <ac:chgData name="교원 김" userId="22c46b319e4c0415" providerId="LiveId" clId="{A5F4598C-1837-400E-A7ED-BEDE70723D5A}" dt="2023-06-14T18:11:41.572" v="3409" actId="1076"/>
+          <ac:picMkLst>
+            <pc:docMk/>
+            <pc:sldMk cId="3125206007" sldId="271"/>
+            <ac:picMk id="6" creationId="{BC1C490E-EC78-8BE1-43AC-96D938BD0281}"/>
+          </ac:picMkLst>
+        </pc:picChg>
+        <pc:picChg chg="add mod">
+          <ac:chgData name="교원 김" userId="22c46b319e4c0415" providerId="LiveId" clId="{A5F4598C-1837-400E-A7ED-BEDE70723D5A}" dt="2023-06-14T18:14:52.017" v="3435" actId="1076"/>
+          <ac:picMkLst>
+            <pc:docMk/>
+            <pc:sldMk cId="3125206007" sldId="271"/>
+            <ac:picMk id="11" creationId="{A3ECF173-E642-36C5-6ED6-404F501E7A48}"/>
+          </ac:picMkLst>
+        </pc:picChg>
+      </pc:sldChg>
+      <pc:sldChg chg="addSp delSp modSp add mod">
+        <pc:chgData name="교원 김" userId="22c46b319e4c0415" providerId="LiveId" clId="{A5F4598C-1837-400E-A7ED-BEDE70723D5A}" dt="2023-06-14T18:14:57.682" v="3436" actId="478"/>
+        <pc:sldMkLst>
+          <pc:docMk/>
+          <pc:sldMk cId="404904227" sldId="272"/>
+        </pc:sldMkLst>
+        <pc:spChg chg="mod">
+          <ac:chgData name="교원 김" userId="22c46b319e4c0415" providerId="LiveId" clId="{A5F4598C-1837-400E-A7ED-BEDE70723D5A}" dt="2023-06-14T18:12:14.832" v="3417" actId="20577"/>
+          <ac:spMkLst>
+            <pc:docMk/>
+            <pc:sldMk cId="404904227" sldId="272"/>
+            <ac:spMk id="9" creationId="{B112D299-4F14-CC08-E9C7-71FB470DFC98}"/>
+          </ac:spMkLst>
+        </pc:spChg>
+        <pc:spChg chg="add del mod">
+          <ac:chgData name="교원 김" userId="22c46b319e4c0415" providerId="LiveId" clId="{A5F4598C-1837-400E-A7ED-BEDE70723D5A}" dt="2023-06-14T18:14:57.682" v="3436" actId="478"/>
+          <ac:spMkLst>
+            <pc:docMk/>
+            <pc:sldMk cId="404904227" sldId="272"/>
+            <ac:spMk id="13" creationId="{6FC75F70-1C72-59F1-52A7-C1EDFB16CC59}"/>
+          </ac:spMkLst>
+        </pc:spChg>
+        <pc:picChg chg="add del">
+          <ac:chgData name="교원 김" userId="22c46b319e4c0415" providerId="LiveId" clId="{A5F4598C-1837-400E-A7ED-BEDE70723D5A}" dt="2023-06-14T18:06:50.349" v="2803" actId="22"/>
+          <ac:picMkLst>
+            <pc:docMk/>
+            <pc:sldMk cId="404904227" sldId="272"/>
+            <ac:picMk id="3" creationId="{E245F9AF-0B28-2EC0-A459-768BAD8C99EE}"/>
+          </ac:picMkLst>
+        </pc:picChg>
+        <pc:picChg chg="add del">
+          <ac:chgData name="교원 김" userId="22c46b319e4c0415" providerId="LiveId" clId="{A5F4598C-1837-400E-A7ED-BEDE70723D5A}" dt="2023-06-14T18:06:56.288" v="2805" actId="22"/>
+          <ac:picMkLst>
+            <pc:docMk/>
+            <pc:sldMk cId="404904227" sldId="272"/>
+            <ac:picMk id="5" creationId="{A23FCFAE-5282-BC83-D1E7-0C94DD73F7A4}"/>
+          </ac:picMkLst>
+        </pc:picChg>
+        <pc:picChg chg="add mod">
+          <ac:chgData name="교원 김" userId="22c46b319e4c0415" providerId="LiveId" clId="{A5F4598C-1837-400E-A7ED-BEDE70723D5A}" dt="2023-06-14T18:07:04.575" v="2810" actId="14100"/>
+          <ac:picMkLst>
+            <pc:docMk/>
+            <pc:sldMk cId="404904227" sldId="272"/>
+            <ac:picMk id="8" creationId="{8BA6B9CE-2525-84CD-25A0-2519FFF51BF0}"/>
+          </ac:picMkLst>
+        </pc:picChg>
+        <pc:picChg chg="del">
+          <ac:chgData name="교원 김" userId="22c46b319e4c0415" providerId="LiveId" clId="{A5F4598C-1837-400E-A7ED-BEDE70723D5A}" dt="2023-06-14T18:05:51.931" v="2798" actId="478"/>
+          <ac:picMkLst>
+            <pc:docMk/>
+            <pc:sldMk cId="404904227" sldId="272"/>
+            <ac:picMk id="11" creationId="{D5BE2A39-B0B4-6C98-B74D-CE4EDAFA0F35}"/>
+          </ac:picMkLst>
+        </pc:picChg>
+      </pc:sldChg>
+      <pc:sldChg chg="add del">
+        <pc:chgData name="교원 김" userId="22c46b319e4c0415" providerId="LiveId" clId="{A5F4598C-1837-400E-A7ED-BEDE70723D5A}" dt="2023-06-14T18:14:14.673" v="3429" actId="47"/>
+        <pc:sldMkLst>
+          <pc:docMk/>
+          <pc:sldMk cId="2148493046" sldId="273"/>
+        </pc:sldMkLst>
       </pc:sldChg>
     </pc:docChg>
   </pc:docChgLst>
@@ -650,7 +1674,7 @@
           <a:p>
             <a:fld id="{E1001223-88CF-4CB1-A8B2-77C7E3CEB353}" type="datetimeFigureOut">
               <a:rPr lang="ko-KR" altLang="en-US" smtClean="0"/>
-              <a:t>2023-06-06</a:t>
+              <a:t>2023-06-15</a:t>
             </a:fld>
             <a:endParaRPr lang="ko-KR" altLang="en-US"/>
           </a:p>
@@ -848,7 +1872,7 @@
           <a:p>
             <a:fld id="{E1001223-88CF-4CB1-A8B2-77C7E3CEB353}" type="datetimeFigureOut">
               <a:rPr lang="ko-KR" altLang="en-US" smtClean="0"/>
-              <a:t>2023-06-06</a:t>
+              <a:t>2023-06-15</a:t>
             </a:fld>
             <a:endParaRPr lang="ko-KR" altLang="en-US"/>
           </a:p>
@@ -1056,7 +2080,7 @@
           <a:p>
             <a:fld id="{E1001223-88CF-4CB1-A8B2-77C7E3CEB353}" type="datetimeFigureOut">
               <a:rPr lang="ko-KR" altLang="en-US" smtClean="0"/>
-              <a:t>2023-06-06</a:t>
+              <a:t>2023-06-15</a:t>
             </a:fld>
             <a:endParaRPr lang="ko-KR" altLang="en-US"/>
           </a:p>
@@ -1254,7 +2278,7 @@
           <a:p>
             <a:fld id="{E1001223-88CF-4CB1-A8B2-77C7E3CEB353}" type="datetimeFigureOut">
               <a:rPr lang="ko-KR" altLang="en-US" smtClean="0"/>
-              <a:t>2023-06-06</a:t>
+              <a:t>2023-06-15</a:t>
             </a:fld>
             <a:endParaRPr lang="ko-KR" altLang="en-US"/>
           </a:p>
@@ -1529,7 +2553,7 @@
           <a:p>
             <a:fld id="{E1001223-88CF-4CB1-A8B2-77C7E3CEB353}" type="datetimeFigureOut">
               <a:rPr lang="ko-KR" altLang="en-US" smtClean="0"/>
-              <a:t>2023-06-06</a:t>
+              <a:t>2023-06-15</a:t>
             </a:fld>
             <a:endParaRPr lang="ko-KR" altLang="en-US"/>
           </a:p>
@@ -1794,7 +2818,7 @@
           <a:p>
             <a:fld id="{E1001223-88CF-4CB1-A8B2-77C7E3CEB353}" type="datetimeFigureOut">
               <a:rPr lang="ko-KR" altLang="en-US" smtClean="0"/>
-              <a:t>2023-06-06</a:t>
+              <a:t>2023-06-15</a:t>
             </a:fld>
             <a:endParaRPr lang="ko-KR" altLang="en-US"/>
           </a:p>
@@ -2206,7 +3230,7 @@
           <a:p>
             <a:fld id="{E1001223-88CF-4CB1-A8B2-77C7E3CEB353}" type="datetimeFigureOut">
               <a:rPr lang="ko-KR" altLang="en-US" smtClean="0"/>
-              <a:t>2023-06-06</a:t>
+              <a:t>2023-06-15</a:t>
             </a:fld>
             <a:endParaRPr lang="ko-KR" altLang="en-US"/>
           </a:p>
@@ -2347,7 +3371,7 @@
           <a:p>
             <a:fld id="{E1001223-88CF-4CB1-A8B2-77C7E3CEB353}" type="datetimeFigureOut">
               <a:rPr lang="ko-KR" altLang="en-US" smtClean="0"/>
-              <a:t>2023-06-06</a:t>
+              <a:t>2023-06-15</a:t>
             </a:fld>
             <a:endParaRPr lang="ko-KR" altLang="en-US"/>
           </a:p>
@@ -2460,7 +3484,7 @@
           <a:p>
             <a:fld id="{E1001223-88CF-4CB1-A8B2-77C7E3CEB353}" type="datetimeFigureOut">
               <a:rPr lang="ko-KR" altLang="en-US" smtClean="0"/>
-              <a:t>2023-06-06</a:t>
+              <a:t>2023-06-15</a:t>
             </a:fld>
             <a:endParaRPr lang="ko-KR" altLang="en-US"/>
           </a:p>
@@ -2771,7 +3795,7 @@
           <a:p>
             <a:fld id="{E1001223-88CF-4CB1-A8B2-77C7E3CEB353}" type="datetimeFigureOut">
               <a:rPr lang="ko-KR" altLang="en-US" smtClean="0"/>
-              <a:t>2023-06-06</a:t>
+              <a:t>2023-06-15</a:t>
             </a:fld>
             <a:endParaRPr lang="ko-KR" altLang="en-US"/>
           </a:p>
@@ -3059,7 +4083,7 @@
           <a:p>
             <a:fld id="{E1001223-88CF-4CB1-A8B2-77C7E3CEB353}" type="datetimeFigureOut">
               <a:rPr lang="ko-KR" altLang="en-US" smtClean="0"/>
-              <a:t>2023-06-06</a:t>
+              <a:t>2023-06-15</a:t>
             </a:fld>
             <a:endParaRPr lang="ko-KR" altLang="en-US"/>
           </a:p>
@@ -3300,7 +4324,7 @@
           <a:p>
             <a:fld id="{E1001223-88CF-4CB1-A8B2-77C7E3CEB353}" type="datetimeFigureOut">
               <a:rPr lang="ko-KR" altLang="en-US" smtClean="0"/>
-              <a:t>2023-06-06</a:t>
+              <a:t>2023-06-15</a:t>
             </a:fld>
             <a:endParaRPr lang="ko-KR" altLang="en-US"/>
           </a:p>
@@ -3827,6 +4851,535 @@
 </p:sld>
 </file>
 
+<file path=ppt/slides/slide10.xml><?xml version="1.0" encoding="utf-8"?>
+<p:sld xmlns:a="http://schemas.openxmlformats.org/drawingml/2006/main" xmlns:r="http://schemas.openxmlformats.org/officeDocument/2006/relationships" xmlns:p="http://schemas.openxmlformats.org/presentationml/2006/main">
+  <p:cSld>
+    <p:spTree>
+      <p:nvGrpSpPr>
+        <p:cNvPr id="1" name=""/>
+        <p:cNvGrpSpPr/>
+        <p:nvPr/>
+      </p:nvGrpSpPr>
+      <p:grpSpPr>
+        <a:xfrm>
+          <a:off x="0" y="0"/>
+          <a:ext cx="0" cy="0"/>
+          <a:chOff x="0" y="0"/>
+          <a:chExt cx="0" cy="0"/>
+        </a:xfrm>
+      </p:grpSpPr>
+      <p:cxnSp>
+        <p:nvCxnSpPr>
+          <p:cNvPr id="7" name="직선 연결선 6">
+            <a:extLst>
+              <a:ext uri="{FF2B5EF4-FFF2-40B4-BE49-F238E27FC236}">
+                <a16:creationId xmlns:a16="http://schemas.microsoft.com/office/drawing/2014/main" id="{739F3D0E-3DE9-97BC-D6A8-646565E692DA}"/>
+              </a:ext>
+            </a:extLst>
+          </p:cNvPr>
+          <p:cNvCxnSpPr>
+            <a:cxnSpLocks/>
+          </p:cNvCxnSpPr>
+          <p:nvPr/>
+        </p:nvCxnSpPr>
+        <p:spPr>
+          <a:xfrm>
+            <a:off x="794657" y="696957"/>
+            <a:ext cx="10602686" cy="0"/>
+          </a:xfrm>
+          <a:prstGeom prst="line">
+            <a:avLst/>
+          </a:prstGeom>
+          <a:ln w="31750"/>
+        </p:spPr>
+        <p:style>
+          <a:lnRef idx="1">
+            <a:schemeClr val="accent1"/>
+          </a:lnRef>
+          <a:fillRef idx="0">
+            <a:schemeClr val="accent1"/>
+          </a:fillRef>
+          <a:effectRef idx="0">
+            <a:schemeClr val="accent1"/>
+          </a:effectRef>
+          <a:fontRef idx="minor">
+            <a:schemeClr val="tx1"/>
+          </a:fontRef>
+        </p:style>
+      </p:cxnSp>
+      <p:sp>
+        <p:nvSpPr>
+          <p:cNvPr id="9" name="TextBox 8">
+            <a:extLst>
+              <a:ext uri="{FF2B5EF4-FFF2-40B4-BE49-F238E27FC236}">
+                <a16:creationId xmlns:a16="http://schemas.microsoft.com/office/drawing/2014/main" id="{B112D299-4F14-CC08-E9C7-71FB470DFC98}"/>
+              </a:ext>
+            </a:extLst>
+          </p:cNvPr>
+          <p:cNvSpPr txBox="1"/>
+          <p:nvPr/>
+        </p:nvSpPr>
+        <p:spPr>
+          <a:xfrm>
+            <a:off x="794657" y="296847"/>
+            <a:ext cx="10602686" cy="400110"/>
+          </a:xfrm>
+          <a:prstGeom prst="rect">
+            <a:avLst/>
+          </a:prstGeom>
+          <a:noFill/>
+        </p:spPr>
+        <p:txBody>
+          <a:bodyPr wrap="square" rtlCol="0">
+            <a:spAutoFit/>
+          </a:bodyPr>
+          <a:lstStyle/>
+          <a:p>
+            <a:r>
+              <a:rPr lang="en-US" altLang="ko-KR" sz="2000" dirty="0"/>
+              <a:t>Develop Progress</a:t>
+            </a:r>
+            <a:endParaRPr lang="ko-KR" altLang="en-US" sz="2000" dirty="0"/>
+          </a:p>
+        </p:txBody>
+      </p:sp>
+      <p:cxnSp>
+        <p:nvCxnSpPr>
+          <p:cNvPr id="10" name="직선 연결선 9">
+            <a:extLst>
+              <a:ext uri="{FF2B5EF4-FFF2-40B4-BE49-F238E27FC236}">
+                <a16:creationId xmlns:a16="http://schemas.microsoft.com/office/drawing/2014/main" id="{B0785D09-06DA-18D6-490A-F585175105D2}"/>
+              </a:ext>
+            </a:extLst>
+          </p:cNvPr>
+          <p:cNvCxnSpPr>
+            <a:cxnSpLocks/>
+          </p:cNvCxnSpPr>
+          <p:nvPr/>
+        </p:nvCxnSpPr>
+        <p:spPr>
+          <a:xfrm>
+            <a:off x="794657" y="6483803"/>
+            <a:ext cx="10602686" cy="0"/>
+          </a:xfrm>
+          <a:prstGeom prst="line">
+            <a:avLst/>
+          </a:prstGeom>
+          <a:ln w="31750"/>
+        </p:spPr>
+        <p:style>
+          <a:lnRef idx="1">
+            <a:schemeClr val="accent1"/>
+          </a:lnRef>
+          <a:fillRef idx="0">
+            <a:schemeClr val="accent1"/>
+          </a:fillRef>
+          <a:effectRef idx="0">
+            <a:schemeClr val="accent1"/>
+          </a:effectRef>
+          <a:fontRef idx="minor">
+            <a:schemeClr val="tx1"/>
+          </a:fontRef>
+        </p:style>
+      </p:cxnSp>
+      <p:sp>
+        <p:nvSpPr>
+          <p:cNvPr id="12" name="TextBox 11">
+            <a:extLst>
+              <a:ext uri="{FF2B5EF4-FFF2-40B4-BE49-F238E27FC236}">
+                <a16:creationId xmlns:a16="http://schemas.microsoft.com/office/drawing/2014/main" id="{B106CB43-CD10-50ED-AAF0-49E23D52BDAE}"/>
+              </a:ext>
+            </a:extLst>
+          </p:cNvPr>
+          <p:cNvSpPr txBox="1"/>
+          <p:nvPr/>
+        </p:nvSpPr>
+        <p:spPr>
+          <a:xfrm>
+            <a:off x="838200" y="6516580"/>
+            <a:ext cx="3884023" cy="246221"/>
+          </a:xfrm>
+          <a:prstGeom prst="rect">
+            <a:avLst/>
+          </a:prstGeom>
+          <a:noFill/>
+        </p:spPr>
+        <p:txBody>
+          <a:bodyPr wrap="square" rtlCol="0">
+            <a:spAutoFit/>
+          </a:bodyPr>
+          <a:lstStyle/>
+          <a:p>
+            <a:r>
+              <a:rPr lang="en-US" altLang="ko-KR" sz="1000" dirty="0">
+                <a:latin typeface="Aharoni" panose="02010803020104030203" pitchFamily="2" charset="-79"/>
+                <a:cs typeface="Aharoni" panose="02010803020104030203" pitchFamily="2" charset="-79"/>
+              </a:rPr>
+              <a:t>Physical Computing Final Project</a:t>
+            </a:r>
+            <a:endParaRPr lang="ko-KR" altLang="en-US" sz="1000" dirty="0">
+              <a:latin typeface="Aharoni" panose="02010803020104030203" pitchFamily="2" charset="-79"/>
+              <a:cs typeface="Aharoni" panose="02010803020104030203" pitchFamily="2" charset="-79"/>
+            </a:endParaRPr>
+          </a:p>
+        </p:txBody>
+      </p:sp>
+      <p:pic>
+        <p:nvPicPr>
+          <p:cNvPr id="2" name="그림 1">
+            <a:extLst>
+              <a:ext uri="{FF2B5EF4-FFF2-40B4-BE49-F238E27FC236}">
+                <a16:creationId xmlns:a16="http://schemas.microsoft.com/office/drawing/2014/main" id="{5DF2806F-F73D-251B-531C-F0B5A17EFBBD}"/>
+              </a:ext>
+            </a:extLst>
+          </p:cNvPr>
+          <p:cNvPicPr>
+            <a:picLocks noChangeAspect="1"/>
+          </p:cNvPicPr>
+          <p:nvPr/>
+        </p:nvPicPr>
+        <p:blipFill>
+          <a:blip r:embed="rId2"/>
+          <a:stretch>
+            <a:fillRect/>
+          </a:stretch>
+        </p:blipFill>
+        <p:spPr>
+          <a:xfrm>
+            <a:off x="0" y="2110715"/>
+            <a:ext cx="12192000" cy="2636570"/>
+          </a:xfrm>
+          <a:prstGeom prst="rect">
+            <a:avLst/>
+          </a:prstGeom>
+        </p:spPr>
+      </p:pic>
+    </p:spTree>
+    <p:extLst>
+      <p:ext uri="{BB962C8B-B14F-4D97-AF65-F5344CB8AC3E}">
+        <p14:creationId xmlns:p14="http://schemas.microsoft.com/office/powerpoint/2010/main" val="3126154274"/>
+      </p:ext>
+    </p:extLst>
+  </p:cSld>
+  <p:clrMapOvr>
+    <a:masterClrMapping/>
+  </p:clrMapOvr>
+</p:sld>
+</file>
+
+<file path=ppt/slides/slide11.xml><?xml version="1.0" encoding="utf-8"?>
+<p:sld xmlns:a="http://schemas.openxmlformats.org/drawingml/2006/main" xmlns:r="http://schemas.openxmlformats.org/officeDocument/2006/relationships" xmlns:p="http://schemas.openxmlformats.org/presentationml/2006/main">
+  <p:cSld>
+    <p:spTree>
+      <p:nvGrpSpPr>
+        <p:cNvPr id="1" name=""/>
+        <p:cNvGrpSpPr/>
+        <p:nvPr/>
+      </p:nvGrpSpPr>
+      <p:grpSpPr>
+        <a:xfrm>
+          <a:off x="0" y="0"/>
+          <a:ext cx="0" cy="0"/>
+          <a:chOff x="0" y="0"/>
+          <a:chExt cx="0" cy="0"/>
+        </a:xfrm>
+      </p:grpSpPr>
+      <p:sp>
+        <p:nvSpPr>
+          <p:cNvPr id="3" name="TextBox 2">
+            <a:extLst>
+              <a:ext uri="{FF2B5EF4-FFF2-40B4-BE49-F238E27FC236}">
+                <a16:creationId xmlns:a16="http://schemas.microsoft.com/office/drawing/2014/main" id="{3CDA57A3-0FA0-67E9-8A38-74057D5BE382}"/>
+              </a:ext>
+            </a:extLst>
+          </p:cNvPr>
+          <p:cNvSpPr txBox="1"/>
+          <p:nvPr/>
+        </p:nvSpPr>
+        <p:spPr>
+          <a:xfrm>
+            <a:off x="794657" y="1028103"/>
+            <a:ext cx="5981022" cy="1477328"/>
+          </a:xfrm>
+          <a:prstGeom prst="rect">
+            <a:avLst/>
+          </a:prstGeom>
+          <a:noFill/>
+        </p:spPr>
+        <p:txBody>
+          <a:bodyPr wrap="square" rtlCol="0">
+            <a:spAutoFit/>
+          </a:bodyPr>
+          <a:lstStyle/>
+          <a:p>
+            <a:pPr marL="285750" indent="-285750">
+              <a:buFontTx/>
+              <a:buChar char="-"/>
+            </a:pPr>
+            <a:r>
+              <a:rPr lang="en-US" altLang="ko-KR" dirty="0"/>
+              <a:t>GPS </a:t>
+            </a:r>
+            <a:r>
+              <a:rPr lang="ko-KR" altLang="en-US" dirty="0"/>
+              <a:t>모듈 검증 필요</a:t>
+            </a:r>
+            <a:endParaRPr lang="en-US" altLang="ko-KR" dirty="0"/>
+          </a:p>
+          <a:p>
+            <a:pPr marL="285750" indent="-285750">
+              <a:buFontTx/>
+              <a:buChar char="-"/>
+            </a:pPr>
+            <a:r>
+              <a:rPr lang="ko-KR" altLang="en-US" dirty="0"/>
+              <a:t>위 검증 후 연관된 기능 검증 필요</a:t>
+            </a:r>
+            <a:endParaRPr lang="en-US" altLang="ko-KR" dirty="0"/>
+          </a:p>
+          <a:p>
+            <a:pPr marL="285750" indent="-285750">
+              <a:buFontTx/>
+              <a:buChar char="-"/>
+            </a:pPr>
+            <a:r>
+              <a:rPr lang="ko-KR" altLang="en-US" dirty="0"/>
+              <a:t>구조 개선 필요 </a:t>
+            </a:r>
+            <a:r>
+              <a:rPr lang="en-US" altLang="ko-KR" dirty="0"/>
+              <a:t>(Class </a:t>
+            </a:r>
+            <a:r>
+              <a:rPr lang="ko-KR" altLang="en-US" dirty="0"/>
+              <a:t>화 되어 있는 것</a:t>
+            </a:r>
+            <a:r>
+              <a:rPr lang="en-US" altLang="ko-KR" dirty="0"/>
+              <a:t>)</a:t>
+            </a:r>
+          </a:p>
+          <a:p>
+            <a:pPr marL="285750" indent="-285750">
+              <a:buFontTx/>
+              <a:buChar char="-"/>
+            </a:pPr>
+            <a:r>
+              <a:rPr lang="en-US" altLang="ko-KR" dirty="0" err="1"/>
+              <a:t>Gpio</a:t>
+            </a:r>
+            <a:r>
+              <a:rPr lang="en-US" altLang="ko-KR" dirty="0"/>
+              <a:t> </a:t>
+            </a:r>
+            <a:r>
+              <a:rPr lang="ko-KR" altLang="en-US" dirty="0"/>
+              <a:t>줄이고 </a:t>
+            </a:r>
+            <a:r>
+              <a:rPr lang="en-US" altLang="ko-KR" dirty="0"/>
+              <a:t>Serial</a:t>
+            </a:r>
+            <a:r>
+              <a:rPr lang="ko-KR" altLang="en-US" dirty="0"/>
+              <a:t>로 데이터 패킷 구성</a:t>
+            </a:r>
+            <a:endParaRPr lang="en-US" altLang="ko-KR" dirty="0"/>
+          </a:p>
+          <a:p>
+            <a:pPr marL="285750" indent="-285750">
+              <a:buFontTx/>
+              <a:buChar char="-"/>
+            </a:pPr>
+            <a:r>
+              <a:rPr lang="ko-KR" altLang="en-US" dirty="0"/>
+              <a:t>실제 무선 통신 모듈 장착 </a:t>
+            </a:r>
+            <a:r>
+              <a:rPr lang="en-US" altLang="ko-KR" dirty="0"/>
+              <a:t>(</a:t>
+            </a:r>
+            <a:r>
+              <a:rPr lang="ko-KR" altLang="en-US" dirty="0"/>
+              <a:t>할 수 있다면</a:t>
+            </a:r>
+            <a:r>
+              <a:rPr lang="en-US" altLang="ko-KR" dirty="0"/>
+              <a:t>…)</a:t>
+            </a:r>
+            <a:endParaRPr lang="ko-KR" altLang="en-US" dirty="0"/>
+          </a:p>
+        </p:txBody>
+      </p:sp>
+      <p:cxnSp>
+        <p:nvCxnSpPr>
+          <p:cNvPr id="4" name="직선 연결선 3">
+            <a:extLst>
+              <a:ext uri="{FF2B5EF4-FFF2-40B4-BE49-F238E27FC236}">
+                <a16:creationId xmlns:a16="http://schemas.microsoft.com/office/drawing/2014/main" id="{0C97DF88-8EAC-529B-36CE-5D22835262D4}"/>
+              </a:ext>
+            </a:extLst>
+          </p:cNvPr>
+          <p:cNvCxnSpPr>
+            <a:cxnSpLocks/>
+          </p:cNvCxnSpPr>
+          <p:nvPr/>
+        </p:nvCxnSpPr>
+        <p:spPr>
+          <a:xfrm>
+            <a:off x="794657" y="6483803"/>
+            <a:ext cx="10602686" cy="0"/>
+          </a:xfrm>
+          <a:prstGeom prst="line">
+            <a:avLst/>
+          </a:prstGeom>
+          <a:ln w="31750"/>
+        </p:spPr>
+        <p:style>
+          <a:lnRef idx="1">
+            <a:schemeClr val="accent1"/>
+          </a:lnRef>
+          <a:fillRef idx="0">
+            <a:schemeClr val="accent1"/>
+          </a:fillRef>
+          <a:effectRef idx="0">
+            <a:schemeClr val="accent1"/>
+          </a:effectRef>
+          <a:fontRef idx="minor">
+            <a:schemeClr val="tx1"/>
+          </a:fontRef>
+        </p:style>
+      </p:cxnSp>
+      <p:sp>
+        <p:nvSpPr>
+          <p:cNvPr id="5" name="TextBox 4">
+            <a:extLst>
+              <a:ext uri="{FF2B5EF4-FFF2-40B4-BE49-F238E27FC236}">
+                <a16:creationId xmlns:a16="http://schemas.microsoft.com/office/drawing/2014/main" id="{A02CD218-4EF6-4602-6682-398B5DBFD7E8}"/>
+              </a:ext>
+            </a:extLst>
+          </p:cNvPr>
+          <p:cNvSpPr txBox="1"/>
+          <p:nvPr/>
+        </p:nvSpPr>
+        <p:spPr>
+          <a:xfrm>
+            <a:off x="838200" y="6516580"/>
+            <a:ext cx="3884023" cy="246221"/>
+          </a:xfrm>
+          <a:prstGeom prst="rect">
+            <a:avLst/>
+          </a:prstGeom>
+          <a:noFill/>
+        </p:spPr>
+        <p:txBody>
+          <a:bodyPr wrap="square" rtlCol="0">
+            <a:spAutoFit/>
+          </a:bodyPr>
+          <a:lstStyle/>
+          <a:p>
+            <a:r>
+              <a:rPr lang="en-US" altLang="ko-KR" sz="1000" dirty="0">
+                <a:latin typeface="Aharoni" panose="02010803020104030203" pitchFamily="2" charset="-79"/>
+                <a:cs typeface="Aharoni" panose="02010803020104030203" pitchFamily="2" charset="-79"/>
+              </a:rPr>
+              <a:t>Physical Computing Final Project</a:t>
+            </a:r>
+            <a:endParaRPr lang="ko-KR" altLang="en-US" sz="1000" dirty="0">
+              <a:latin typeface="Aharoni" panose="02010803020104030203" pitchFamily="2" charset="-79"/>
+              <a:cs typeface="Aharoni" panose="02010803020104030203" pitchFamily="2" charset="-79"/>
+            </a:endParaRPr>
+          </a:p>
+        </p:txBody>
+      </p:sp>
+      <p:cxnSp>
+        <p:nvCxnSpPr>
+          <p:cNvPr id="6" name="직선 연결선 5">
+            <a:extLst>
+              <a:ext uri="{FF2B5EF4-FFF2-40B4-BE49-F238E27FC236}">
+                <a16:creationId xmlns:a16="http://schemas.microsoft.com/office/drawing/2014/main" id="{C3356958-4ACB-C343-AFEF-D051C3F5BDD3}"/>
+              </a:ext>
+            </a:extLst>
+          </p:cNvPr>
+          <p:cNvCxnSpPr>
+            <a:cxnSpLocks/>
+          </p:cNvCxnSpPr>
+          <p:nvPr/>
+        </p:nvCxnSpPr>
+        <p:spPr>
+          <a:xfrm>
+            <a:off x="794657" y="696957"/>
+            <a:ext cx="10602686" cy="0"/>
+          </a:xfrm>
+          <a:prstGeom prst="line">
+            <a:avLst/>
+          </a:prstGeom>
+          <a:ln w="31750"/>
+        </p:spPr>
+        <p:style>
+          <a:lnRef idx="1">
+            <a:schemeClr val="accent1"/>
+          </a:lnRef>
+          <a:fillRef idx="0">
+            <a:schemeClr val="accent1"/>
+          </a:fillRef>
+          <a:effectRef idx="0">
+            <a:schemeClr val="accent1"/>
+          </a:effectRef>
+          <a:fontRef idx="minor">
+            <a:schemeClr val="tx1"/>
+          </a:fontRef>
+        </p:style>
+      </p:cxnSp>
+      <p:sp>
+        <p:nvSpPr>
+          <p:cNvPr id="7" name="TextBox 6">
+            <a:extLst>
+              <a:ext uri="{FF2B5EF4-FFF2-40B4-BE49-F238E27FC236}">
+                <a16:creationId xmlns:a16="http://schemas.microsoft.com/office/drawing/2014/main" id="{ED8B30BD-6172-4294-A87D-4D9F4A599FF7}"/>
+              </a:ext>
+            </a:extLst>
+          </p:cNvPr>
+          <p:cNvSpPr txBox="1"/>
+          <p:nvPr/>
+        </p:nvSpPr>
+        <p:spPr>
+          <a:xfrm>
+            <a:off x="794657" y="296847"/>
+            <a:ext cx="10602686" cy="400110"/>
+          </a:xfrm>
+          <a:prstGeom prst="rect">
+            <a:avLst/>
+          </a:prstGeom>
+          <a:noFill/>
+        </p:spPr>
+        <p:txBody>
+          <a:bodyPr wrap="square" rtlCol="0">
+            <a:spAutoFit/>
+          </a:bodyPr>
+          <a:lstStyle/>
+          <a:p>
+            <a:r>
+              <a:rPr lang="en-US" altLang="ko-KR" sz="2000" dirty="0" err="1"/>
+              <a:t>ToDo</a:t>
+            </a:r>
+            <a:endParaRPr lang="ko-KR" altLang="en-US" sz="2000" dirty="0"/>
+          </a:p>
+        </p:txBody>
+      </p:sp>
+    </p:spTree>
+    <p:extLst>
+      <p:ext uri="{BB962C8B-B14F-4D97-AF65-F5344CB8AC3E}">
+        <p14:creationId xmlns:p14="http://schemas.microsoft.com/office/powerpoint/2010/main" val="2741179167"/>
+      </p:ext>
+    </p:extLst>
+  </p:cSld>
+  <p:clrMapOvr>
+    <a:masterClrMapping/>
+  </p:clrMapOvr>
+</p:sld>
+</file>
+
 <file path=ppt/slides/slide2.xml><?xml version="1.0" encoding="utf-8"?>
 <p:sld xmlns:a="http://schemas.openxmlformats.org/drawingml/2006/main" xmlns:r="http://schemas.openxmlformats.org/officeDocument/2006/relationships" xmlns:p="http://schemas.openxmlformats.org/presentationml/2006/main">
   <p:cSld>
@@ -3844,62 +5397,188 @@
           <a:chExt cx="0" cy="0"/>
         </a:xfrm>
       </p:grpSpPr>
-      <p:sp>
-        <p:nvSpPr>
-          <p:cNvPr id="2" name="제목 1">
-            <a:extLst>
-              <a:ext uri="{FF2B5EF4-FFF2-40B4-BE49-F238E27FC236}">
-                <a16:creationId xmlns:a16="http://schemas.microsoft.com/office/drawing/2014/main" id="{D2F4B487-129E-42A5-39DA-F4FA017F0BD2}"/>
-              </a:ext>
-            </a:extLst>
-          </p:cNvPr>
-          <p:cNvSpPr>
-            <a:spLocks noGrp="1"/>
-          </p:cNvSpPr>
-          <p:nvPr>
-            <p:ph type="title"/>
-          </p:nvPr>
-        </p:nvSpPr>
-        <p:spPr>
-          <a:xfrm>
-            <a:off x="838200" y="365126"/>
-            <a:ext cx="10515600" cy="668028"/>
-          </a:xfrm>
-        </p:spPr>
-        <p:txBody>
-          <a:bodyPr>
-            <a:normAutofit fontScale="90000"/>
-          </a:bodyPr>
-          <a:lstStyle/>
-          <a:p>
-            <a:r>
-              <a:rPr lang="en-US" altLang="ko-KR" dirty="0"/>
-              <a:t>System Diagram </a:t>
-            </a:r>
-            <a:endParaRPr lang="ko-KR" altLang="en-US" dirty="0"/>
-          </a:p>
-        </p:txBody>
-      </p:sp>
-      <p:sp>
-        <p:nvSpPr>
-          <p:cNvPr id="4" name="직사각형 3">
-            <a:extLst>
-              <a:ext uri="{FF2B5EF4-FFF2-40B4-BE49-F238E27FC236}">
-                <a16:creationId xmlns:a16="http://schemas.microsoft.com/office/drawing/2014/main" id="{E9348E8F-B488-C474-7FEA-1830C5F3EE6A}"/>
-              </a:ext>
-            </a:extLst>
-          </p:cNvPr>
-          <p:cNvSpPr/>
+      <p:cxnSp>
+        <p:nvCxnSpPr>
+          <p:cNvPr id="7" name="직선 연결선 6">
+            <a:extLst>
+              <a:ext uri="{FF2B5EF4-FFF2-40B4-BE49-F238E27FC236}">
+                <a16:creationId xmlns:a16="http://schemas.microsoft.com/office/drawing/2014/main" id="{739F3D0E-3DE9-97BC-D6A8-646565E692DA}"/>
+              </a:ext>
+            </a:extLst>
+          </p:cNvPr>
+          <p:cNvCxnSpPr>
+            <a:cxnSpLocks/>
+          </p:cNvCxnSpPr>
           <p:nvPr/>
-        </p:nvSpPr>
-        <p:spPr>
-          <a:xfrm>
-            <a:off x="846738" y="1698171"/>
-            <a:ext cx="1560616" cy="2600697"/>
+        </p:nvCxnSpPr>
+        <p:spPr>
+          <a:xfrm>
+            <a:off x="794657" y="696957"/>
+            <a:ext cx="10602686" cy="0"/>
+          </a:xfrm>
+          <a:prstGeom prst="line">
+            <a:avLst/>
+          </a:prstGeom>
+          <a:ln w="31750"/>
+        </p:spPr>
+        <p:style>
+          <a:lnRef idx="1">
+            <a:schemeClr val="accent1"/>
+          </a:lnRef>
+          <a:fillRef idx="0">
+            <a:schemeClr val="accent1"/>
+          </a:fillRef>
+          <a:effectRef idx="0">
+            <a:schemeClr val="accent1"/>
+          </a:effectRef>
+          <a:fontRef idx="minor">
+            <a:schemeClr val="tx1"/>
+          </a:fontRef>
+        </p:style>
+      </p:cxnSp>
+      <p:sp>
+        <p:nvSpPr>
+          <p:cNvPr id="9" name="TextBox 8">
+            <a:extLst>
+              <a:ext uri="{FF2B5EF4-FFF2-40B4-BE49-F238E27FC236}">
+                <a16:creationId xmlns:a16="http://schemas.microsoft.com/office/drawing/2014/main" id="{B112D299-4F14-CC08-E9C7-71FB470DFC98}"/>
+              </a:ext>
+            </a:extLst>
+          </p:cNvPr>
+          <p:cNvSpPr txBox="1"/>
+          <p:nvPr/>
+        </p:nvSpPr>
+        <p:spPr>
+          <a:xfrm>
+            <a:off x="794657" y="296847"/>
+            <a:ext cx="10602686" cy="400110"/>
           </a:xfrm>
           <a:prstGeom prst="rect">
             <a:avLst/>
           </a:prstGeom>
+          <a:noFill/>
+        </p:spPr>
+        <p:txBody>
+          <a:bodyPr wrap="square" rtlCol="0">
+            <a:spAutoFit/>
+          </a:bodyPr>
+          <a:lstStyle/>
+          <a:p>
+            <a:r>
+              <a:rPr lang="en-US" altLang="ko-KR" sz="2000" dirty="0"/>
+              <a:t>System Diagram (Simple)</a:t>
+            </a:r>
+            <a:endParaRPr lang="ko-KR" altLang="en-US" sz="2000" dirty="0"/>
+          </a:p>
+        </p:txBody>
+      </p:sp>
+      <p:cxnSp>
+        <p:nvCxnSpPr>
+          <p:cNvPr id="10" name="직선 연결선 9">
+            <a:extLst>
+              <a:ext uri="{FF2B5EF4-FFF2-40B4-BE49-F238E27FC236}">
+                <a16:creationId xmlns:a16="http://schemas.microsoft.com/office/drawing/2014/main" id="{B0785D09-06DA-18D6-490A-F585175105D2}"/>
+              </a:ext>
+            </a:extLst>
+          </p:cNvPr>
+          <p:cNvCxnSpPr>
+            <a:cxnSpLocks/>
+          </p:cNvCxnSpPr>
+          <p:nvPr/>
+        </p:nvCxnSpPr>
+        <p:spPr>
+          <a:xfrm>
+            <a:off x="794657" y="6483803"/>
+            <a:ext cx="10602686" cy="0"/>
+          </a:xfrm>
+          <a:prstGeom prst="line">
+            <a:avLst/>
+          </a:prstGeom>
+          <a:ln w="31750"/>
+        </p:spPr>
+        <p:style>
+          <a:lnRef idx="1">
+            <a:schemeClr val="accent1"/>
+          </a:lnRef>
+          <a:fillRef idx="0">
+            <a:schemeClr val="accent1"/>
+          </a:fillRef>
+          <a:effectRef idx="0">
+            <a:schemeClr val="accent1"/>
+          </a:effectRef>
+          <a:fontRef idx="minor">
+            <a:schemeClr val="tx1"/>
+          </a:fontRef>
+        </p:style>
+      </p:cxnSp>
+      <p:sp>
+        <p:nvSpPr>
+          <p:cNvPr id="12" name="TextBox 11">
+            <a:extLst>
+              <a:ext uri="{FF2B5EF4-FFF2-40B4-BE49-F238E27FC236}">
+                <a16:creationId xmlns:a16="http://schemas.microsoft.com/office/drawing/2014/main" id="{B106CB43-CD10-50ED-AAF0-49E23D52BDAE}"/>
+              </a:ext>
+            </a:extLst>
+          </p:cNvPr>
+          <p:cNvSpPr txBox="1"/>
+          <p:nvPr/>
+        </p:nvSpPr>
+        <p:spPr>
+          <a:xfrm>
+            <a:off x="838200" y="6516580"/>
+            <a:ext cx="3884023" cy="246221"/>
+          </a:xfrm>
+          <a:prstGeom prst="rect">
+            <a:avLst/>
+          </a:prstGeom>
+          <a:noFill/>
+        </p:spPr>
+        <p:txBody>
+          <a:bodyPr wrap="square" rtlCol="0">
+            <a:spAutoFit/>
+          </a:bodyPr>
+          <a:lstStyle/>
+          <a:p>
+            <a:r>
+              <a:rPr lang="en-US" altLang="ko-KR" sz="1000" dirty="0">
+                <a:latin typeface="Aharoni" panose="02010803020104030203" pitchFamily="2" charset="-79"/>
+                <a:cs typeface="Aharoni" panose="02010803020104030203" pitchFamily="2" charset="-79"/>
+              </a:rPr>
+              <a:t>Physical Computing Final Project</a:t>
+            </a:r>
+            <a:endParaRPr lang="ko-KR" altLang="en-US" sz="1000" dirty="0">
+              <a:latin typeface="Aharoni" panose="02010803020104030203" pitchFamily="2" charset="-79"/>
+              <a:cs typeface="Aharoni" panose="02010803020104030203" pitchFamily="2" charset="-79"/>
+            </a:endParaRPr>
+          </a:p>
+        </p:txBody>
+      </p:sp>
+      <p:sp>
+        <p:nvSpPr>
+          <p:cNvPr id="11" name="직사각형 10">
+            <a:extLst>
+              <a:ext uri="{FF2B5EF4-FFF2-40B4-BE49-F238E27FC236}">
+                <a16:creationId xmlns:a16="http://schemas.microsoft.com/office/drawing/2014/main" id="{DC4C6A0E-64F1-6C9D-6AAC-5B6DACE358A2}"/>
+              </a:ext>
+            </a:extLst>
+          </p:cNvPr>
+          <p:cNvSpPr/>
+          <p:nvPr/>
+        </p:nvSpPr>
+        <p:spPr>
+          <a:xfrm>
+            <a:off x="838200" y="1904084"/>
+            <a:ext cx="2208811" cy="3372591"/>
+          </a:xfrm>
+          <a:prstGeom prst="rect">
+            <a:avLst/>
+          </a:prstGeom>
+          <a:solidFill>
+            <a:schemeClr val="accent6">
+              <a:lumMod val="20000"/>
+              <a:lumOff val="80000"/>
+            </a:schemeClr>
+          </a:solidFill>
         </p:spPr>
         <p:style>
           <a:lnRef idx="2">
@@ -3923,26 +5602,22 @@
           <a:p>
             <a:pPr algn="ctr"/>
             <a:r>
-              <a:rPr lang="en-US" altLang="ko-KR" dirty="0"/>
-              <a:t>Module</a:t>
-            </a:r>
-          </a:p>
-          <a:p>
-            <a:pPr algn="ctr"/>
-            <a:r>
-              <a:rPr lang="en-US" altLang="ko-KR" dirty="0"/>
-              <a:t>Child</a:t>
-            </a:r>
-            <a:endParaRPr lang="ko-KR" altLang="en-US" dirty="0"/>
-          </a:p>
-        </p:txBody>
-      </p:sp>
-      <p:sp>
-        <p:nvSpPr>
-          <p:cNvPr id="5" name="직사각형 4">
-            <a:extLst>
-              <a:ext uri="{FF2B5EF4-FFF2-40B4-BE49-F238E27FC236}">
-                <a16:creationId xmlns:a16="http://schemas.microsoft.com/office/drawing/2014/main" id="{2314E371-92A2-56E6-1B02-331E1897D73B}"/>
+              <a:rPr lang="en-US" altLang="ko-KR" b="1" dirty="0">
+                <a:solidFill>
+                  <a:schemeClr val="tx1"/>
+                </a:solidFill>
+              </a:rPr>
+              <a:t>Module Child</a:t>
+            </a:r>
+          </a:p>
+        </p:txBody>
+      </p:sp>
+      <p:sp>
+        <p:nvSpPr>
+          <p:cNvPr id="14" name="직사각형 13">
+            <a:extLst>
+              <a:ext uri="{FF2B5EF4-FFF2-40B4-BE49-F238E27FC236}">
+                <a16:creationId xmlns:a16="http://schemas.microsoft.com/office/drawing/2014/main" id="{AEF5D983-1CBD-FBEB-EC71-51754657114A}"/>
               </a:ext>
             </a:extLst>
           </p:cNvPr>
@@ -3951,12 +5626,18 @@
         </p:nvSpPr>
         <p:spPr>
           <a:xfrm>
-            <a:off x="9793184" y="1698171"/>
-            <a:ext cx="1560616" cy="2600697"/>
+            <a:off x="4867893" y="1904084"/>
+            <a:ext cx="2208811" cy="3372591"/>
           </a:xfrm>
           <a:prstGeom prst="rect">
             <a:avLst/>
           </a:prstGeom>
+          <a:solidFill>
+            <a:schemeClr val="accent5">
+              <a:lumMod val="20000"/>
+              <a:lumOff val="80000"/>
+            </a:schemeClr>
+          </a:solidFill>
         </p:spPr>
         <p:style>
           <a:lnRef idx="2">
@@ -3980,26 +5661,22 @@
           <a:p>
             <a:pPr algn="ctr"/>
             <a:r>
-              <a:rPr lang="en-US" altLang="ko-KR" dirty="0"/>
-              <a:t>Module</a:t>
-            </a:r>
-          </a:p>
-          <a:p>
-            <a:pPr algn="ctr"/>
-            <a:r>
-              <a:rPr lang="en-US" altLang="ko-KR" dirty="0"/>
-              <a:t>Teacher</a:t>
-            </a:r>
-            <a:endParaRPr lang="ko-KR" altLang="en-US" dirty="0"/>
-          </a:p>
-        </p:txBody>
-      </p:sp>
-      <p:sp>
-        <p:nvSpPr>
-          <p:cNvPr id="6" name="직사각형 5">
-            <a:extLst>
-              <a:ext uri="{FF2B5EF4-FFF2-40B4-BE49-F238E27FC236}">
-                <a16:creationId xmlns:a16="http://schemas.microsoft.com/office/drawing/2014/main" id="{D0821794-0918-CFE9-DFC1-ACEF40C676BE}"/>
+              <a:rPr lang="en-US" altLang="ko-KR" b="1" dirty="0">
+                <a:solidFill>
+                  <a:schemeClr val="tx1"/>
+                </a:solidFill>
+              </a:rPr>
+              <a:t>Module Main</a:t>
+            </a:r>
+          </a:p>
+        </p:txBody>
+      </p:sp>
+      <p:sp>
+        <p:nvSpPr>
+          <p:cNvPr id="17" name="직사각형 16">
+            <a:extLst>
+              <a:ext uri="{FF2B5EF4-FFF2-40B4-BE49-F238E27FC236}">
+                <a16:creationId xmlns:a16="http://schemas.microsoft.com/office/drawing/2014/main" id="{091831BA-F6C4-0309-183E-662CA74F83CA}"/>
               </a:ext>
             </a:extLst>
           </p:cNvPr>
@@ -4008,16 +5685,15 @@
         </p:nvSpPr>
         <p:spPr>
           <a:xfrm>
-            <a:off x="4201886" y="2196934"/>
-            <a:ext cx="3788228" cy="1603169"/>
+            <a:off x="8897587" y="1904084"/>
+            <a:ext cx="2208811" cy="3372591"/>
           </a:xfrm>
           <a:prstGeom prst="rect">
             <a:avLst/>
           </a:prstGeom>
           <a:solidFill>
-            <a:schemeClr val="accent2">
-              <a:lumMod val="60000"/>
-              <a:lumOff val="40000"/>
+            <a:schemeClr val="bg2">
+              <a:lumMod val="90000"/>
             </a:schemeClr>
           </a:solidFill>
         </p:spPr>
@@ -4043,107 +5719,50 @@
           <a:p>
             <a:pPr algn="ctr"/>
             <a:r>
-              <a:rPr lang="en-US" altLang="ko-KR" b="1" dirty="0"/>
-              <a:t>Main MCU</a:t>
-            </a:r>
-            <a:endParaRPr lang="ko-KR" altLang="en-US" b="1" dirty="0"/>
-          </a:p>
-        </p:txBody>
-      </p:sp>
-      <p:sp>
-        <p:nvSpPr>
-          <p:cNvPr id="7" name="직사각형 6">
-            <a:extLst>
-              <a:ext uri="{FF2B5EF4-FFF2-40B4-BE49-F238E27FC236}">
-                <a16:creationId xmlns:a16="http://schemas.microsoft.com/office/drawing/2014/main" id="{B3D216D7-AFA8-407E-51B2-CBBC4A11DDF9}"/>
-              </a:ext>
-            </a:extLst>
-          </p:cNvPr>
-          <p:cNvSpPr/>
-          <p:nvPr/>
-        </p:nvSpPr>
-        <p:spPr>
-          <a:xfrm>
-            <a:off x="2319646" y="4702628"/>
-            <a:ext cx="7552707" cy="1151906"/>
-          </a:xfrm>
-          <a:prstGeom prst="rect">
-            <a:avLst/>
-          </a:prstGeom>
-          <a:solidFill>
-            <a:schemeClr val="accent6">
-              <a:lumMod val="60000"/>
-              <a:lumOff val="40000"/>
-            </a:schemeClr>
-          </a:solidFill>
-        </p:spPr>
-        <p:style>
-          <a:lnRef idx="2">
-            <a:schemeClr val="accent1">
-              <a:shade val="50000"/>
-            </a:schemeClr>
-          </a:lnRef>
-          <a:fillRef idx="1">
-            <a:schemeClr val="accent1"/>
-          </a:fillRef>
-          <a:effectRef idx="0">
-            <a:schemeClr val="accent1"/>
-          </a:effectRef>
-          <a:fontRef idx="minor">
-            <a:schemeClr val="lt1"/>
-          </a:fontRef>
-        </p:style>
-        <p:txBody>
-          <a:bodyPr rtlCol="0" anchor="ctr"/>
-          <a:lstStyle/>
-          <a:p>
-            <a:pPr algn="ctr"/>
-            <a:r>
-              <a:rPr lang="en-US" altLang="ko-KR" dirty="0"/>
-              <a:t>Main PC (monitoring)</a:t>
-            </a:r>
-            <a:endParaRPr lang="ko-KR" altLang="en-US" dirty="0"/>
+              <a:rPr lang="en-US" altLang="ko-KR" b="1" dirty="0">
+                <a:solidFill>
+                  <a:schemeClr val="tx1"/>
+                </a:solidFill>
+              </a:rPr>
+              <a:t>Module Teacher</a:t>
+            </a:r>
           </a:p>
         </p:txBody>
       </p:sp>
       <p:cxnSp>
         <p:nvCxnSpPr>
-          <p:cNvPr id="9" name="직선 화살표 연결선 8">
-            <a:extLst>
-              <a:ext uri="{FF2B5EF4-FFF2-40B4-BE49-F238E27FC236}">
-                <a16:creationId xmlns:a16="http://schemas.microsoft.com/office/drawing/2014/main" id="{E318A370-A076-8D3D-A1BC-123C01A2E58A}"/>
-              </a:ext>
-            </a:extLst>
-          </p:cNvPr>
-          <p:cNvCxnSpPr>
-            <a:cxnSpLocks/>
-          </p:cNvCxnSpPr>
+          <p:cNvPr id="19" name="직선 화살표 연결선 18">
+            <a:extLst>
+              <a:ext uri="{FF2B5EF4-FFF2-40B4-BE49-F238E27FC236}">
+                <a16:creationId xmlns:a16="http://schemas.microsoft.com/office/drawing/2014/main" id="{96B33D34-1BE1-D485-11DE-17CFD77DC8A6}"/>
+              </a:ext>
+            </a:extLst>
+          </p:cNvPr>
+          <p:cNvCxnSpPr/>
           <p:nvPr/>
         </p:nvCxnSpPr>
         <p:spPr>
-          <a:xfrm flipV="1">
-            <a:off x="2407354" y="2998519"/>
-            <a:ext cx="1803070" cy="1"/>
+          <a:xfrm>
+            <a:off x="3327862" y="3611161"/>
+            <a:ext cx="1270660" cy="0"/>
           </a:xfrm>
           <a:prstGeom prst="straightConnector1">
             <a:avLst/>
           </a:prstGeom>
-          <a:ln w="25400">
-            <a:solidFill>
-              <a:schemeClr val="tx1"/>
-            </a:solidFill>
+          <a:ln w="31750">
+            <a:headEnd type="triangle"/>
             <a:tailEnd type="triangle"/>
           </a:ln>
         </p:spPr>
         <p:style>
           <a:lnRef idx="1">
-            <a:schemeClr val="accent1"/>
+            <a:schemeClr val="dk1"/>
           </a:lnRef>
           <a:fillRef idx="0">
-            <a:schemeClr val="accent1"/>
+            <a:schemeClr val="dk1"/>
           </a:fillRef>
           <a:effectRef idx="0">
-            <a:schemeClr val="accent1"/>
+            <a:schemeClr val="dk1"/>
           </a:effectRef>
           <a:fontRef idx="minor">
             <a:schemeClr val="tx1"/>
@@ -4152,383 +5771,48 @@
       </p:cxnSp>
       <p:cxnSp>
         <p:nvCxnSpPr>
-          <p:cNvPr id="13" name="직선 화살표 연결선 12">
-            <a:extLst>
-              <a:ext uri="{FF2B5EF4-FFF2-40B4-BE49-F238E27FC236}">
-                <a16:creationId xmlns:a16="http://schemas.microsoft.com/office/drawing/2014/main" id="{861F2961-9ECF-CD47-0098-449935F0DA46}"/>
-              </a:ext>
-            </a:extLst>
-          </p:cNvPr>
-          <p:cNvCxnSpPr>
-            <a:cxnSpLocks/>
-            <a:stCxn id="6" idx="2"/>
-            <a:endCxn id="7" idx="0"/>
-          </p:cNvCxnSpPr>
+          <p:cNvPr id="23" name="직선 화살표 연결선 22">
+            <a:extLst>
+              <a:ext uri="{FF2B5EF4-FFF2-40B4-BE49-F238E27FC236}">
+                <a16:creationId xmlns:a16="http://schemas.microsoft.com/office/drawing/2014/main" id="{EDDAFF3F-31E8-99B4-F0A2-3BEDBB63BC3C}"/>
+              </a:ext>
+            </a:extLst>
+          </p:cNvPr>
+          <p:cNvCxnSpPr/>
           <p:nvPr/>
         </p:nvCxnSpPr>
         <p:spPr>
           <a:xfrm>
-            <a:off x="6096000" y="3800103"/>
-            <a:ext cx="0" cy="902525"/>
+            <a:off x="7387244" y="3611161"/>
+            <a:ext cx="1270660" cy="0"/>
           </a:xfrm>
           <a:prstGeom prst="straightConnector1">
             <a:avLst/>
           </a:prstGeom>
-          <a:ln w="25400">
-            <a:solidFill>
-              <a:schemeClr val="tx1"/>
-            </a:solidFill>
+          <a:ln w="31750">
+            <a:headEnd type="triangle"/>
             <a:tailEnd type="triangle"/>
           </a:ln>
         </p:spPr>
         <p:style>
           <a:lnRef idx="1">
-            <a:schemeClr val="accent1"/>
+            <a:schemeClr val="dk1"/>
           </a:lnRef>
           <a:fillRef idx="0">
-            <a:schemeClr val="accent1"/>
+            <a:schemeClr val="dk1"/>
           </a:fillRef>
           <a:effectRef idx="0">
-            <a:schemeClr val="accent1"/>
+            <a:schemeClr val="dk1"/>
           </a:effectRef>
           <a:fontRef idx="minor">
             <a:schemeClr val="tx1"/>
           </a:fontRef>
         </p:style>
       </p:cxnSp>
-      <p:sp>
-        <p:nvSpPr>
-          <p:cNvPr id="3" name="직사각형 2">
-            <a:extLst>
-              <a:ext uri="{FF2B5EF4-FFF2-40B4-BE49-F238E27FC236}">
-                <a16:creationId xmlns:a16="http://schemas.microsoft.com/office/drawing/2014/main" id="{2DDB3852-E2B1-9B7B-C2A7-EC9A9D63C352}"/>
-              </a:ext>
-            </a:extLst>
-          </p:cNvPr>
-          <p:cNvSpPr/>
-          <p:nvPr/>
-        </p:nvSpPr>
-        <p:spPr>
-          <a:xfrm>
-            <a:off x="5315693" y="4082688"/>
-            <a:ext cx="1560613" cy="300789"/>
-          </a:xfrm>
-          <a:prstGeom prst="rect">
-            <a:avLst/>
-          </a:prstGeom>
-          <a:solidFill>
-            <a:srgbClr val="FFC000"/>
-          </a:solidFill>
-        </p:spPr>
-        <p:style>
-          <a:lnRef idx="2">
-            <a:schemeClr val="accent1">
-              <a:shade val="50000"/>
-            </a:schemeClr>
-          </a:lnRef>
-          <a:fillRef idx="1">
-            <a:schemeClr val="accent1"/>
-          </a:fillRef>
-          <a:effectRef idx="0">
-            <a:schemeClr val="accent1"/>
-          </a:effectRef>
-          <a:fontRef idx="minor">
-            <a:schemeClr val="lt1"/>
-          </a:fontRef>
-        </p:style>
-        <p:txBody>
-          <a:bodyPr rtlCol="0" anchor="ctr"/>
-          <a:lstStyle/>
-          <a:p>
-            <a:pPr algn="ctr"/>
-            <a:r>
-              <a:rPr lang="en-US" altLang="ko-KR" sz="1400" dirty="0"/>
-              <a:t>CP2102(Serial)</a:t>
-            </a:r>
-            <a:endParaRPr lang="ko-KR" altLang="en-US" sz="1400" dirty="0"/>
-          </a:p>
-        </p:txBody>
-      </p:sp>
-      <p:sp>
-        <p:nvSpPr>
-          <p:cNvPr id="8" name="TextBox 7">
-            <a:extLst>
-              <a:ext uri="{FF2B5EF4-FFF2-40B4-BE49-F238E27FC236}">
-                <a16:creationId xmlns:a16="http://schemas.microsoft.com/office/drawing/2014/main" id="{68211DC2-F375-3626-6F68-6FC56AAB3D19}"/>
-              </a:ext>
-            </a:extLst>
-          </p:cNvPr>
-          <p:cNvSpPr txBox="1"/>
-          <p:nvPr/>
-        </p:nvSpPr>
-        <p:spPr>
-          <a:xfrm>
-            <a:off x="2853852" y="2642751"/>
-            <a:ext cx="910073" cy="307777"/>
-          </a:xfrm>
-          <a:prstGeom prst="rect">
-            <a:avLst/>
-          </a:prstGeom>
-          <a:noFill/>
-        </p:spPr>
-        <p:txBody>
-          <a:bodyPr wrap="square" rtlCol="0">
-            <a:spAutoFit/>
-          </a:bodyPr>
-          <a:lstStyle/>
-          <a:p>
-            <a:r>
-              <a:rPr lang="en-US" altLang="ko-KR" sz="1400" dirty="0"/>
-              <a:t>Serial Rx</a:t>
-            </a:r>
-            <a:endParaRPr lang="ko-KR" altLang="en-US" sz="1400" dirty="0"/>
-          </a:p>
-        </p:txBody>
-      </p:sp>
-      <p:cxnSp>
-        <p:nvCxnSpPr>
-          <p:cNvPr id="11" name="직선 화살표 연결선 10">
-            <a:extLst>
-              <a:ext uri="{FF2B5EF4-FFF2-40B4-BE49-F238E27FC236}">
-                <a16:creationId xmlns:a16="http://schemas.microsoft.com/office/drawing/2014/main" id="{CA98D9A6-CC09-1EED-D11A-5ED9A66EEAD2}"/>
-              </a:ext>
-            </a:extLst>
-          </p:cNvPr>
-          <p:cNvCxnSpPr>
-            <a:cxnSpLocks/>
-          </p:cNvCxnSpPr>
-          <p:nvPr/>
-        </p:nvCxnSpPr>
-        <p:spPr>
-          <a:xfrm flipH="1" flipV="1">
-            <a:off x="2407354" y="3139811"/>
-            <a:ext cx="1803070" cy="1"/>
-          </a:xfrm>
-          <a:prstGeom prst="straightConnector1">
-            <a:avLst/>
-          </a:prstGeom>
-          <a:ln w="25400">
-            <a:solidFill>
-              <a:schemeClr val="tx1"/>
-            </a:solidFill>
-            <a:tailEnd type="triangle"/>
-          </a:ln>
-        </p:spPr>
-        <p:style>
-          <a:lnRef idx="1">
-            <a:schemeClr val="accent1"/>
-          </a:lnRef>
-          <a:fillRef idx="0">
-            <a:schemeClr val="accent1"/>
-          </a:fillRef>
-          <a:effectRef idx="0">
-            <a:schemeClr val="accent1"/>
-          </a:effectRef>
-          <a:fontRef idx="minor">
-            <a:schemeClr val="tx1"/>
-          </a:fontRef>
-        </p:style>
-      </p:cxnSp>
-      <p:sp>
-        <p:nvSpPr>
-          <p:cNvPr id="14" name="TextBox 13">
-            <a:extLst>
-              <a:ext uri="{FF2B5EF4-FFF2-40B4-BE49-F238E27FC236}">
-                <a16:creationId xmlns:a16="http://schemas.microsoft.com/office/drawing/2014/main" id="{F95A18A3-DAF2-0237-BD54-B577E7326A80}"/>
-              </a:ext>
-            </a:extLst>
-          </p:cNvPr>
-          <p:cNvSpPr txBox="1"/>
-          <p:nvPr/>
-        </p:nvSpPr>
-        <p:spPr>
-          <a:xfrm>
-            <a:off x="2845314" y="3200399"/>
-            <a:ext cx="910073" cy="307777"/>
-          </a:xfrm>
-          <a:prstGeom prst="rect">
-            <a:avLst/>
-          </a:prstGeom>
-          <a:noFill/>
-        </p:spPr>
-        <p:txBody>
-          <a:bodyPr wrap="square" rtlCol="0">
-            <a:spAutoFit/>
-          </a:bodyPr>
-          <a:lstStyle/>
-          <a:p>
-            <a:r>
-              <a:rPr lang="en-US" altLang="ko-KR" sz="1400" dirty="0"/>
-              <a:t>Serial Tx</a:t>
-            </a:r>
-            <a:endParaRPr lang="ko-KR" altLang="en-US" sz="1400" dirty="0"/>
-          </a:p>
-        </p:txBody>
-      </p:sp>
-      <p:cxnSp>
-        <p:nvCxnSpPr>
-          <p:cNvPr id="20" name="직선 화살표 연결선 19">
-            <a:extLst>
-              <a:ext uri="{FF2B5EF4-FFF2-40B4-BE49-F238E27FC236}">
-                <a16:creationId xmlns:a16="http://schemas.microsoft.com/office/drawing/2014/main" id="{327223B6-E06F-C88D-7704-3B37296E90DF}"/>
-              </a:ext>
-            </a:extLst>
-          </p:cNvPr>
-          <p:cNvCxnSpPr>
-            <a:cxnSpLocks/>
-          </p:cNvCxnSpPr>
-          <p:nvPr/>
-        </p:nvCxnSpPr>
-        <p:spPr>
-          <a:xfrm flipV="1">
-            <a:off x="7998653" y="2998519"/>
-            <a:ext cx="1803070" cy="1"/>
-          </a:xfrm>
-          <a:prstGeom prst="straightConnector1">
-            <a:avLst/>
-          </a:prstGeom>
-          <a:ln w="25400">
-            <a:solidFill>
-              <a:schemeClr val="tx1"/>
-            </a:solidFill>
-            <a:tailEnd type="triangle"/>
-          </a:ln>
-        </p:spPr>
-        <p:style>
-          <a:lnRef idx="1">
-            <a:schemeClr val="accent1"/>
-          </a:lnRef>
-          <a:fillRef idx="0">
-            <a:schemeClr val="accent1"/>
-          </a:fillRef>
-          <a:effectRef idx="0">
-            <a:schemeClr val="accent1"/>
-          </a:effectRef>
-          <a:fontRef idx="minor">
-            <a:schemeClr val="tx1"/>
-          </a:fontRef>
-        </p:style>
-      </p:cxnSp>
-      <p:sp>
-        <p:nvSpPr>
-          <p:cNvPr id="21" name="TextBox 20">
-            <a:extLst>
-              <a:ext uri="{FF2B5EF4-FFF2-40B4-BE49-F238E27FC236}">
-                <a16:creationId xmlns:a16="http://schemas.microsoft.com/office/drawing/2014/main" id="{48EA4B85-D30D-D855-7FE2-766D8D965293}"/>
-              </a:ext>
-            </a:extLst>
-          </p:cNvPr>
-          <p:cNvSpPr txBox="1"/>
-          <p:nvPr/>
-        </p:nvSpPr>
-        <p:spPr>
-          <a:xfrm>
-            <a:off x="8445151" y="2642751"/>
-            <a:ext cx="910073" cy="307777"/>
-          </a:xfrm>
-          <a:prstGeom prst="rect">
-            <a:avLst/>
-          </a:prstGeom>
-          <a:noFill/>
-        </p:spPr>
-        <p:txBody>
-          <a:bodyPr wrap="square" rtlCol="0">
-            <a:spAutoFit/>
-          </a:bodyPr>
-          <a:lstStyle/>
-          <a:p>
-            <a:r>
-              <a:rPr lang="en-US" altLang="ko-KR" sz="1400" dirty="0"/>
-              <a:t>Serial Rx</a:t>
-            </a:r>
-            <a:endParaRPr lang="ko-KR" altLang="en-US" sz="1400" dirty="0"/>
-          </a:p>
-        </p:txBody>
-      </p:sp>
-      <p:cxnSp>
-        <p:nvCxnSpPr>
-          <p:cNvPr id="22" name="직선 화살표 연결선 21">
-            <a:extLst>
-              <a:ext uri="{FF2B5EF4-FFF2-40B4-BE49-F238E27FC236}">
-                <a16:creationId xmlns:a16="http://schemas.microsoft.com/office/drawing/2014/main" id="{16EC31FF-7F02-8D55-D3D1-972DDE022D32}"/>
-              </a:ext>
-            </a:extLst>
-          </p:cNvPr>
-          <p:cNvCxnSpPr>
-            <a:cxnSpLocks/>
-          </p:cNvCxnSpPr>
-          <p:nvPr/>
-        </p:nvCxnSpPr>
-        <p:spPr>
-          <a:xfrm flipH="1" flipV="1">
-            <a:off x="7998653" y="3139811"/>
-            <a:ext cx="1803070" cy="1"/>
-          </a:xfrm>
-          <a:prstGeom prst="straightConnector1">
-            <a:avLst/>
-          </a:prstGeom>
-          <a:ln w="25400">
-            <a:solidFill>
-              <a:schemeClr val="tx1"/>
-            </a:solidFill>
-            <a:tailEnd type="triangle"/>
-          </a:ln>
-        </p:spPr>
-        <p:style>
-          <a:lnRef idx="1">
-            <a:schemeClr val="accent1"/>
-          </a:lnRef>
-          <a:fillRef idx="0">
-            <a:schemeClr val="accent1"/>
-          </a:fillRef>
-          <a:effectRef idx="0">
-            <a:schemeClr val="accent1"/>
-          </a:effectRef>
-          <a:fontRef idx="minor">
-            <a:schemeClr val="tx1"/>
-          </a:fontRef>
-        </p:style>
-      </p:cxnSp>
-      <p:sp>
-        <p:nvSpPr>
-          <p:cNvPr id="23" name="TextBox 22">
-            <a:extLst>
-              <a:ext uri="{FF2B5EF4-FFF2-40B4-BE49-F238E27FC236}">
-                <a16:creationId xmlns:a16="http://schemas.microsoft.com/office/drawing/2014/main" id="{D407F28B-870F-63F4-BE96-2EE1FF8C3D67}"/>
-              </a:ext>
-            </a:extLst>
-          </p:cNvPr>
-          <p:cNvSpPr txBox="1"/>
-          <p:nvPr/>
-        </p:nvSpPr>
-        <p:spPr>
-          <a:xfrm>
-            <a:off x="8436613" y="3200399"/>
-            <a:ext cx="910073" cy="307777"/>
-          </a:xfrm>
-          <a:prstGeom prst="rect">
-            <a:avLst/>
-          </a:prstGeom>
-          <a:noFill/>
-        </p:spPr>
-        <p:txBody>
-          <a:bodyPr wrap="square" rtlCol="0">
-            <a:spAutoFit/>
-          </a:bodyPr>
-          <a:lstStyle/>
-          <a:p>
-            <a:r>
-              <a:rPr lang="en-US" altLang="ko-KR" sz="1400" dirty="0"/>
-              <a:t>Serial Tx</a:t>
-            </a:r>
-            <a:endParaRPr lang="ko-KR" altLang="en-US" sz="1400" dirty="0"/>
-          </a:p>
-        </p:txBody>
-      </p:sp>
     </p:spTree>
     <p:extLst>
       <p:ext uri="{BB962C8B-B14F-4D97-AF65-F5344CB8AC3E}">
-        <p14:creationId xmlns:p14="http://schemas.microsoft.com/office/powerpoint/2010/main" val="4216304705"/>
+        <p14:creationId xmlns:p14="http://schemas.microsoft.com/office/powerpoint/2010/main" val="1574419775"/>
       </p:ext>
     </p:extLst>
   </p:cSld>
@@ -4555,64 +5839,192 @@
           <a:chExt cx="0" cy="0"/>
         </a:xfrm>
       </p:grpSpPr>
-      <p:sp>
-        <p:nvSpPr>
-          <p:cNvPr id="2" name="제목 1">
-            <a:extLst>
-              <a:ext uri="{FF2B5EF4-FFF2-40B4-BE49-F238E27FC236}">
-                <a16:creationId xmlns:a16="http://schemas.microsoft.com/office/drawing/2014/main" id="{D2F4B487-129E-42A5-39DA-F4FA017F0BD2}"/>
-              </a:ext>
-            </a:extLst>
-          </p:cNvPr>
-          <p:cNvSpPr>
-            <a:spLocks noGrp="1"/>
-          </p:cNvSpPr>
-          <p:nvPr>
-            <p:ph type="title"/>
-          </p:nvPr>
-        </p:nvSpPr>
-        <p:spPr>
-          <a:xfrm>
-            <a:off x="838200" y="365126"/>
-            <a:ext cx="10515600" cy="668028"/>
-          </a:xfrm>
-        </p:spPr>
-        <p:txBody>
-          <a:bodyPr>
-            <a:normAutofit fontScale="90000"/>
-          </a:bodyPr>
-          <a:lstStyle/>
-          <a:p>
-            <a:r>
-              <a:rPr lang="en-US" altLang="ko-KR" dirty="0"/>
-              <a:t>Module Child Configuration</a:t>
-            </a:r>
-            <a:endParaRPr lang="ko-KR" altLang="en-US" dirty="0"/>
-          </a:p>
-        </p:txBody>
-      </p:sp>
-      <p:sp>
-        <p:nvSpPr>
-          <p:cNvPr id="4" name="직사각형 3">
-            <a:extLst>
-              <a:ext uri="{FF2B5EF4-FFF2-40B4-BE49-F238E27FC236}">
-                <a16:creationId xmlns:a16="http://schemas.microsoft.com/office/drawing/2014/main" id="{E9348E8F-B488-C474-7FEA-1830C5F3EE6A}"/>
-              </a:ext>
-            </a:extLst>
-          </p:cNvPr>
-          <p:cNvSpPr/>
+      <p:cxnSp>
+        <p:nvCxnSpPr>
+          <p:cNvPr id="7" name="직선 연결선 6">
+            <a:extLst>
+              <a:ext uri="{FF2B5EF4-FFF2-40B4-BE49-F238E27FC236}">
+                <a16:creationId xmlns:a16="http://schemas.microsoft.com/office/drawing/2014/main" id="{739F3D0E-3DE9-97BC-D6A8-646565E692DA}"/>
+              </a:ext>
+            </a:extLst>
+          </p:cNvPr>
+          <p:cNvCxnSpPr>
+            <a:cxnSpLocks/>
+          </p:cNvCxnSpPr>
           <p:nvPr/>
-        </p:nvSpPr>
-        <p:spPr>
-          <a:xfrm>
-            <a:off x="717883" y="1558089"/>
-            <a:ext cx="5947611" cy="4934784"/>
+        </p:nvCxnSpPr>
+        <p:spPr>
+          <a:xfrm>
+            <a:off x="794657" y="696957"/>
+            <a:ext cx="10602686" cy="0"/>
+          </a:xfrm>
+          <a:prstGeom prst="line">
+            <a:avLst/>
+          </a:prstGeom>
+          <a:ln w="31750"/>
+        </p:spPr>
+        <p:style>
+          <a:lnRef idx="1">
+            <a:schemeClr val="accent1"/>
+          </a:lnRef>
+          <a:fillRef idx="0">
+            <a:schemeClr val="accent1"/>
+          </a:fillRef>
+          <a:effectRef idx="0">
+            <a:schemeClr val="accent1"/>
+          </a:effectRef>
+          <a:fontRef idx="minor">
+            <a:schemeClr val="tx1"/>
+          </a:fontRef>
+        </p:style>
+      </p:cxnSp>
+      <p:sp>
+        <p:nvSpPr>
+          <p:cNvPr id="9" name="TextBox 8">
+            <a:extLst>
+              <a:ext uri="{FF2B5EF4-FFF2-40B4-BE49-F238E27FC236}">
+                <a16:creationId xmlns:a16="http://schemas.microsoft.com/office/drawing/2014/main" id="{B112D299-4F14-CC08-E9C7-71FB470DFC98}"/>
+              </a:ext>
+            </a:extLst>
+          </p:cNvPr>
+          <p:cNvSpPr txBox="1"/>
+          <p:nvPr/>
+        </p:nvSpPr>
+        <p:spPr>
+          <a:xfrm>
+            <a:off x="794657" y="296847"/>
+            <a:ext cx="10602686" cy="400110"/>
           </a:xfrm>
           <a:prstGeom prst="rect">
             <a:avLst/>
           </a:prstGeom>
           <a:noFill/>
-          <a:ln w="57150"/>
+        </p:spPr>
+        <p:txBody>
+          <a:bodyPr wrap="square" rtlCol="0">
+            <a:spAutoFit/>
+          </a:bodyPr>
+          <a:lstStyle/>
+          <a:p>
+            <a:r>
+              <a:rPr lang="en-US" altLang="ko-KR" sz="2000" dirty="0"/>
+              <a:t>Module Child (UNO) Description</a:t>
+            </a:r>
+            <a:endParaRPr lang="ko-KR" altLang="en-US" sz="2000" dirty="0"/>
+          </a:p>
+        </p:txBody>
+      </p:sp>
+      <p:cxnSp>
+        <p:nvCxnSpPr>
+          <p:cNvPr id="10" name="직선 연결선 9">
+            <a:extLst>
+              <a:ext uri="{FF2B5EF4-FFF2-40B4-BE49-F238E27FC236}">
+                <a16:creationId xmlns:a16="http://schemas.microsoft.com/office/drawing/2014/main" id="{B0785D09-06DA-18D6-490A-F585175105D2}"/>
+              </a:ext>
+            </a:extLst>
+          </p:cNvPr>
+          <p:cNvCxnSpPr>
+            <a:cxnSpLocks/>
+          </p:cNvCxnSpPr>
+          <p:nvPr/>
+        </p:nvCxnSpPr>
+        <p:spPr>
+          <a:xfrm>
+            <a:off x="794657" y="6483803"/>
+            <a:ext cx="10602686" cy="0"/>
+          </a:xfrm>
+          <a:prstGeom prst="line">
+            <a:avLst/>
+          </a:prstGeom>
+          <a:ln w="31750"/>
+        </p:spPr>
+        <p:style>
+          <a:lnRef idx="1">
+            <a:schemeClr val="accent1"/>
+          </a:lnRef>
+          <a:fillRef idx="0">
+            <a:schemeClr val="accent1"/>
+          </a:fillRef>
+          <a:effectRef idx="0">
+            <a:schemeClr val="accent1"/>
+          </a:effectRef>
+          <a:fontRef idx="minor">
+            <a:schemeClr val="tx1"/>
+          </a:fontRef>
+        </p:style>
+      </p:cxnSp>
+      <p:sp>
+        <p:nvSpPr>
+          <p:cNvPr id="12" name="TextBox 11">
+            <a:extLst>
+              <a:ext uri="{FF2B5EF4-FFF2-40B4-BE49-F238E27FC236}">
+                <a16:creationId xmlns:a16="http://schemas.microsoft.com/office/drawing/2014/main" id="{B106CB43-CD10-50ED-AAF0-49E23D52BDAE}"/>
+              </a:ext>
+            </a:extLst>
+          </p:cNvPr>
+          <p:cNvSpPr txBox="1"/>
+          <p:nvPr/>
+        </p:nvSpPr>
+        <p:spPr>
+          <a:xfrm>
+            <a:off x="838200" y="6516580"/>
+            <a:ext cx="3884023" cy="246221"/>
+          </a:xfrm>
+          <a:prstGeom prst="rect">
+            <a:avLst/>
+          </a:prstGeom>
+          <a:noFill/>
+        </p:spPr>
+        <p:txBody>
+          <a:bodyPr wrap="square" rtlCol="0">
+            <a:spAutoFit/>
+          </a:bodyPr>
+          <a:lstStyle/>
+          <a:p>
+            <a:r>
+              <a:rPr lang="en-US" altLang="ko-KR" sz="1000" dirty="0">
+                <a:latin typeface="Aharoni" panose="02010803020104030203" pitchFamily="2" charset="-79"/>
+                <a:cs typeface="Aharoni" panose="02010803020104030203" pitchFamily="2" charset="-79"/>
+              </a:rPr>
+              <a:t>Physical Computing Final Project</a:t>
+            </a:r>
+            <a:endParaRPr lang="ko-KR" altLang="en-US" sz="1000" dirty="0">
+              <a:latin typeface="Aharoni" panose="02010803020104030203" pitchFamily="2" charset="-79"/>
+              <a:cs typeface="Aharoni" panose="02010803020104030203" pitchFamily="2" charset="-79"/>
+            </a:endParaRPr>
+          </a:p>
+        </p:txBody>
+      </p:sp>
+      <p:sp>
+        <p:nvSpPr>
+          <p:cNvPr id="2" name="직사각형 1">
+            <a:extLst>
+              <a:ext uri="{FF2B5EF4-FFF2-40B4-BE49-F238E27FC236}">
+                <a16:creationId xmlns:a16="http://schemas.microsoft.com/office/drawing/2014/main" id="{7A68CCD4-D2A2-30FC-C7B0-6A7C971E38B2}"/>
+              </a:ext>
+            </a:extLst>
+          </p:cNvPr>
+          <p:cNvSpPr/>
+          <p:nvPr/>
+        </p:nvSpPr>
+        <p:spPr>
+          <a:xfrm>
+            <a:off x="838200" y="938151"/>
+            <a:ext cx="5871358" cy="5058887"/>
+          </a:xfrm>
+          <a:prstGeom prst="rect">
+            <a:avLst/>
+          </a:prstGeom>
+          <a:noFill/>
+          <a:ln w="57150">
+            <a:solidFill>
+              <a:schemeClr val="accent6">
+                <a:lumMod val="20000"/>
+                <a:lumOff val="80000"/>
+              </a:schemeClr>
+            </a:solidFill>
+            <a:prstDash val="dash"/>
+          </a:ln>
         </p:spPr>
         <p:style>
           <a:lnRef idx="2">
@@ -4635,60 +6047,20 @@
           <a:lstStyle/>
           <a:p>
             <a:pPr algn="ctr"/>
-            <a:endParaRPr lang="ko-KR" altLang="en-US" dirty="0"/>
-          </a:p>
-        </p:txBody>
-      </p:sp>
-      <p:sp>
-        <p:nvSpPr>
-          <p:cNvPr id="20" name="TextBox 19">
-            <a:extLst>
-              <a:ext uri="{FF2B5EF4-FFF2-40B4-BE49-F238E27FC236}">
-                <a16:creationId xmlns:a16="http://schemas.microsoft.com/office/drawing/2014/main" id="{F3AFAC23-2FE6-6361-D04E-539BA3715D99}"/>
-              </a:ext>
-            </a:extLst>
-          </p:cNvPr>
-          <p:cNvSpPr txBox="1"/>
-          <p:nvPr/>
-        </p:nvSpPr>
-        <p:spPr>
-          <a:xfrm>
-            <a:off x="2771272" y="1359568"/>
-            <a:ext cx="1840831" cy="369332"/>
-          </a:xfrm>
-          <a:prstGeom prst="rect">
-            <a:avLst/>
-          </a:prstGeom>
-          <a:solidFill>
-            <a:schemeClr val="bg1"/>
-          </a:solidFill>
-          <a:ln>
-            <a:solidFill>
-              <a:schemeClr val="tx1"/>
-            </a:solidFill>
-          </a:ln>
-        </p:spPr>
-        <p:txBody>
-          <a:bodyPr wrap="square" rtlCol="0">
-            <a:spAutoFit/>
-          </a:bodyPr>
-          <a:lstStyle/>
-          <a:p>
-            <a:pPr algn="ctr"/>
-            <a:r>
-              <a:rPr lang="en-US" altLang="ko-KR" dirty="0"/>
-              <a:t>Module</a:t>
-            </a:r>
-            <a:endParaRPr lang="ko-KR" altLang="en-US" dirty="0"/>
-          </a:p>
-        </p:txBody>
-      </p:sp>
-      <p:sp>
-        <p:nvSpPr>
-          <p:cNvPr id="21" name="직사각형 20">
-            <a:extLst>
-              <a:ext uri="{FF2B5EF4-FFF2-40B4-BE49-F238E27FC236}">
-                <a16:creationId xmlns:a16="http://schemas.microsoft.com/office/drawing/2014/main" id="{2A657D96-0792-306E-88F1-84C210EE76C9}"/>
+            <a:endParaRPr lang="en-US" altLang="ko-KR" b="1" dirty="0">
+              <a:solidFill>
+                <a:schemeClr val="tx1"/>
+              </a:solidFill>
+            </a:endParaRPr>
+          </a:p>
+        </p:txBody>
+      </p:sp>
+      <p:sp>
+        <p:nvSpPr>
+          <p:cNvPr id="5" name="직사각형 4">
+            <a:extLst>
+              <a:ext uri="{FF2B5EF4-FFF2-40B4-BE49-F238E27FC236}">
+                <a16:creationId xmlns:a16="http://schemas.microsoft.com/office/drawing/2014/main" id="{AA7462EC-BA35-B9DA-52B8-0CD23DC46208}"/>
               </a:ext>
             </a:extLst>
           </p:cNvPr>
@@ -4697,8 +6069,8 @@
         </p:nvSpPr>
         <p:spPr>
           <a:xfrm>
-            <a:off x="980574" y="1991226"/>
-            <a:ext cx="2069431" cy="1600200"/>
+            <a:off x="1175656" y="1183723"/>
+            <a:ext cx="1448790" cy="4516434"/>
           </a:xfrm>
           <a:prstGeom prst="rect">
             <a:avLst/>
@@ -4727,14 +6099,14 @@
             <a:pPr algn="ctr"/>
             <a:r>
               <a:rPr lang="en-US" altLang="ko-KR" dirty="0"/>
-              <a:t>GPS</a:t>
+              <a:t>Arduino</a:t>
             </a:r>
           </a:p>
           <a:p>
             <a:pPr algn="ctr"/>
             <a:r>
               <a:rPr lang="en-US" altLang="ko-KR" dirty="0"/>
-              <a:t>(GPS6MU2)</a:t>
+              <a:t>Uno</a:t>
             </a:r>
             <a:endParaRPr lang="ko-KR" altLang="en-US" dirty="0"/>
           </a:p>
@@ -4742,10 +6114,10 @@
       </p:sp>
       <p:sp>
         <p:nvSpPr>
-          <p:cNvPr id="22" name="직사각형 21">
-            <a:extLst>
-              <a:ext uri="{FF2B5EF4-FFF2-40B4-BE49-F238E27FC236}">
-                <a16:creationId xmlns:a16="http://schemas.microsoft.com/office/drawing/2014/main" id="{A4E404DC-9FCF-6A56-1988-DF54C03166B1}"/>
+          <p:cNvPr id="11" name="직사각형 10">
+            <a:extLst>
+              <a:ext uri="{FF2B5EF4-FFF2-40B4-BE49-F238E27FC236}">
+                <a16:creationId xmlns:a16="http://schemas.microsoft.com/office/drawing/2014/main" id="{4A1D1E6F-181D-C5A9-B1CF-2BD86AC5AEAC}"/>
               </a:ext>
             </a:extLst>
           </p:cNvPr>
@@ -4754,74 +6126,12 @@
         </p:nvSpPr>
         <p:spPr>
           <a:xfrm>
-            <a:off x="4174958" y="1977104"/>
-            <a:ext cx="2159668" cy="4165017"/>
+            <a:off x="3773879" y="3622170"/>
+            <a:ext cx="2386940" cy="732459"/>
           </a:xfrm>
           <a:prstGeom prst="rect">
             <a:avLst/>
           </a:prstGeom>
-        </p:spPr>
-        <p:style>
-          <a:lnRef idx="2">
-            <a:schemeClr val="accent6">
-              <a:shade val="50000"/>
-            </a:schemeClr>
-          </a:lnRef>
-          <a:fillRef idx="1">
-            <a:schemeClr val="accent6"/>
-          </a:fillRef>
-          <a:effectRef idx="0">
-            <a:schemeClr val="accent6"/>
-          </a:effectRef>
-          <a:fontRef idx="minor">
-            <a:schemeClr val="lt1"/>
-          </a:fontRef>
-        </p:style>
-        <p:txBody>
-          <a:bodyPr rtlCol="0" anchor="ctr"/>
-          <a:lstStyle/>
-          <a:p>
-            <a:pPr algn="ctr"/>
-            <a:r>
-              <a:rPr lang="en-US" altLang="ko-KR" dirty="0"/>
-              <a:t>MCU</a:t>
-            </a:r>
-          </a:p>
-          <a:p>
-            <a:pPr algn="ctr"/>
-            <a:r>
-              <a:rPr lang="en-US" altLang="ko-KR" dirty="0"/>
-              <a:t>(Arduino Micro)</a:t>
-            </a:r>
-            <a:endParaRPr lang="ko-KR" altLang="en-US" dirty="0"/>
-          </a:p>
-        </p:txBody>
-      </p:sp>
-      <p:sp>
-        <p:nvSpPr>
-          <p:cNvPr id="23" name="직사각형 22">
-            <a:extLst>
-              <a:ext uri="{FF2B5EF4-FFF2-40B4-BE49-F238E27FC236}">
-                <a16:creationId xmlns:a16="http://schemas.microsoft.com/office/drawing/2014/main" id="{C1CD28F4-F978-74BF-F646-744263781AF0}"/>
-              </a:ext>
-            </a:extLst>
-          </p:cNvPr>
-          <p:cNvSpPr/>
-          <p:nvPr/>
-        </p:nvSpPr>
-        <p:spPr>
-          <a:xfrm>
-            <a:off x="980574" y="4000500"/>
-            <a:ext cx="2069431" cy="926432"/>
-          </a:xfrm>
-          <a:prstGeom prst="rect">
-            <a:avLst/>
-          </a:prstGeom>
-          <a:solidFill>
-            <a:schemeClr val="bg2">
-              <a:lumMod val="75000"/>
-            </a:schemeClr>
-          </a:solidFill>
         </p:spPr>
         <p:style>
           <a:lnRef idx="2">
@@ -4846,7 +6156,14 @@
             <a:pPr algn="ctr"/>
             <a:r>
               <a:rPr lang="en-US" altLang="ko-KR" dirty="0"/>
-              <a:t>Buzzer module</a:t>
+              <a:t>GPIO Input</a:t>
+            </a:r>
+          </a:p>
+          <a:p>
+            <a:pPr algn="ctr"/>
+            <a:r>
+              <a:rPr lang="en-US" altLang="ko-KR" dirty="0"/>
+              <a:t>(Clear signal)</a:t>
             </a:r>
             <a:endParaRPr lang="ko-KR" altLang="en-US" dirty="0"/>
           </a:p>
@@ -4854,10 +6171,10 @@
       </p:sp>
       <p:sp>
         <p:nvSpPr>
-          <p:cNvPr id="25" name="직사각형 24">
-            <a:extLst>
-              <a:ext uri="{FF2B5EF4-FFF2-40B4-BE49-F238E27FC236}">
-                <a16:creationId xmlns:a16="http://schemas.microsoft.com/office/drawing/2014/main" id="{AC5706D6-B496-1761-88E6-15B7F3533655}"/>
+          <p:cNvPr id="13" name="직사각형 12">
+            <a:extLst>
+              <a:ext uri="{FF2B5EF4-FFF2-40B4-BE49-F238E27FC236}">
+                <a16:creationId xmlns:a16="http://schemas.microsoft.com/office/drawing/2014/main" id="{B3BAD1B9-6010-E844-15AF-19929294E650}"/>
               </a:ext>
             </a:extLst>
           </p:cNvPr>
@@ -4866,18 +6183,12 @@
         </p:nvSpPr>
         <p:spPr>
           <a:xfrm>
-            <a:off x="980574" y="5215689"/>
-            <a:ext cx="2069431" cy="926432"/>
+            <a:off x="3773879" y="4841394"/>
+            <a:ext cx="2386940" cy="858762"/>
           </a:xfrm>
           <a:prstGeom prst="rect">
             <a:avLst/>
           </a:prstGeom>
-          <a:solidFill>
-            <a:schemeClr val="accent2">
-              <a:lumMod val="60000"/>
-              <a:lumOff val="40000"/>
-            </a:schemeClr>
-          </a:solidFill>
         </p:spPr>
         <p:style>
           <a:lnRef idx="2">
@@ -4902,50 +6213,163 @@
             <a:pPr algn="ctr"/>
             <a:r>
               <a:rPr lang="en-US" altLang="ko-KR" dirty="0"/>
-              <a:t>LED</a:t>
-            </a:r>
+              <a:t>GPIO Output</a:t>
+            </a:r>
+          </a:p>
+          <a:p>
+            <a:pPr algn="ctr"/>
+            <a:r>
+              <a:rPr lang="en-US" altLang="ko-KR" dirty="0"/>
+              <a:t>(Warning </a:t>
+            </a:r>
+            <a:r>
+              <a:rPr lang="en-US" altLang="ko-KR" dirty="0" err="1"/>
+              <a:t>signal,sw,led,buzzer</a:t>
+            </a:r>
+            <a:r>
+              <a:rPr lang="en-US" altLang="ko-KR" dirty="0"/>
+              <a:t>)</a:t>
+            </a:r>
+            <a:endParaRPr lang="ko-KR" altLang="en-US" dirty="0"/>
+          </a:p>
+        </p:txBody>
+      </p:sp>
+      <p:sp>
+        <p:nvSpPr>
+          <p:cNvPr id="16" name="직사각형 15">
+            <a:extLst>
+              <a:ext uri="{FF2B5EF4-FFF2-40B4-BE49-F238E27FC236}">
+                <a16:creationId xmlns:a16="http://schemas.microsoft.com/office/drawing/2014/main" id="{FA60D3D0-967C-7994-6F63-E8931F471E31}"/>
+              </a:ext>
+            </a:extLst>
+          </p:cNvPr>
+          <p:cNvSpPr/>
+          <p:nvPr/>
+        </p:nvSpPr>
+        <p:spPr>
+          <a:xfrm>
+            <a:off x="3773879" y="2402946"/>
+            <a:ext cx="2386940" cy="732459"/>
+          </a:xfrm>
+          <a:prstGeom prst="rect">
+            <a:avLst/>
+          </a:prstGeom>
+        </p:spPr>
+        <p:style>
+          <a:lnRef idx="2">
+            <a:schemeClr val="accent1">
+              <a:shade val="50000"/>
+            </a:schemeClr>
+          </a:lnRef>
+          <a:fillRef idx="1">
+            <a:schemeClr val="accent1"/>
+          </a:fillRef>
+          <a:effectRef idx="0">
+            <a:schemeClr val="accent1"/>
+          </a:effectRef>
+          <a:fontRef idx="minor">
+            <a:schemeClr val="lt1"/>
+          </a:fontRef>
+        </p:style>
+        <p:txBody>
+          <a:bodyPr rtlCol="0" anchor="ctr"/>
+          <a:lstStyle/>
+          <a:p>
+            <a:pPr algn="ctr"/>
+            <a:r>
+              <a:rPr lang="en-US" altLang="ko-KR" dirty="0"/>
+              <a:t>GPS Module</a:t>
+            </a:r>
+            <a:endParaRPr lang="ko-KR" altLang="en-US" dirty="0"/>
+          </a:p>
+        </p:txBody>
+      </p:sp>
+      <p:sp>
+        <p:nvSpPr>
+          <p:cNvPr id="17" name="직사각형 16">
+            <a:extLst>
+              <a:ext uri="{FF2B5EF4-FFF2-40B4-BE49-F238E27FC236}">
+                <a16:creationId xmlns:a16="http://schemas.microsoft.com/office/drawing/2014/main" id="{AE1BB046-1A52-7006-8E78-D9051B24EDBD}"/>
+              </a:ext>
+            </a:extLst>
+          </p:cNvPr>
+          <p:cNvSpPr/>
+          <p:nvPr/>
+        </p:nvSpPr>
+        <p:spPr>
+          <a:xfrm>
+            <a:off x="3773879" y="1183722"/>
+            <a:ext cx="2386940" cy="732459"/>
+          </a:xfrm>
+          <a:prstGeom prst="rect">
+            <a:avLst/>
+          </a:prstGeom>
+        </p:spPr>
+        <p:style>
+          <a:lnRef idx="2">
+            <a:schemeClr val="accent1">
+              <a:shade val="50000"/>
+            </a:schemeClr>
+          </a:lnRef>
+          <a:fillRef idx="1">
+            <a:schemeClr val="accent1"/>
+          </a:fillRef>
+          <a:effectRef idx="0">
+            <a:schemeClr val="accent1"/>
+          </a:effectRef>
+          <a:fontRef idx="minor">
+            <a:schemeClr val="lt1"/>
+          </a:fontRef>
+        </p:style>
+        <p:txBody>
+          <a:bodyPr rtlCol="0" anchor="ctr"/>
+          <a:lstStyle/>
+          <a:p>
+            <a:pPr algn="ctr"/>
+            <a:r>
+              <a:rPr lang="en-US" altLang="ko-KR" dirty="0"/>
+              <a:t>Serial Port</a:t>
+            </a:r>
+            <a:endParaRPr lang="ko-KR" altLang="en-US" dirty="0"/>
           </a:p>
         </p:txBody>
       </p:sp>
       <p:cxnSp>
         <p:nvCxnSpPr>
-          <p:cNvPr id="27" name="직선 화살표 연결선 26">
-            <a:extLst>
-              <a:ext uri="{FF2B5EF4-FFF2-40B4-BE49-F238E27FC236}">
-                <a16:creationId xmlns:a16="http://schemas.microsoft.com/office/drawing/2014/main" id="{B4C21A76-23AB-0421-9E14-B9011AB05D06}"/>
+          <p:cNvPr id="18" name="직선 화살표 연결선 17">
+            <a:extLst>
+              <a:ext uri="{FF2B5EF4-FFF2-40B4-BE49-F238E27FC236}">
+                <a16:creationId xmlns:a16="http://schemas.microsoft.com/office/drawing/2014/main" id="{59BC79D9-57E7-B091-C550-D266CD8BDD88}"/>
               </a:ext>
             </a:extLst>
           </p:cNvPr>
           <p:cNvCxnSpPr>
             <a:cxnSpLocks/>
-            <a:endCxn id="25" idx="3"/>
           </p:cNvCxnSpPr>
           <p:nvPr/>
         </p:nvCxnSpPr>
         <p:spPr>
-          <a:xfrm flipH="1">
-            <a:off x="3050005" y="5678905"/>
-            <a:ext cx="1124953" cy="0"/>
+          <a:xfrm>
+            <a:off x="2707573" y="1532979"/>
+            <a:ext cx="947552" cy="0"/>
           </a:xfrm>
           <a:prstGeom prst="straightConnector1">
             <a:avLst/>
           </a:prstGeom>
-          <a:ln w="25400">
-            <a:solidFill>
-              <a:schemeClr val="tx1"/>
-            </a:solidFill>
+          <a:ln w="31750">
+            <a:headEnd type="triangle"/>
             <a:tailEnd type="triangle"/>
           </a:ln>
         </p:spPr>
         <p:style>
           <a:lnRef idx="1">
-            <a:schemeClr val="accent1"/>
+            <a:schemeClr val="dk1"/>
           </a:lnRef>
           <a:fillRef idx="0">
-            <a:schemeClr val="accent1"/>
+            <a:schemeClr val="dk1"/>
           </a:fillRef>
           <a:effectRef idx="0">
-            <a:schemeClr val="accent1"/>
+            <a:schemeClr val="dk1"/>
           </a:effectRef>
           <a:fontRef idx="minor">
             <a:schemeClr val="tx1"/>
@@ -4954,10 +6378,10 @@
       </p:cxnSp>
       <p:cxnSp>
         <p:nvCxnSpPr>
-          <p:cNvPr id="30" name="직선 화살표 연결선 29">
-            <a:extLst>
-              <a:ext uri="{FF2B5EF4-FFF2-40B4-BE49-F238E27FC236}">
-                <a16:creationId xmlns:a16="http://schemas.microsoft.com/office/drawing/2014/main" id="{B4CBBD84-60A8-8EF2-A32A-23894DF95630}"/>
+          <p:cNvPr id="22" name="직선 화살표 연결선 21">
+            <a:extLst>
+              <a:ext uri="{FF2B5EF4-FFF2-40B4-BE49-F238E27FC236}">
+                <a16:creationId xmlns:a16="http://schemas.microsoft.com/office/drawing/2014/main" id="{275E1B9D-452C-6188-D577-0ADE903717D5}"/>
               </a:ext>
             </a:extLst>
           </p:cNvPr>
@@ -4967,29 +6391,27 @@
           <p:nvPr/>
         </p:nvCxnSpPr>
         <p:spPr>
-          <a:xfrm flipH="1">
-            <a:off x="3050004" y="4463716"/>
-            <a:ext cx="1124953" cy="0"/>
+          <a:xfrm>
+            <a:off x="2707573" y="2744262"/>
+            <a:ext cx="947552" cy="0"/>
           </a:xfrm>
           <a:prstGeom prst="straightConnector1">
             <a:avLst/>
           </a:prstGeom>
-          <a:ln w="25400">
-            <a:solidFill>
-              <a:schemeClr val="tx1"/>
-            </a:solidFill>
+          <a:ln w="31750">
+            <a:headEnd type="triangle"/>
             <a:tailEnd type="triangle"/>
           </a:ln>
         </p:spPr>
         <p:style>
           <a:lnRef idx="1">
-            <a:schemeClr val="accent1"/>
+            <a:schemeClr val="dk1"/>
           </a:lnRef>
           <a:fillRef idx="0">
-            <a:schemeClr val="accent1"/>
+            <a:schemeClr val="dk1"/>
           </a:fillRef>
           <a:effectRef idx="0">
-            <a:schemeClr val="accent1"/>
+            <a:schemeClr val="dk1"/>
           </a:effectRef>
           <a:fontRef idx="minor">
             <a:schemeClr val="tx1"/>
@@ -4998,242 +6420,25 @@
       </p:cxnSp>
       <p:cxnSp>
         <p:nvCxnSpPr>
-          <p:cNvPr id="34" name="직선 화살표 연결선 33">
-            <a:extLst>
-              <a:ext uri="{FF2B5EF4-FFF2-40B4-BE49-F238E27FC236}">
-                <a16:creationId xmlns:a16="http://schemas.microsoft.com/office/drawing/2014/main" id="{1DD351B4-4585-30D7-69D5-FF2868423A13}"/>
-              </a:ext>
-            </a:extLst>
-          </p:cNvPr>
-          <p:cNvCxnSpPr>
-            <a:stCxn id="21" idx="3"/>
-          </p:cNvCxnSpPr>
+          <p:cNvPr id="24" name="직선 화살표 연결선 23">
+            <a:extLst>
+              <a:ext uri="{FF2B5EF4-FFF2-40B4-BE49-F238E27FC236}">
+                <a16:creationId xmlns:a16="http://schemas.microsoft.com/office/drawing/2014/main" id="{393C2D87-E2B3-CC13-9A42-E84BACF61E88}"/>
+              </a:ext>
+            </a:extLst>
+          </p:cNvPr>
+          <p:cNvCxnSpPr/>
           <p:nvPr/>
         </p:nvCxnSpPr>
         <p:spPr>
           <a:xfrm>
-            <a:off x="3050005" y="2791326"/>
-            <a:ext cx="1124952" cy="0"/>
+            <a:off x="2802577" y="5248894"/>
+            <a:ext cx="852548" cy="0"/>
           </a:xfrm>
           <a:prstGeom prst="straightConnector1">
             <a:avLst/>
           </a:prstGeom>
-          <a:ln w="25400">
-            <a:solidFill>
-              <a:schemeClr val="tx1"/>
-            </a:solidFill>
-            <a:headEnd type="triangle"/>
-            <a:tailEnd type="triangle"/>
-          </a:ln>
-        </p:spPr>
-        <p:style>
-          <a:lnRef idx="1">
-            <a:schemeClr val="accent1"/>
-          </a:lnRef>
-          <a:fillRef idx="0">
-            <a:schemeClr val="accent1"/>
-          </a:fillRef>
-          <a:effectRef idx="0">
-            <a:schemeClr val="accent1"/>
-          </a:effectRef>
-          <a:fontRef idx="minor">
-            <a:schemeClr val="tx1"/>
-          </a:fontRef>
-        </p:style>
-      </p:cxnSp>
-      <p:sp>
-        <p:nvSpPr>
-          <p:cNvPr id="35" name="TextBox 34">
-            <a:extLst>
-              <a:ext uri="{FF2B5EF4-FFF2-40B4-BE49-F238E27FC236}">
-                <a16:creationId xmlns:a16="http://schemas.microsoft.com/office/drawing/2014/main" id="{F120441C-433F-351D-0325-C3C9CCFE4F58}"/>
-              </a:ext>
-            </a:extLst>
-          </p:cNvPr>
-          <p:cNvSpPr txBox="1"/>
-          <p:nvPr/>
-        </p:nvSpPr>
-        <p:spPr>
-          <a:xfrm>
-            <a:off x="3250816" y="2238272"/>
-            <a:ext cx="687636" cy="523220"/>
-          </a:xfrm>
-          <a:prstGeom prst="rect">
-            <a:avLst/>
-          </a:prstGeom>
-          <a:noFill/>
-        </p:spPr>
-        <p:txBody>
-          <a:bodyPr wrap="square" rtlCol="0">
-            <a:spAutoFit/>
-          </a:bodyPr>
-          <a:lstStyle/>
-          <a:p>
-            <a:r>
-              <a:rPr lang="en-US" altLang="ko-KR" sz="1400" dirty="0"/>
-              <a:t>Serial </a:t>
-            </a:r>
-          </a:p>
-          <a:p>
-            <a:r>
-              <a:rPr lang="en-US" altLang="ko-KR" sz="1400" dirty="0"/>
-              <a:t>Tx, Rx</a:t>
-            </a:r>
-            <a:endParaRPr lang="ko-KR" altLang="en-US" sz="1400" dirty="0"/>
-          </a:p>
-        </p:txBody>
-      </p:sp>
-      <p:sp>
-        <p:nvSpPr>
-          <p:cNvPr id="37" name="TextBox 36">
-            <a:extLst>
-              <a:ext uri="{FF2B5EF4-FFF2-40B4-BE49-F238E27FC236}">
-                <a16:creationId xmlns:a16="http://schemas.microsoft.com/office/drawing/2014/main" id="{20CE582E-326E-7CBD-69EA-E4C25B96AB5E}"/>
-              </a:ext>
-            </a:extLst>
-          </p:cNvPr>
-          <p:cNvSpPr txBox="1"/>
-          <p:nvPr/>
-        </p:nvSpPr>
-        <p:spPr>
-          <a:xfrm>
-            <a:off x="3262819" y="3910495"/>
-            <a:ext cx="793886" cy="523220"/>
-          </a:xfrm>
-          <a:prstGeom prst="rect">
-            <a:avLst/>
-          </a:prstGeom>
-          <a:noFill/>
-        </p:spPr>
-        <p:txBody>
-          <a:bodyPr wrap="square" rtlCol="0">
-            <a:spAutoFit/>
-          </a:bodyPr>
-          <a:lstStyle/>
-          <a:p>
-            <a:r>
-              <a:rPr lang="en-US" altLang="ko-KR" sz="1400" dirty="0"/>
-              <a:t>GPIO Output</a:t>
-            </a:r>
-            <a:endParaRPr lang="ko-KR" altLang="en-US" sz="1400" dirty="0"/>
-          </a:p>
-        </p:txBody>
-      </p:sp>
-      <p:sp>
-        <p:nvSpPr>
-          <p:cNvPr id="38" name="TextBox 37">
-            <a:extLst>
-              <a:ext uri="{FF2B5EF4-FFF2-40B4-BE49-F238E27FC236}">
-                <a16:creationId xmlns:a16="http://schemas.microsoft.com/office/drawing/2014/main" id="{F7F70770-59F1-4A60-D7A0-5AFEDF09B7D2}"/>
-              </a:ext>
-            </a:extLst>
-          </p:cNvPr>
-          <p:cNvSpPr txBox="1"/>
-          <p:nvPr/>
-        </p:nvSpPr>
-        <p:spPr>
-          <a:xfrm>
-            <a:off x="3215538" y="5114741"/>
-            <a:ext cx="793886" cy="523220"/>
-          </a:xfrm>
-          <a:prstGeom prst="rect">
-            <a:avLst/>
-          </a:prstGeom>
-          <a:noFill/>
-        </p:spPr>
-        <p:txBody>
-          <a:bodyPr wrap="square" rtlCol="0">
-            <a:spAutoFit/>
-          </a:bodyPr>
-          <a:lstStyle/>
-          <a:p>
-            <a:r>
-              <a:rPr lang="en-US" altLang="ko-KR" sz="1400" dirty="0"/>
-              <a:t>GPIO Output</a:t>
-            </a:r>
-            <a:endParaRPr lang="ko-KR" altLang="en-US" sz="1400" dirty="0"/>
-          </a:p>
-        </p:txBody>
-      </p:sp>
-      <p:sp>
-        <p:nvSpPr>
-          <p:cNvPr id="3" name="직사각형 2">
-            <a:extLst>
-              <a:ext uri="{FF2B5EF4-FFF2-40B4-BE49-F238E27FC236}">
-                <a16:creationId xmlns:a16="http://schemas.microsoft.com/office/drawing/2014/main" id="{A71D3AD5-F4A0-853B-6F92-C370809E0866}"/>
-              </a:ext>
-            </a:extLst>
-          </p:cNvPr>
-          <p:cNvSpPr/>
-          <p:nvPr/>
-        </p:nvSpPr>
-        <p:spPr>
-          <a:xfrm>
-            <a:off x="10518006" y="1558089"/>
-            <a:ext cx="1386840" cy="4934784"/>
-          </a:xfrm>
-          <a:prstGeom prst="rect">
-            <a:avLst/>
-          </a:prstGeom>
-          <a:solidFill>
-            <a:schemeClr val="accent2">
-              <a:lumMod val="60000"/>
-              <a:lumOff val="40000"/>
-            </a:schemeClr>
-          </a:solidFill>
-        </p:spPr>
-        <p:style>
-          <a:lnRef idx="2">
-            <a:schemeClr val="accent1">
-              <a:shade val="50000"/>
-            </a:schemeClr>
-          </a:lnRef>
-          <a:fillRef idx="1">
-            <a:schemeClr val="accent1"/>
-          </a:fillRef>
-          <a:effectRef idx="0">
-            <a:schemeClr val="accent1"/>
-          </a:effectRef>
-          <a:fontRef idx="minor">
-            <a:schemeClr val="lt1"/>
-          </a:fontRef>
-        </p:style>
-        <p:txBody>
-          <a:bodyPr rtlCol="0" anchor="ctr"/>
-          <a:lstStyle/>
-          <a:p>
-            <a:pPr algn="ctr"/>
-            <a:r>
-              <a:rPr lang="en-US" altLang="ko-KR" b="1" dirty="0"/>
-              <a:t>Main MCU</a:t>
-            </a:r>
-            <a:endParaRPr lang="ko-KR" altLang="en-US" b="1" dirty="0"/>
-          </a:p>
-        </p:txBody>
-      </p:sp>
-      <p:cxnSp>
-        <p:nvCxnSpPr>
-          <p:cNvPr id="5" name="직선 화살표 연결선 4">
-            <a:extLst>
-              <a:ext uri="{FF2B5EF4-FFF2-40B4-BE49-F238E27FC236}">
-                <a16:creationId xmlns:a16="http://schemas.microsoft.com/office/drawing/2014/main" id="{CA78A12E-CA8C-1E59-C0ED-51A953234E71}"/>
-              </a:ext>
-            </a:extLst>
-          </p:cNvPr>
-          <p:cNvCxnSpPr>
-            <a:cxnSpLocks/>
-          </p:cNvCxnSpPr>
-          <p:nvPr/>
-        </p:nvCxnSpPr>
-        <p:spPr>
-          <a:xfrm>
-            <a:off x="6334626" y="3429000"/>
-            <a:ext cx="4183380" cy="0"/>
-          </a:xfrm>
-          <a:prstGeom prst="straightConnector1">
-            <a:avLst/>
-          </a:prstGeom>
-          <a:ln w="50800">
+          <a:ln w="38100">
             <a:solidFill>
               <a:schemeClr val="tx1"/>
             </a:solidFill>
@@ -5242,13 +6447,13 @@
         </p:spPr>
         <p:style>
           <a:lnRef idx="1">
-            <a:schemeClr val="accent1"/>
+            <a:schemeClr val="dk1"/>
           </a:lnRef>
           <a:fillRef idx="0">
-            <a:schemeClr val="accent1"/>
+            <a:schemeClr val="dk1"/>
           </a:fillRef>
           <a:effectRef idx="0">
-            <a:schemeClr val="accent1"/>
+            <a:schemeClr val="dk1"/>
           </a:effectRef>
           <a:fontRef idx="minor">
             <a:schemeClr val="tx1"/>
@@ -5257,10 +6462,10 @@
       </p:cxnSp>
       <p:cxnSp>
         <p:nvCxnSpPr>
-          <p:cNvPr id="10" name="직선 화살표 연결선 9">
-            <a:extLst>
-              <a:ext uri="{FF2B5EF4-FFF2-40B4-BE49-F238E27FC236}">
-                <a16:creationId xmlns:a16="http://schemas.microsoft.com/office/drawing/2014/main" id="{FDBF383E-2A8F-CC78-A68F-B2EDEA63ACA2}"/>
+          <p:cNvPr id="25" name="직선 화살표 연결선 24">
+            <a:extLst>
+              <a:ext uri="{FF2B5EF4-FFF2-40B4-BE49-F238E27FC236}">
+                <a16:creationId xmlns:a16="http://schemas.microsoft.com/office/drawing/2014/main" id="{3FCB0D47-E66D-BC29-AA7C-AF0717D458EA}"/>
               </a:ext>
             </a:extLst>
           </p:cNvPr>
@@ -5270,14 +6475,14 @@
           <p:nvPr/>
         </p:nvCxnSpPr>
         <p:spPr>
-          <a:xfrm flipH="1">
-            <a:off x="6334626" y="5114741"/>
-            <a:ext cx="4183380" cy="0"/>
+          <a:xfrm rot="10800000">
+            <a:off x="2802577" y="4025735"/>
+            <a:ext cx="852548" cy="0"/>
           </a:xfrm>
           <a:prstGeom prst="straightConnector1">
             <a:avLst/>
           </a:prstGeom>
-          <a:ln w="50800">
+          <a:ln w="38100">
             <a:solidFill>
               <a:schemeClr val="tx1"/>
             </a:solidFill>
@@ -5286,13 +6491,13 @@
         </p:spPr>
         <p:style>
           <a:lnRef idx="1">
-            <a:schemeClr val="accent1"/>
+            <a:schemeClr val="dk1"/>
           </a:lnRef>
           <a:fillRef idx="0">
-            <a:schemeClr val="accent1"/>
+            <a:schemeClr val="dk1"/>
           </a:fillRef>
           <a:effectRef idx="0">
-            <a:schemeClr val="accent1"/>
+            <a:schemeClr val="dk1"/>
           </a:effectRef>
           <a:fontRef idx="minor">
             <a:schemeClr val="tx1"/>
@@ -5301,10 +6506,10 @@
       </p:cxnSp>
       <p:sp>
         <p:nvSpPr>
-          <p:cNvPr id="11" name="TextBox 10">
-            <a:extLst>
-              <a:ext uri="{FF2B5EF4-FFF2-40B4-BE49-F238E27FC236}">
-                <a16:creationId xmlns:a16="http://schemas.microsoft.com/office/drawing/2014/main" id="{5ACBC6F8-9EF3-3623-3856-F6DD70606F08}"/>
+          <p:cNvPr id="3" name="TextBox 2">
+            <a:extLst>
+              <a:ext uri="{FF2B5EF4-FFF2-40B4-BE49-F238E27FC236}">
+                <a16:creationId xmlns:a16="http://schemas.microsoft.com/office/drawing/2014/main" id="{A572BBEB-C4B4-E8FB-0D89-4DED14388F6B}"/>
               </a:ext>
             </a:extLst>
           </p:cNvPr>
@@ -5313,8 +6518,8 @@
         </p:nvSpPr>
         <p:spPr>
           <a:xfrm>
-            <a:off x="7618395" y="2904065"/>
-            <a:ext cx="1946709" cy="523220"/>
+            <a:off x="7315200" y="1183722"/>
+            <a:ext cx="3701144" cy="3693319"/>
           </a:xfrm>
           <a:prstGeom prst="rect">
             <a:avLst/>
@@ -5328,71 +6533,140 @@
           <a:lstStyle/>
           <a:p>
             <a:r>
-              <a:rPr lang="en-US" altLang="ko-KR" sz="1400" dirty="0"/>
-              <a:t>Serial Tx</a:t>
-            </a:r>
-          </a:p>
-          <a:p>
-            <a:r>
-              <a:rPr lang="en-US" altLang="ko-KR" sz="1400" dirty="0"/>
-              <a:t>(Child location, </a:t>
-            </a:r>
-            <a:r>
-              <a:rPr lang="en-US" altLang="ko-KR" sz="1400" dirty="0" err="1"/>
-              <a:t>etc</a:t>
-            </a:r>
-            <a:r>
-              <a:rPr lang="en-US" altLang="ko-KR" sz="1400" dirty="0"/>
-              <a:t>… )</a:t>
-            </a:r>
-          </a:p>
-        </p:txBody>
-      </p:sp>
-      <p:sp>
-        <p:nvSpPr>
-          <p:cNvPr id="12" name="TextBox 11">
-            <a:extLst>
-              <a:ext uri="{FF2B5EF4-FFF2-40B4-BE49-F238E27FC236}">
-                <a16:creationId xmlns:a16="http://schemas.microsoft.com/office/drawing/2014/main" id="{2169F3AD-1739-FECD-713D-74467262B6A0}"/>
-              </a:ext>
-            </a:extLst>
-          </p:cNvPr>
-          <p:cNvSpPr txBox="1"/>
-          <p:nvPr/>
-        </p:nvSpPr>
-        <p:spPr>
-          <a:xfrm>
-            <a:off x="7618395" y="4589805"/>
-            <a:ext cx="2173306" cy="523220"/>
-          </a:xfrm>
-          <a:prstGeom prst="rect">
-            <a:avLst/>
-          </a:prstGeom>
-          <a:noFill/>
-        </p:spPr>
-        <p:txBody>
-          <a:bodyPr wrap="square" rtlCol="0">
-            <a:spAutoFit/>
-          </a:bodyPr>
-          <a:lstStyle/>
-          <a:p>
-            <a:r>
-              <a:rPr lang="en-US" altLang="ko-KR" sz="1400" dirty="0"/>
-              <a:t>Serial Rx</a:t>
-            </a:r>
-          </a:p>
-          <a:p>
-            <a:r>
-              <a:rPr lang="en-US" altLang="ko-KR" sz="1400" dirty="0"/>
-              <a:t>(Warning Clear Signal,)</a:t>
-            </a:r>
+              <a:rPr lang="en-US" altLang="ko-KR" dirty="0"/>
+              <a:t>Main</a:t>
+            </a:r>
+            <a:r>
+              <a:rPr lang="ko-KR" altLang="en-US" dirty="0"/>
+              <a:t> </a:t>
+            </a:r>
+            <a:r>
+              <a:rPr lang="en-US" altLang="ko-KR" dirty="0"/>
+              <a:t>Function</a:t>
+            </a:r>
+          </a:p>
+          <a:p>
+            <a:pPr marL="285750" indent="-285750">
+              <a:buFontTx/>
+              <a:buChar char="-"/>
+            </a:pPr>
+            <a:r>
+              <a:rPr lang="ko-KR" altLang="en-US" dirty="0"/>
+              <a:t>위험 지역 도달 시 </a:t>
+            </a:r>
+            <a:r>
+              <a:rPr lang="en-US" altLang="ko-KR" dirty="0" err="1"/>
+              <a:t>led,buzzer</a:t>
+            </a:r>
+            <a:r>
+              <a:rPr lang="ko-KR" altLang="en-US" dirty="0"/>
+              <a:t> 로직에 맞게 동작</a:t>
+            </a:r>
+            <a:endParaRPr lang="en-US" altLang="ko-KR" dirty="0"/>
+          </a:p>
+          <a:p>
+            <a:pPr marL="285750" indent="-285750">
+              <a:buFontTx/>
+              <a:buChar char="-"/>
+            </a:pPr>
+            <a:endParaRPr lang="en-US" altLang="ko-KR" dirty="0"/>
+          </a:p>
+          <a:p>
+            <a:pPr marL="285750" indent="-285750">
+              <a:buFontTx/>
+              <a:buChar char="-"/>
+            </a:pPr>
+            <a:r>
+              <a:rPr lang="ko-KR" altLang="en-US" dirty="0"/>
+              <a:t>위험 지역 탈출 또는 </a:t>
+            </a:r>
+            <a:r>
+              <a:rPr lang="en-US" altLang="ko-KR" dirty="0"/>
+              <a:t>Teacher </a:t>
+            </a:r>
+            <a:r>
+              <a:rPr lang="ko-KR" altLang="en-US" dirty="0"/>
+              <a:t>로부터 </a:t>
+            </a:r>
+            <a:r>
+              <a:rPr lang="en-US" altLang="ko-KR" dirty="0"/>
+              <a:t>Clear </a:t>
+            </a:r>
+            <a:r>
+              <a:rPr lang="ko-KR" altLang="en-US" dirty="0"/>
+              <a:t>시 경보 해제</a:t>
+            </a:r>
+            <a:endParaRPr lang="en-US" altLang="ko-KR" dirty="0"/>
+          </a:p>
+          <a:p>
+            <a:pPr marL="285750" indent="-285750">
+              <a:buFontTx/>
+              <a:buChar char="-"/>
+            </a:pPr>
+            <a:endParaRPr lang="en-US" altLang="ko-KR" dirty="0"/>
+          </a:p>
+          <a:p>
+            <a:pPr marL="285750" indent="-285750">
+              <a:buFontTx/>
+              <a:buChar char="-"/>
+            </a:pPr>
+            <a:r>
+              <a:rPr lang="en-US" altLang="ko-KR" dirty="0"/>
+              <a:t>GPS </a:t>
+            </a:r>
+            <a:r>
+              <a:rPr lang="ko-KR" altLang="en-US" dirty="0"/>
+              <a:t>모듈과 통신하여 위치데이터 특정 주기로 갱신</a:t>
+            </a:r>
+            <a:endParaRPr lang="en-US" altLang="ko-KR" dirty="0"/>
+          </a:p>
+          <a:p>
+            <a:pPr marL="285750" indent="-285750">
+              <a:buFontTx/>
+              <a:buChar char="-"/>
+            </a:pPr>
+            <a:endParaRPr lang="en-US" altLang="ko-KR" dirty="0"/>
+          </a:p>
+          <a:p>
+            <a:pPr marL="285750" indent="-285750">
+              <a:buFontTx/>
+              <a:buChar char="-"/>
+            </a:pPr>
+            <a:r>
+              <a:rPr lang="en-US" altLang="ko-KR" dirty="0"/>
+              <a:t>Serial </a:t>
+            </a:r>
+            <a:r>
+              <a:rPr lang="ko-KR" altLang="en-US" dirty="0"/>
+              <a:t>포트 통해 </a:t>
+            </a:r>
+            <a:r>
+              <a:rPr lang="en-US" altLang="ko-KR" dirty="0"/>
+              <a:t>Main </a:t>
+            </a:r>
+            <a:r>
+              <a:rPr lang="ko-KR" altLang="en-US" dirty="0"/>
+              <a:t>에 위치</a:t>
+            </a:r>
+            <a:r>
+              <a:rPr lang="en-US" altLang="ko-KR" dirty="0"/>
+              <a:t>,</a:t>
+            </a:r>
+            <a:r>
+              <a:rPr lang="ko-KR" altLang="en-US" dirty="0"/>
+              <a:t>위험 정보 전달</a:t>
+            </a:r>
+            <a:endParaRPr lang="en-US" altLang="ko-KR" dirty="0"/>
+          </a:p>
+          <a:p>
+            <a:endParaRPr lang="en-US" altLang="ko-KR" dirty="0"/>
           </a:p>
         </p:txBody>
       </p:sp>
     </p:spTree>
     <p:extLst>
       <p:ext uri="{BB962C8B-B14F-4D97-AF65-F5344CB8AC3E}">
-        <p14:creationId xmlns:p14="http://schemas.microsoft.com/office/powerpoint/2010/main" val="1368460774"/>
+        <p14:creationId xmlns:p14="http://schemas.microsoft.com/office/powerpoint/2010/main" val="897415166"/>
       </p:ext>
     </p:extLst>
   </p:cSld>
@@ -5419,307 +6693,12 @@
           <a:chExt cx="0" cy="0"/>
         </a:xfrm>
       </p:grpSpPr>
-      <p:sp>
-        <p:nvSpPr>
-          <p:cNvPr id="2" name="제목 1">
-            <a:extLst>
-              <a:ext uri="{FF2B5EF4-FFF2-40B4-BE49-F238E27FC236}">
-                <a16:creationId xmlns:a16="http://schemas.microsoft.com/office/drawing/2014/main" id="{D2F4B487-129E-42A5-39DA-F4FA017F0BD2}"/>
-              </a:ext>
-            </a:extLst>
-          </p:cNvPr>
-          <p:cNvSpPr>
-            <a:spLocks noGrp="1"/>
-          </p:cNvSpPr>
-          <p:nvPr>
-            <p:ph type="title"/>
-          </p:nvPr>
-        </p:nvSpPr>
-        <p:spPr>
-          <a:xfrm>
-            <a:off x="838200" y="365126"/>
-            <a:ext cx="10515600" cy="668028"/>
-          </a:xfrm>
-        </p:spPr>
-        <p:txBody>
-          <a:bodyPr>
-            <a:normAutofit fontScale="90000"/>
-          </a:bodyPr>
-          <a:lstStyle/>
-          <a:p>
-            <a:r>
-              <a:rPr lang="en-US" altLang="ko-KR" dirty="0"/>
-              <a:t>Module Teacher Configuration</a:t>
-            </a:r>
-            <a:endParaRPr lang="ko-KR" altLang="en-US" dirty="0"/>
-          </a:p>
-        </p:txBody>
-      </p:sp>
-      <p:sp>
-        <p:nvSpPr>
-          <p:cNvPr id="4" name="직사각형 3">
-            <a:extLst>
-              <a:ext uri="{FF2B5EF4-FFF2-40B4-BE49-F238E27FC236}">
-                <a16:creationId xmlns:a16="http://schemas.microsoft.com/office/drawing/2014/main" id="{E9348E8F-B488-C474-7FEA-1830C5F3EE6A}"/>
-              </a:ext>
-            </a:extLst>
-          </p:cNvPr>
-          <p:cNvSpPr/>
-          <p:nvPr/>
-        </p:nvSpPr>
-        <p:spPr>
-          <a:xfrm>
-            <a:off x="5861385" y="1558089"/>
-            <a:ext cx="5947611" cy="4934784"/>
-          </a:xfrm>
-          <a:prstGeom prst="rect">
-            <a:avLst/>
-          </a:prstGeom>
-          <a:noFill/>
-          <a:ln w="57150"/>
-        </p:spPr>
-        <p:style>
-          <a:lnRef idx="2">
-            <a:schemeClr val="accent1">
-              <a:shade val="50000"/>
-            </a:schemeClr>
-          </a:lnRef>
-          <a:fillRef idx="1">
-            <a:schemeClr val="accent1"/>
-          </a:fillRef>
-          <a:effectRef idx="0">
-            <a:schemeClr val="accent1"/>
-          </a:effectRef>
-          <a:fontRef idx="minor">
-            <a:schemeClr val="lt1"/>
-          </a:fontRef>
-        </p:style>
-        <p:txBody>
-          <a:bodyPr rtlCol="0" anchor="ctr"/>
-          <a:lstStyle/>
-          <a:p>
-            <a:pPr algn="ctr"/>
-            <a:endParaRPr lang="ko-KR" altLang="en-US" dirty="0"/>
-          </a:p>
-        </p:txBody>
-      </p:sp>
-      <p:sp>
-        <p:nvSpPr>
-          <p:cNvPr id="20" name="TextBox 19">
-            <a:extLst>
-              <a:ext uri="{FF2B5EF4-FFF2-40B4-BE49-F238E27FC236}">
-                <a16:creationId xmlns:a16="http://schemas.microsoft.com/office/drawing/2014/main" id="{F3AFAC23-2FE6-6361-D04E-539BA3715D99}"/>
-              </a:ext>
-            </a:extLst>
-          </p:cNvPr>
-          <p:cNvSpPr txBox="1"/>
-          <p:nvPr/>
-        </p:nvSpPr>
-        <p:spPr>
-          <a:xfrm>
-            <a:off x="7914774" y="1359568"/>
-            <a:ext cx="1840831" cy="369332"/>
-          </a:xfrm>
-          <a:prstGeom prst="rect">
-            <a:avLst/>
-          </a:prstGeom>
-          <a:solidFill>
-            <a:schemeClr val="bg1"/>
-          </a:solidFill>
-          <a:ln>
-            <a:solidFill>
-              <a:schemeClr val="tx1"/>
-            </a:solidFill>
-          </a:ln>
-        </p:spPr>
-        <p:txBody>
-          <a:bodyPr wrap="square" rtlCol="0">
-            <a:spAutoFit/>
-          </a:bodyPr>
-          <a:lstStyle/>
-          <a:p>
-            <a:pPr algn="ctr"/>
-            <a:r>
-              <a:rPr lang="en-US" altLang="ko-KR" dirty="0"/>
-              <a:t>Module</a:t>
-            </a:r>
-            <a:endParaRPr lang="ko-KR" altLang="en-US" dirty="0"/>
-          </a:p>
-        </p:txBody>
-      </p:sp>
-      <p:sp>
-        <p:nvSpPr>
-          <p:cNvPr id="22" name="직사각형 21">
-            <a:extLst>
-              <a:ext uri="{FF2B5EF4-FFF2-40B4-BE49-F238E27FC236}">
-                <a16:creationId xmlns:a16="http://schemas.microsoft.com/office/drawing/2014/main" id="{A4E404DC-9FCF-6A56-1988-DF54C03166B1}"/>
-              </a:ext>
-            </a:extLst>
-          </p:cNvPr>
-          <p:cNvSpPr/>
-          <p:nvPr/>
-        </p:nvSpPr>
-        <p:spPr>
-          <a:xfrm>
-            <a:off x="6117687" y="1977104"/>
-            <a:ext cx="2159668" cy="4165017"/>
-          </a:xfrm>
-          <a:prstGeom prst="rect">
-            <a:avLst/>
-          </a:prstGeom>
-        </p:spPr>
-        <p:style>
-          <a:lnRef idx="2">
-            <a:schemeClr val="accent6">
-              <a:shade val="50000"/>
-            </a:schemeClr>
-          </a:lnRef>
-          <a:fillRef idx="1">
-            <a:schemeClr val="accent6"/>
-          </a:fillRef>
-          <a:effectRef idx="0">
-            <a:schemeClr val="accent6"/>
-          </a:effectRef>
-          <a:fontRef idx="minor">
-            <a:schemeClr val="lt1"/>
-          </a:fontRef>
-        </p:style>
-        <p:txBody>
-          <a:bodyPr rtlCol="0" anchor="ctr"/>
-          <a:lstStyle/>
-          <a:p>
-            <a:pPr algn="ctr"/>
-            <a:r>
-              <a:rPr lang="en-US" altLang="ko-KR" dirty="0"/>
-              <a:t>MCU</a:t>
-            </a:r>
-          </a:p>
-          <a:p>
-            <a:pPr algn="ctr"/>
-            <a:r>
-              <a:rPr lang="en-US" altLang="ko-KR" dirty="0"/>
-              <a:t>(Arduino Micro)</a:t>
-            </a:r>
-            <a:endParaRPr lang="ko-KR" altLang="en-US" dirty="0"/>
-          </a:p>
-        </p:txBody>
-      </p:sp>
-      <p:sp>
-        <p:nvSpPr>
-          <p:cNvPr id="23" name="직사각형 22">
-            <a:extLst>
-              <a:ext uri="{FF2B5EF4-FFF2-40B4-BE49-F238E27FC236}">
-                <a16:creationId xmlns:a16="http://schemas.microsoft.com/office/drawing/2014/main" id="{C1CD28F4-F978-74BF-F646-744263781AF0}"/>
-              </a:ext>
-            </a:extLst>
-          </p:cNvPr>
-          <p:cNvSpPr/>
-          <p:nvPr/>
-        </p:nvSpPr>
-        <p:spPr>
-          <a:xfrm>
-            <a:off x="9363578" y="4000500"/>
-            <a:ext cx="2069431" cy="926432"/>
-          </a:xfrm>
-          <a:prstGeom prst="rect">
-            <a:avLst/>
-          </a:prstGeom>
-          <a:solidFill>
-            <a:schemeClr val="bg2">
-              <a:lumMod val="75000"/>
-            </a:schemeClr>
-          </a:solidFill>
-        </p:spPr>
-        <p:style>
-          <a:lnRef idx="2">
-            <a:schemeClr val="accent1">
-              <a:shade val="50000"/>
-            </a:schemeClr>
-          </a:lnRef>
-          <a:fillRef idx="1">
-            <a:schemeClr val="accent1"/>
-          </a:fillRef>
-          <a:effectRef idx="0">
-            <a:schemeClr val="accent1"/>
-          </a:effectRef>
-          <a:fontRef idx="minor">
-            <a:schemeClr val="lt1"/>
-          </a:fontRef>
-        </p:style>
-        <p:txBody>
-          <a:bodyPr rtlCol="0" anchor="ctr"/>
-          <a:lstStyle/>
-          <a:p>
-            <a:pPr algn="ctr"/>
-            <a:r>
-              <a:rPr lang="en-US" altLang="ko-KR" dirty="0"/>
-              <a:t>Buzzer module</a:t>
-            </a:r>
-            <a:endParaRPr lang="ko-KR" altLang="en-US" dirty="0"/>
-          </a:p>
-        </p:txBody>
-      </p:sp>
-      <p:sp>
-        <p:nvSpPr>
-          <p:cNvPr id="25" name="직사각형 24">
-            <a:extLst>
-              <a:ext uri="{FF2B5EF4-FFF2-40B4-BE49-F238E27FC236}">
-                <a16:creationId xmlns:a16="http://schemas.microsoft.com/office/drawing/2014/main" id="{AC5706D6-B496-1761-88E6-15B7F3533655}"/>
-              </a:ext>
-            </a:extLst>
-          </p:cNvPr>
-          <p:cNvSpPr/>
-          <p:nvPr/>
-        </p:nvSpPr>
-        <p:spPr>
-          <a:xfrm>
-            <a:off x="9363578" y="5215689"/>
-            <a:ext cx="2069431" cy="926432"/>
-          </a:xfrm>
-          <a:prstGeom prst="rect">
-            <a:avLst/>
-          </a:prstGeom>
-          <a:solidFill>
-            <a:schemeClr val="accent2">
-              <a:lumMod val="60000"/>
-              <a:lumOff val="40000"/>
-            </a:schemeClr>
-          </a:solidFill>
-        </p:spPr>
-        <p:style>
-          <a:lnRef idx="2">
-            <a:schemeClr val="accent1">
-              <a:shade val="50000"/>
-            </a:schemeClr>
-          </a:lnRef>
-          <a:fillRef idx="1">
-            <a:schemeClr val="accent1"/>
-          </a:fillRef>
-          <a:effectRef idx="0">
-            <a:schemeClr val="accent1"/>
-          </a:effectRef>
-          <a:fontRef idx="minor">
-            <a:schemeClr val="lt1"/>
-          </a:fontRef>
-        </p:style>
-        <p:txBody>
-          <a:bodyPr rtlCol="0" anchor="ctr"/>
-          <a:lstStyle/>
-          <a:p>
-            <a:pPr algn="ctr"/>
-            <a:r>
-              <a:rPr lang="en-US" altLang="ko-KR" dirty="0"/>
-              <a:t>LED</a:t>
-            </a:r>
-          </a:p>
-        </p:txBody>
-      </p:sp>
       <p:cxnSp>
         <p:nvCxnSpPr>
-          <p:cNvPr id="27" name="직선 화살표 연결선 26">
-            <a:extLst>
-              <a:ext uri="{FF2B5EF4-FFF2-40B4-BE49-F238E27FC236}">
-                <a16:creationId xmlns:a16="http://schemas.microsoft.com/office/drawing/2014/main" id="{B4C21A76-23AB-0421-9E14-B9011AB05D06}"/>
+          <p:cNvPr id="7" name="직선 연결선 6">
+            <a:extLst>
+              <a:ext uri="{FF2B5EF4-FFF2-40B4-BE49-F238E27FC236}">
+                <a16:creationId xmlns:a16="http://schemas.microsoft.com/office/drawing/2014/main" id="{739F3D0E-3DE9-97BC-D6A8-646565E692DA}"/>
               </a:ext>
             </a:extLst>
           </p:cNvPr>
@@ -5729,19 +6708,14 @@
           <p:nvPr/>
         </p:nvCxnSpPr>
         <p:spPr>
-          <a:xfrm rot="10800000" flipH="1">
-            <a:off x="8277355" y="5678905"/>
-            <a:ext cx="1124953" cy="0"/>
-          </a:xfrm>
-          <a:prstGeom prst="straightConnector1">
+          <a:xfrm>
+            <a:off x="794657" y="696957"/>
+            <a:ext cx="10602686" cy="0"/>
+          </a:xfrm>
+          <a:prstGeom prst="line">
             <a:avLst/>
           </a:prstGeom>
-          <a:ln w="25400">
-            <a:solidFill>
-              <a:schemeClr val="tx1"/>
-            </a:solidFill>
-            <a:tailEnd type="triangle"/>
-          </a:ln>
+          <a:ln w="31750"/>
         </p:spPr>
         <p:style>
           <a:lnRef idx="1">
@@ -5758,12 +6732,51 @@
           </a:fontRef>
         </p:style>
       </p:cxnSp>
+      <p:sp>
+        <p:nvSpPr>
+          <p:cNvPr id="9" name="TextBox 8">
+            <a:extLst>
+              <a:ext uri="{FF2B5EF4-FFF2-40B4-BE49-F238E27FC236}">
+                <a16:creationId xmlns:a16="http://schemas.microsoft.com/office/drawing/2014/main" id="{B112D299-4F14-CC08-E9C7-71FB470DFC98}"/>
+              </a:ext>
+            </a:extLst>
+          </p:cNvPr>
+          <p:cNvSpPr txBox="1"/>
+          <p:nvPr/>
+        </p:nvSpPr>
+        <p:spPr>
+          <a:xfrm>
+            <a:off x="794657" y="296847"/>
+            <a:ext cx="10602686" cy="400110"/>
+          </a:xfrm>
+          <a:prstGeom prst="rect">
+            <a:avLst/>
+          </a:prstGeom>
+          <a:noFill/>
+        </p:spPr>
+        <p:txBody>
+          <a:bodyPr wrap="square" rtlCol="0">
+            <a:spAutoFit/>
+          </a:bodyPr>
+          <a:lstStyle/>
+          <a:p>
+            <a:r>
+              <a:rPr lang="en-US" altLang="ko-KR" sz="2000" dirty="0"/>
+              <a:t>Module Child </a:t>
+            </a:r>
+            <a:r>
+              <a:rPr lang="ko-KR" altLang="en-US" sz="2000" dirty="0"/>
+              <a:t>코드 일부</a:t>
+            </a:r>
+          </a:p>
+        </p:txBody>
+      </p:sp>
       <p:cxnSp>
         <p:nvCxnSpPr>
-          <p:cNvPr id="30" name="직선 화살표 연결선 29">
-            <a:extLst>
-              <a:ext uri="{FF2B5EF4-FFF2-40B4-BE49-F238E27FC236}">
-                <a16:creationId xmlns:a16="http://schemas.microsoft.com/office/drawing/2014/main" id="{B4CBBD84-60A8-8EF2-A32A-23894DF95630}"/>
+          <p:cNvPr id="10" name="직선 연결선 9">
+            <a:extLst>
+              <a:ext uri="{FF2B5EF4-FFF2-40B4-BE49-F238E27FC236}">
+                <a16:creationId xmlns:a16="http://schemas.microsoft.com/office/drawing/2014/main" id="{B0785D09-06DA-18D6-490A-F585175105D2}"/>
               </a:ext>
             </a:extLst>
           </p:cNvPr>
@@ -5773,19 +6786,14 @@
           <p:nvPr/>
         </p:nvCxnSpPr>
         <p:spPr>
-          <a:xfrm rot="10800000" flipH="1">
-            <a:off x="8257990" y="4463716"/>
-            <a:ext cx="1124953" cy="0"/>
-          </a:xfrm>
-          <a:prstGeom prst="straightConnector1">
+          <a:xfrm>
+            <a:off x="794657" y="6483803"/>
+            <a:ext cx="10602686" cy="0"/>
+          </a:xfrm>
+          <a:prstGeom prst="line">
             <a:avLst/>
           </a:prstGeom>
-          <a:ln w="25400">
-            <a:solidFill>
-              <a:schemeClr val="tx1"/>
-            </a:solidFill>
-            <a:tailEnd type="triangle"/>
-          </a:ln>
+          <a:ln w="31750"/>
         </p:spPr>
         <p:style>
           <a:lnRef idx="1">
@@ -5804,10 +6812,10 @@
       </p:cxnSp>
       <p:sp>
         <p:nvSpPr>
-          <p:cNvPr id="37" name="TextBox 36">
-            <a:extLst>
-              <a:ext uri="{FF2B5EF4-FFF2-40B4-BE49-F238E27FC236}">
-                <a16:creationId xmlns:a16="http://schemas.microsoft.com/office/drawing/2014/main" id="{20CE582E-326E-7CBD-69EA-E4C25B96AB5E}"/>
+          <p:cNvPr id="12" name="TextBox 11">
+            <a:extLst>
+              <a:ext uri="{FF2B5EF4-FFF2-40B4-BE49-F238E27FC236}">
+                <a16:creationId xmlns:a16="http://schemas.microsoft.com/office/drawing/2014/main" id="{B106CB43-CD10-50ED-AAF0-49E23D52BDAE}"/>
               </a:ext>
             </a:extLst>
           </p:cNvPr>
@@ -5816,8 +6824,8 @@
         </p:nvSpPr>
         <p:spPr>
           <a:xfrm>
-            <a:off x="8359040" y="3940496"/>
-            <a:ext cx="793886" cy="523220"/>
+            <a:off x="838200" y="6516580"/>
+            <a:ext cx="3884023" cy="246221"/>
           </a:xfrm>
           <a:prstGeom prst="rect">
             <a:avLst/>
@@ -5831,283 +6839,83 @@
           <a:lstStyle/>
           <a:p>
             <a:r>
-              <a:rPr lang="en-US" altLang="ko-KR" sz="1400" dirty="0"/>
-              <a:t>GPIO Output</a:t>
-            </a:r>
-            <a:endParaRPr lang="ko-KR" altLang="en-US" sz="1400" dirty="0"/>
-          </a:p>
-        </p:txBody>
-      </p:sp>
-      <p:sp>
-        <p:nvSpPr>
-          <p:cNvPr id="38" name="TextBox 37">
-            <a:extLst>
-              <a:ext uri="{FF2B5EF4-FFF2-40B4-BE49-F238E27FC236}">
-                <a16:creationId xmlns:a16="http://schemas.microsoft.com/office/drawing/2014/main" id="{F7F70770-59F1-4A60-D7A0-5AFEDF09B7D2}"/>
-              </a:ext>
-            </a:extLst>
-          </p:cNvPr>
-          <p:cNvSpPr txBox="1"/>
+              <a:rPr lang="en-US" altLang="ko-KR" sz="1000" dirty="0">
+                <a:latin typeface="Aharoni" panose="02010803020104030203" pitchFamily="2" charset="-79"/>
+                <a:cs typeface="Aharoni" panose="02010803020104030203" pitchFamily="2" charset="-79"/>
+              </a:rPr>
+              <a:t>Physical Computing Final Project</a:t>
+            </a:r>
+            <a:endParaRPr lang="ko-KR" altLang="en-US" sz="1000" dirty="0">
+              <a:latin typeface="Aharoni" panose="02010803020104030203" pitchFamily="2" charset="-79"/>
+              <a:cs typeface="Aharoni" panose="02010803020104030203" pitchFamily="2" charset="-79"/>
+            </a:endParaRPr>
+          </a:p>
+        </p:txBody>
+      </p:sp>
+      <p:pic>
+        <p:nvPicPr>
+          <p:cNvPr id="4" name="그림 3">
+            <a:extLst>
+              <a:ext uri="{FF2B5EF4-FFF2-40B4-BE49-F238E27FC236}">
+                <a16:creationId xmlns:a16="http://schemas.microsoft.com/office/drawing/2014/main" id="{FBF83DB4-494D-68FB-C6F0-CA793CB45BB9}"/>
+              </a:ext>
+            </a:extLst>
+          </p:cNvPr>
+          <p:cNvPicPr>
+            <a:picLocks noChangeAspect="1"/>
+          </p:cNvPicPr>
           <p:nvPr/>
-        </p:nvSpPr>
-        <p:spPr>
-          <a:xfrm>
-            <a:off x="8359040" y="5114741"/>
-            <a:ext cx="793886" cy="523220"/>
+        </p:nvPicPr>
+        <p:blipFill>
+          <a:blip r:embed="rId2"/>
+          <a:stretch>
+            <a:fillRect/>
+          </a:stretch>
+        </p:blipFill>
+        <p:spPr>
+          <a:xfrm>
+            <a:off x="7624351" y="0"/>
+            <a:ext cx="4481864" cy="6858000"/>
           </a:xfrm>
           <a:prstGeom prst="rect">
             <a:avLst/>
           </a:prstGeom>
-          <a:noFill/>
-        </p:spPr>
-        <p:txBody>
-          <a:bodyPr wrap="square" rtlCol="0">
-            <a:spAutoFit/>
-          </a:bodyPr>
-          <a:lstStyle/>
-          <a:p>
-            <a:r>
-              <a:rPr lang="en-US" altLang="ko-KR" sz="1400" dirty="0"/>
-              <a:t>GPIO Output</a:t>
-            </a:r>
-            <a:endParaRPr lang="ko-KR" altLang="en-US" sz="1400" dirty="0"/>
-          </a:p>
-        </p:txBody>
-      </p:sp>
-      <p:cxnSp>
-        <p:nvCxnSpPr>
-          <p:cNvPr id="5" name="직선 화살표 연결선 4">
-            <a:extLst>
-              <a:ext uri="{FF2B5EF4-FFF2-40B4-BE49-F238E27FC236}">
-                <a16:creationId xmlns:a16="http://schemas.microsoft.com/office/drawing/2014/main" id="{CA78A12E-CA8C-1E59-C0ED-51A953234E71}"/>
-              </a:ext>
-            </a:extLst>
-          </p:cNvPr>
-          <p:cNvCxnSpPr>
-            <a:cxnSpLocks/>
-          </p:cNvCxnSpPr>
+        </p:spPr>
+      </p:pic>
+      <p:pic>
+        <p:nvPicPr>
+          <p:cNvPr id="6" name="그림 5">
+            <a:extLst>
+              <a:ext uri="{FF2B5EF4-FFF2-40B4-BE49-F238E27FC236}">
+                <a16:creationId xmlns:a16="http://schemas.microsoft.com/office/drawing/2014/main" id="{FE71A217-5561-F42C-D933-DDD07628C365}"/>
+              </a:ext>
+            </a:extLst>
+          </p:cNvPr>
+          <p:cNvPicPr>
+            <a:picLocks noChangeAspect="1"/>
+          </p:cNvPicPr>
           <p:nvPr/>
-        </p:nvCxnSpPr>
-        <p:spPr>
-          <a:xfrm flipH="1">
-            <a:off x="1678404" y="3427285"/>
-            <a:ext cx="4182981" cy="1715"/>
-          </a:xfrm>
-          <a:prstGeom prst="straightConnector1">
-            <a:avLst/>
-          </a:prstGeom>
-          <a:ln w="50800">
-            <a:solidFill>
-              <a:schemeClr val="tx1"/>
-            </a:solidFill>
-            <a:tailEnd type="triangle"/>
-          </a:ln>
-        </p:spPr>
-        <p:style>
-          <a:lnRef idx="1">
-            <a:schemeClr val="accent1"/>
-          </a:lnRef>
-          <a:fillRef idx="0">
-            <a:schemeClr val="accent1"/>
-          </a:fillRef>
-          <a:effectRef idx="0">
-            <a:schemeClr val="accent1"/>
-          </a:effectRef>
-          <a:fontRef idx="minor">
-            <a:schemeClr val="tx1"/>
-          </a:fontRef>
-        </p:style>
-      </p:cxnSp>
-      <p:cxnSp>
-        <p:nvCxnSpPr>
-          <p:cNvPr id="10" name="직선 화살표 연결선 9">
-            <a:extLst>
-              <a:ext uri="{FF2B5EF4-FFF2-40B4-BE49-F238E27FC236}">
-                <a16:creationId xmlns:a16="http://schemas.microsoft.com/office/drawing/2014/main" id="{FDBF383E-2A8F-CC78-A68F-B2EDEA63ACA2}"/>
-              </a:ext>
-            </a:extLst>
-          </p:cNvPr>
-          <p:cNvCxnSpPr>
-            <a:cxnSpLocks/>
-          </p:cNvCxnSpPr>
-          <p:nvPr/>
-        </p:nvCxnSpPr>
-        <p:spPr>
-          <a:xfrm>
-            <a:off x="1256454" y="5111309"/>
-            <a:ext cx="4604931" cy="0"/>
-          </a:xfrm>
-          <a:prstGeom prst="straightConnector1">
-            <a:avLst/>
-          </a:prstGeom>
-          <a:ln w="50800">
-            <a:solidFill>
-              <a:schemeClr val="tx1"/>
-            </a:solidFill>
-            <a:tailEnd type="triangle"/>
-          </a:ln>
-        </p:spPr>
-        <p:style>
-          <a:lnRef idx="1">
-            <a:schemeClr val="accent1"/>
-          </a:lnRef>
-          <a:fillRef idx="0">
-            <a:schemeClr val="accent1"/>
-          </a:fillRef>
-          <a:effectRef idx="0">
-            <a:schemeClr val="accent1"/>
-          </a:effectRef>
-          <a:fontRef idx="minor">
-            <a:schemeClr val="tx1"/>
-          </a:fontRef>
-        </p:style>
-      </p:cxnSp>
-      <p:sp>
-        <p:nvSpPr>
-          <p:cNvPr id="13" name="직사각형 12">
-            <a:extLst>
-              <a:ext uri="{FF2B5EF4-FFF2-40B4-BE49-F238E27FC236}">
-                <a16:creationId xmlns:a16="http://schemas.microsoft.com/office/drawing/2014/main" id="{BB33C801-2F10-45AB-ACA1-FEDC503AA0B5}"/>
-              </a:ext>
-            </a:extLst>
-          </p:cNvPr>
-          <p:cNvSpPr/>
-          <p:nvPr/>
-        </p:nvSpPr>
-        <p:spPr>
-          <a:xfrm>
-            <a:off x="291564" y="1558089"/>
-            <a:ext cx="1386840" cy="4934784"/>
+        </p:nvPicPr>
+        <p:blipFill>
+          <a:blip r:embed="rId3"/>
+          <a:stretch>
+            <a:fillRect/>
+          </a:stretch>
+        </p:blipFill>
+        <p:spPr>
+          <a:xfrm>
+            <a:off x="794657" y="696957"/>
+            <a:ext cx="5732965" cy="6027361"/>
           </a:xfrm>
           <a:prstGeom prst="rect">
             <a:avLst/>
           </a:prstGeom>
-          <a:solidFill>
-            <a:schemeClr val="accent2">
-              <a:lumMod val="60000"/>
-              <a:lumOff val="40000"/>
-            </a:schemeClr>
-          </a:solidFill>
-        </p:spPr>
-        <p:style>
-          <a:lnRef idx="2">
-            <a:schemeClr val="accent1">
-              <a:shade val="50000"/>
-            </a:schemeClr>
-          </a:lnRef>
-          <a:fillRef idx="1">
-            <a:schemeClr val="accent1"/>
-          </a:fillRef>
-          <a:effectRef idx="0">
-            <a:schemeClr val="accent1"/>
-          </a:effectRef>
-          <a:fontRef idx="minor">
-            <a:schemeClr val="lt1"/>
-          </a:fontRef>
-        </p:style>
-        <p:txBody>
-          <a:bodyPr rtlCol="0" anchor="ctr"/>
-          <a:lstStyle/>
-          <a:p>
-            <a:pPr algn="ctr"/>
-            <a:r>
-              <a:rPr lang="en-US" altLang="ko-KR" b="1" dirty="0"/>
-              <a:t>Main MCU</a:t>
-            </a:r>
-            <a:endParaRPr lang="ko-KR" altLang="en-US" b="1" dirty="0"/>
-          </a:p>
-        </p:txBody>
-      </p:sp>
-      <p:sp>
-        <p:nvSpPr>
-          <p:cNvPr id="28" name="TextBox 27">
-            <a:extLst>
-              <a:ext uri="{FF2B5EF4-FFF2-40B4-BE49-F238E27FC236}">
-                <a16:creationId xmlns:a16="http://schemas.microsoft.com/office/drawing/2014/main" id="{9404CFF3-C4EE-6074-6AF7-89777496C86F}"/>
-              </a:ext>
-            </a:extLst>
-          </p:cNvPr>
-          <p:cNvSpPr txBox="1"/>
-          <p:nvPr/>
-        </p:nvSpPr>
-        <p:spPr>
-          <a:xfrm>
-            <a:off x="2694973" y="2904065"/>
-            <a:ext cx="1946709" cy="523220"/>
-          </a:xfrm>
-          <a:prstGeom prst="rect">
-            <a:avLst/>
-          </a:prstGeom>
-          <a:noFill/>
-        </p:spPr>
-        <p:txBody>
-          <a:bodyPr wrap="square" rtlCol="0">
-            <a:spAutoFit/>
-          </a:bodyPr>
-          <a:lstStyle/>
-          <a:p>
-            <a:r>
-              <a:rPr lang="en-US" altLang="ko-KR" sz="1400" dirty="0"/>
-              <a:t>Serial Tx</a:t>
-            </a:r>
-          </a:p>
-          <a:p>
-            <a:r>
-              <a:rPr lang="en-US" altLang="ko-KR" sz="1400" dirty="0"/>
-              <a:t>(Warning Clear Signal)</a:t>
-            </a:r>
-          </a:p>
-        </p:txBody>
-      </p:sp>
-      <p:sp>
-        <p:nvSpPr>
-          <p:cNvPr id="29" name="TextBox 28">
-            <a:extLst>
-              <a:ext uri="{FF2B5EF4-FFF2-40B4-BE49-F238E27FC236}">
-                <a16:creationId xmlns:a16="http://schemas.microsoft.com/office/drawing/2014/main" id="{CACD2D07-91C5-C791-A123-1C26BD9BBAE9}"/>
-              </a:ext>
-            </a:extLst>
-          </p:cNvPr>
-          <p:cNvSpPr txBox="1"/>
-          <p:nvPr/>
-        </p:nvSpPr>
-        <p:spPr>
-          <a:xfrm>
-            <a:off x="2683241" y="4584659"/>
-            <a:ext cx="2173306" cy="523220"/>
-          </a:xfrm>
-          <a:prstGeom prst="rect">
-            <a:avLst/>
-          </a:prstGeom>
-          <a:noFill/>
-        </p:spPr>
-        <p:txBody>
-          <a:bodyPr wrap="square" rtlCol="0">
-            <a:spAutoFit/>
-          </a:bodyPr>
-          <a:lstStyle/>
-          <a:p>
-            <a:r>
-              <a:rPr lang="en-US" altLang="ko-KR" sz="1400" dirty="0"/>
-              <a:t>Serial Rx</a:t>
-            </a:r>
-          </a:p>
-          <a:p>
-            <a:r>
-              <a:rPr lang="en-US" altLang="ko-KR" sz="1400"/>
-              <a:t>(Clear </a:t>
-            </a:r>
-            <a:r>
-              <a:rPr lang="en-US" altLang="ko-KR" sz="1400" dirty="0"/>
-              <a:t>Signal)</a:t>
-            </a:r>
-          </a:p>
-        </p:txBody>
-      </p:sp>
+        </p:spPr>
+      </p:pic>
     </p:spTree>
     <p:extLst>
       <p:ext uri="{BB962C8B-B14F-4D97-AF65-F5344CB8AC3E}">
-        <p14:creationId xmlns:p14="http://schemas.microsoft.com/office/powerpoint/2010/main" val="890831062"/>
+        <p14:creationId xmlns:p14="http://schemas.microsoft.com/office/powerpoint/2010/main" val="1247261276"/>
       </p:ext>
     </p:extLst>
   </p:cSld>
@@ -6134,68 +6942,192 @@
           <a:chExt cx="0" cy="0"/>
         </a:xfrm>
       </p:grpSpPr>
-      <p:sp>
-        <p:nvSpPr>
-          <p:cNvPr id="2" name="제목 1">
-            <a:extLst>
-              <a:ext uri="{FF2B5EF4-FFF2-40B4-BE49-F238E27FC236}">
-                <a16:creationId xmlns:a16="http://schemas.microsoft.com/office/drawing/2014/main" id="{D2F4B487-129E-42A5-39DA-F4FA017F0BD2}"/>
-              </a:ext>
-            </a:extLst>
-          </p:cNvPr>
-          <p:cNvSpPr>
-            <a:spLocks noGrp="1"/>
-          </p:cNvSpPr>
-          <p:nvPr>
-            <p:ph type="title"/>
-          </p:nvPr>
-        </p:nvSpPr>
-        <p:spPr>
-          <a:xfrm>
-            <a:off x="838200" y="365126"/>
-            <a:ext cx="10515600" cy="668028"/>
-          </a:xfrm>
-        </p:spPr>
-        <p:txBody>
-          <a:bodyPr>
-            <a:normAutofit fontScale="90000"/>
-          </a:bodyPr>
-          <a:lstStyle/>
-          <a:p>
-            <a:r>
-              <a:rPr lang="en-US" altLang="ko-KR" dirty="0"/>
-              <a:t>Main MCU Configuration(UNO)</a:t>
-            </a:r>
-            <a:endParaRPr lang="ko-KR" altLang="en-US" dirty="0"/>
-          </a:p>
-        </p:txBody>
-      </p:sp>
-      <p:sp>
-        <p:nvSpPr>
-          <p:cNvPr id="3" name="직사각형 2">
-            <a:extLst>
-              <a:ext uri="{FF2B5EF4-FFF2-40B4-BE49-F238E27FC236}">
-                <a16:creationId xmlns:a16="http://schemas.microsoft.com/office/drawing/2014/main" id="{95912AC3-0F83-B577-0B4C-45408D5FC8F6}"/>
-              </a:ext>
-            </a:extLst>
-          </p:cNvPr>
-          <p:cNvSpPr/>
+      <p:cxnSp>
+        <p:nvCxnSpPr>
+          <p:cNvPr id="7" name="직선 연결선 6">
+            <a:extLst>
+              <a:ext uri="{FF2B5EF4-FFF2-40B4-BE49-F238E27FC236}">
+                <a16:creationId xmlns:a16="http://schemas.microsoft.com/office/drawing/2014/main" id="{739F3D0E-3DE9-97BC-D6A8-646565E692DA}"/>
+              </a:ext>
+            </a:extLst>
+          </p:cNvPr>
+          <p:cNvCxnSpPr>
+            <a:cxnSpLocks/>
+          </p:cNvCxnSpPr>
           <p:nvPr/>
-        </p:nvSpPr>
-        <p:spPr>
-          <a:xfrm>
-            <a:off x="917863" y="1246910"/>
-            <a:ext cx="10356273" cy="4999512"/>
+        </p:nvCxnSpPr>
+        <p:spPr>
+          <a:xfrm>
+            <a:off x="794657" y="696957"/>
+            <a:ext cx="10602686" cy="0"/>
+          </a:xfrm>
+          <a:prstGeom prst="line">
+            <a:avLst/>
+          </a:prstGeom>
+          <a:ln w="31750"/>
+        </p:spPr>
+        <p:style>
+          <a:lnRef idx="1">
+            <a:schemeClr val="accent1"/>
+          </a:lnRef>
+          <a:fillRef idx="0">
+            <a:schemeClr val="accent1"/>
+          </a:fillRef>
+          <a:effectRef idx="0">
+            <a:schemeClr val="accent1"/>
+          </a:effectRef>
+          <a:fontRef idx="minor">
+            <a:schemeClr val="tx1"/>
+          </a:fontRef>
+        </p:style>
+      </p:cxnSp>
+      <p:sp>
+        <p:nvSpPr>
+          <p:cNvPr id="9" name="TextBox 8">
+            <a:extLst>
+              <a:ext uri="{FF2B5EF4-FFF2-40B4-BE49-F238E27FC236}">
+                <a16:creationId xmlns:a16="http://schemas.microsoft.com/office/drawing/2014/main" id="{B112D299-4F14-CC08-E9C7-71FB470DFC98}"/>
+              </a:ext>
+            </a:extLst>
+          </p:cNvPr>
+          <p:cNvSpPr txBox="1"/>
+          <p:nvPr/>
+        </p:nvSpPr>
+        <p:spPr>
+          <a:xfrm>
+            <a:off x="794657" y="296847"/>
+            <a:ext cx="10602686" cy="400110"/>
           </a:xfrm>
           <a:prstGeom prst="rect">
             <a:avLst/>
           </a:prstGeom>
-          <a:solidFill>
-            <a:schemeClr val="accent2">
-              <a:lumMod val="60000"/>
-              <a:lumOff val="40000"/>
-            </a:schemeClr>
-          </a:solidFill>
+          <a:noFill/>
+        </p:spPr>
+        <p:txBody>
+          <a:bodyPr wrap="square" rtlCol="0">
+            <a:spAutoFit/>
+          </a:bodyPr>
+          <a:lstStyle/>
+          <a:p>
+            <a:r>
+              <a:rPr lang="en-US" altLang="ko-KR" sz="2000" dirty="0"/>
+              <a:t>Module Teacher(MICRO) Description</a:t>
+            </a:r>
+            <a:endParaRPr lang="ko-KR" altLang="en-US" sz="2000" dirty="0"/>
+          </a:p>
+        </p:txBody>
+      </p:sp>
+      <p:cxnSp>
+        <p:nvCxnSpPr>
+          <p:cNvPr id="10" name="직선 연결선 9">
+            <a:extLst>
+              <a:ext uri="{FF2B5EF4-FFF2-40B4-BE49-F238E27FC236}">
+                <a16:creationId xmlns:a16="http://schemas.microsoft.com/office/drawing/2014/main" id="{B0785D09-06DA-18D6-490A-F585175105D2}"/>
+              </a:ext>
+            </a:extLst>
+          </p:cNvPr>
+          <p:cNvCxnSpPr>
+            <a:cxnSpLocks/>
+          </p:cNvCxnSpPr>
+          <p:nvPr/>
+        </p:nvCxnSpPr>
+        <p:spPr>
+          <a:xfrm>
+            <a:off x="794657" y="6483803"/>
+            <a:ext cx="10602686" cy="0"/>
+          </a:xfrm>
+          <a:prstGeom prst="line">
+            <a:avLst/>
+          </a:prstGeom>
+          <a:ln w="31750"/>
+        </p:spPr>
+        <p:style>
+          <a:lnRef idx="1">
+            <a:schemeClr val="accent1"/>
+          </a:lnRef>
+          <a:fillRef idx="0">
+            <a:schemeClr val="accent1"/>
+          </a:fillRef>
+          <a:effectRef idx="0">
+            <a:schemeClr val="accent1"/>
+          </a:effectRef>
+          <a:fontRef idx="minor">
+            <a:schemeClr val="tx1"/>
+          </a:fontRef>
+        </p:style>
+      </p:cxnSp>
+      <p:sp>
+        <p:nvSpPr>
+          <p:cNvPr id="12" name="TextBox 11">
+            <a:extLst>
+              <a:ext uri="{FF2B5EF4-FFF2-40B4-BE49-F238E27FC236}">
+                <a16:creationId xmlns:a16="http://schemas.microsoft.com/office/drawing/2014/main" id="{B106CB43-CD10-50ED-AAF0-49E23D52BDAE}"/>
+              </a:ext>
+            </a:extLst>
+          </p:cNvPr>
+          <p:cNvSpPr txBox="1"/>
+          <p:nvPr/>
+        </p:nvSpPr>
+        <p:spPr>
+          <a:xfrm>
+            <a:off x="838200" y="6516580"/>
+            <a:ext cx="3884023" cy="246221"/>
+          </a:xfrm>
+          <a:prstGeom prst="rect">
+            <a:avLst/>
+          </a:prstGeom>
+          <a:noFill/>
+        </p:spPr>
+        <p:txBody>
+          <a:bodyPr wrap="square" rtlCol="0">
+            <a:spAutoFit/>
+          </a:bodyPr>
+          <a:lstStyle/>
+          <a:p>
+            <a:r>
+              <a:rPr lang="en-US" altLang="ko-KR" sz="1000" dirty="0">
+                <a:latin typeface="Aharoni" panose="02010803020104030203" pitchFamily="2" charset="-79"/>
+                <a:cs typeface="Aharoni" panose="02010803020104030203" pitchFamily="2" charset="-79"/>
+              </a:rPr>
+              <a:t>Physical Computing Final Project</a:t>
+            </a:r>
+            <a:endParaRPr lang="ko-KR" altLang="en-US" sz="1000" dirty="0">
+              <a:latin typeface="Aharoni" panose="02010803020104030203" pitchFamily="2" charset="-79"/>
+              <a:cs typeface="Aharoni" panose="02010803020104030203" pitchFamily="2" charset="-79"/>
+            </a:endParaRPr>
+          </a:p>
+        </p:txBody>
+      </p:sp>
+      <p:sp>
+        <p:nvSpPr>
+          <p:cNvPr id="4" name="직사각형 3">
+            <a:extLst>
+              <a:ext uri="{FF2B5EF4-FFF2-40B4-BE49-F238E27FC236}">
+                <a16:creationId xmlns:a16="http://schemas.microsoft.com/office/drawing/2014/main" id="{72C943B0-7A7A-11FB-B067-D9B7595E08CF}"/>
+              </a:ext>
+            </a:extLst>
+          </p:cNvPr>
+          <p:cNvSpPr/>
+          <p:nvPr/>
+        </p:nvSpPr>
+        <p:spPr>
+          <a:xfrm>
+            <a:off x="838200" y="938151"/>
+            <a:ext cx="5871358" cy="5058887"/>
+          </a:xfrm>
+          <a:prstGeom prst="rect">
+            <a:avLst/>
+          </a:prstGeom>
+          <a:noFill/>
+          <a:ln w="57150">
+            <a:solidFill>
+              <a:schemeClr val="accent6">
+                <a:lumMod val="20000"/>
+                <a:lumOff val="80000"/>
+              </a:schemeClr>
+            </a:solidFill>
+            <a:prstDash val="dash"/>
+          </a:ln>
         </p:spPr>
         <p:style>
           <a:lnRef idx="2">
@@ -6218,14 +7150,2161 @@
           <a:lstStyle/>
           <a:p>
             <a:pPr algn="ctr"/>
-            <a:endParaRPr lang="ko-KR" altLang="en-US" b="1" dirty="0"/>
+            <a:endParaRPr lang="en-US" altLang="ko-KR" b="1" dirty="0">
+              <a:solidFill>
+                <a:schemeClr val="tx1"/>
+              </a:solidFill>
+            </a:endParaRPr>
+          </a:p>
+        </p:txBody>
+      </p:sp>
+      <p:sp>
+        <p:nvSpPr>
+          <p:cNvPr id="2" name="직사각형 1">
+            <a:extLst>
+              <a:ext uri="{FF2B5EF4-FFF2-40B4-BE49-F238E27FC236}">
+                <a16:creationId xmlns:a16="http://schemas.microsoft.com/office/drawing/2014/main" id="{1276674F-F720-E887-508D-E84893C42744}"/>
+              </a:ext>
+            </a:extLst>
+          </p:cNvPr>
+          <p:cNvSpPr/>
+          <p:nvPr/>
+        </p:nvSpPr>
+        <p:spPr>
+          <a:xfrm>
+            <a:off x="1175656" y="1183723"/>
+            <a:ext cx="1448790" cy="4516434"/>
+          </a:xfrm>
+          <a:prstGeom prst="rect">
+            <a:avLst/>
+          </a:prstGeom>
+        </p:spPr>
+        <p:style>
+          <a:lnRef idx="2">
+            <a:schemeClr val="accent1">
+              <a:shade val="50000"/>
+            </a:schemeClr>
+          </a:lnRef>
+          <a:fillRef idx="1">
+            <a:schemeClr val="accent1"/>
+          </a:fillRef>
+          <a:effectRef idx="0">
+            <a:schemeClr val="accent1"/>
+          </a:effectRef>
+          <a:fontRef idx="minor">
+            <a:schemeClr val="lt1"/>
+          </a:fontRef>
+        </p:style>
+        <p:txBody>
+          <a:bodyPr rtlCol="0" anchor="ctr"/>
+          <a:lstStyle/>
+          <a:p>
+            <a:pPr algn="ctr"/>
+            <a:r>
+              <a:rPr lang="en-US" altLang="ko-KR" dirty="0"/>
+              <a:t>Arduino</a:t>
+            </a:r>
+          </a:p>
+          <a:p>
+            <a:pPr algn="ctr"/>
+            <a:r>
+              <a:rPr lang="en-US" altLang="ko-KR" dirty="0"/>
+              <a:t>Micro</a:t>
+            </a:r>
+            <a:endParaRPr lang="ko-KR" altLang="en-US" dirty="0"/>
+          </a:p>
+        </p:txBody>
+      </p:sp>
+      <p:sp>
+        <p:nvSpPr>
+          <p:cNvPr id="3" name="직사각형 2">
+            <a:extLst>
+              <a:ext uri="{FF2B5EF4-FFF2-40B4-BE49-F238E27FC236}">
+                <a16:creationId xmlns:a16="http://schemas.microsoft.com/office/drawing/2014/main" id="{8E55649E-C7D4-DAA5-1F46-00592F7F725D}"/>
+              </a:ext>
+            </a:extLst>
+          </p:cNvPr>
+          <p:cNvSpPr/>
+          <p:nvPr/>
+        </p:nvSpPr>
+        <p:spPr>
+          <a:xfrm>
+            <a:off x="3773879" y="3622170"/>
+            <a:ext cx="2386940" cy="732459"/>
+          </a:xfrm>
+          <a:prstGeom prst="rect">
+            <a:avLst/>
+          </a:prstGeom>
+        </p:spPr>
+        <p:style>
+          <a:lnRef idx="2">
+            <a:schemeClr val="accent1">
+              <a:shade val="50000"/>
+            </a:schemeClr>
+          </a:lnRef>
+          <a:fillRef idx="1">
+            <a:schemeClr val="accent1"/>
+          </a:fillRef>
+          <a:effectRef idx="0">
+            <a:schemeClr val="accent1"/>
+          </a:effectRef>
+          <a:fontRef idx="minor">
+            <a:schemeClr val="lt1"/>
+          </a:fontRef>
+        </p:style>
+        <p:txBody>
+          <a:bodyPr rtlCol="0" anchor="ctr"/>
+          <a:lstStyle/>
+          <a:p>
+            <a:pPr algn="ctr"/>
+            <a:r>
+              <a:rPr lang="en-US" altLang="ko-KR" dirty="0"/>
+              <a:t>GPIO Input</a:t>
+            </a:r>
+          </a:p>
+          <a:p>
+            <a:pPr algn="ctr"/>
+            <a:r>
+              <a:rPr lang="en-US" altLang="ko-KR" dirty="0"/>
+              <a:t>(Warning signal)</a:t>
+            </a:r>
+            <a:endParaRPr lang="ko-KR" altLang="en-US" dirty="0"/>
+          </a:p>
+        </p:txBody>
+      </p:sp>
+      <p:cxnSp>
+        <p:nvCxnSpPr>
+          <p:cNvPr id="6" name="직선 화살표 연결선 5">
+            <a:extLst>
+              <a:ext uri="{FF2B5EF4-FFF2-40B4-BE49-F238E27FC236}">
+                <a16:creationId xmlns:a16="http://schemas.microsoft.com/office/drawing/2014/main" id="{2BD51AAF-3C60-7268-D543-0E53099E1CA2}"/>
+              </a:ext>
+            </a:extLst>
+          </p:cNvPr>
+          <p:cNvCxnSpPr/>
+          <p:nvPr/>
+        </p:nvCxnSpPr>
+        <p:spPr>
+          <a:xfrm>
+            <a:off x="2802577" y="5248894"/>
+            <a:ext cx="852548" cy="0"/>
+          </a:xfrm>
+          <a:prstGeom prst="straightConnector1">
+            <a:avLst/>
+          </a:prstGeom>
+          <a:ln w="38100">
+            <a:solidFill>
+              <a:schemeClr val="tx1"/>
+            </a:solidFill>
+            <a:tailEnd type="triangle"/>
+          </a:ln>
+        </p:spPr>
+        <p:style>
+          <a:lnRef idx="1">
+            <a:schemeClr val="dk1"/>
+          </a:lnRef>
+          <a:fillRef idx="0">
+            <a:schemeClr val="dk1"/>
+          </a:fillRef>
+          <a:effectRef idx="0">
+            <a:schemeClr val="dk1"/>
+          </a:effectRef>
+          <a:fontRef idx="minor">
+            <a:schemeClr val="tx1"/>
+          </a:fontRef>
+        </p:style>
+      </p:cxnSp>
+      <p:cxnSp>
+        <p:nvCxnSpPr>
+          <p:cNvPr id="8" name="직선 화살표 연결선 7">
+            <a:extLst>
+              <a:ext uri="{FF2B5EF4-FFF2-40B4-BE49-F238E27FC236}">
+                <a16:creationId xmlns:a16="http://schemas.microsoft.com/office/drawing/2014/main" id="{14D67B3C-6B8E-AEC4-06D0-8481C9F086EB}"/>
+              </a:ext>
+            </a:extLst>
+          </p:cNvPr>
+          <p:cNvCxnSpPr>
+            <a:cxnSpLocks/>
+          </p:cNvCxnSpPr>
+          <p:nvPr/>
+        </p:nvCxnSpPr>
+        <p:spPr>
+          <a:xfrm rot="10800000">
+            <a:off x="2802577" y="4025735"/>
+            <a:ext cx="852548" cy="0"/>
+          </a:xfrm>
+          <a:prstGeom prst="straightConnector1">
+            <a:avLst/>
+          </a:prstGeom>
+          <a:ln w="38100">
+            <a:solidFill>
+              <a:schemeClr val="tx1"/>
+            </a:solidFill>
+            <a:tailEnd type="triangle"/>
+          </a:ln>
+        </p:spPr>
+        <p:style>
+          <a:lnRef idx="1">
+            <a:schemeClr val="dk1"/>
+          </a:lnRef>
+          <a:fillRef idx="0">
+            <a:schemeClr val="dk1"/>
+          </a:fillRef>
+          <a:effectRef idx="0">
+            <a:schemeClr val="dk1"/>
+          </a:effectRef>
+          <a:fontRef idx="minor">
+            <a:schemeClr val="tx1"/>
+          </a:fontRef>
+        </p:style>
+      </p:cxnSp>
+      <p:sp>
+        <p:nvSpPr>
+          <p:cNvPr id="20" name="직사각형 19">
+            <a:extLst>
+              <a:ext uri="{FF2B5EF4-FFF2-40B4-BE49-F238E27FC236}">
+                <a16:creationId xmlns:a16="http://schemas.microsoft.com/office/drawing/2014/main" id="{E84F0826-1ED9-9083-38EB-96077DCE708A}"/>
+              </a:ext>
+            </a:extLst>
+          </p:cNvPr>
+          <p:cNvSpPr/>
+          <p:nvPr/>
+        </p:nvSpPr>
+        <p:spPr>
+          <a:xfrm>
+            <a:off x="3773879" y="4841394"/>
+            <a:ext cx="2386940" cy="858762"/>
+          </a:xfrm>
+          <a:prstGeom prst="rect">
+            <a:avLst/>
+          </a:prstGeom>
+        </p:spPr>
+        <p:style>
+          <a:lnRef idx="2">
+            <a:schemeClr val="accent1">
+              <a:shade val="50000"/>
+            </a:schemeClr>
+          </a:lnRef>
+          <a:fillRef idx="1">
+            <a:schemeClr val="accent1"/>
+          </a:fillRef>
+          <a:effectRef idx="0">
+            <a:schemeClr val="accent1"/>
+          </a:effectRef>
+          <a:fontRef idx="minor">
+            <a:schemeClr val="lt1"/>
+          </a:fontRef>
+        </p:style>
+        <p:txBody>
+          <a:bodyPr rtlCol="0" anchor="ctr"/>
+          <a:lstStyle/>
+          <a:p>
+            <a:pPr algn="ctr"/>
+            <a:r>
+              <a:rPr lang="en-US" altLang="ko-KR" dirty="0"/>
+              <a:t>GPIO Output</a:t>
+            </a:r>
+          </a:p>
+          <a:p>
+            <a:pPr algn="ctr"/>
+            <a:r>
+              <a:rPr lang="en-US" altLang="ko-KR" dirty="0"/>
+              <a:t>(Warning </a:t>
+            </a:r>
+            <a:r>
+              <a:rPr lang="en-US" altLang="ko-KR" dirty="0" err="1"/>
+              <a:t>signal,sw,led,buzzer</a:t>
+            </a:r>
+            <a:r>
+              <a:rPr lang="en-US" altLang="ko-KR" dirty="0"/>
+              <a:t>)</a:t>
+            </a:r>
+            <a:endParaRPr lang="ko-KR" altLang="en-US" dirty="0"/>
+          </a:p>
+        </p:txBody>
+      </p:sp>
+      <p:sp>
+        <p:nvSpPr>
+          <p:cNvPr id="21" name="직사각형 20">
+            <a:extLst>
+              <a:ext uri="{FF2B5EF4-FFF2-40B4-BE49-F238E27FC236}">
+                <a16:creationId xmlns:a16="http://schemas.microsoft.com/office/drawing/2014/main" id="{2F1BBAC6-B51C-2D05-7B19-7C699835CC57}"/>
+              </a:ext>
+            </a:extLst>
+          </p:cNvPr>
+          <p:cNvSpPr/>
+          <p:nvPr/>
+        </p:nvSpPr>
+        <p:spPr>
+          <a:xfrm>
+            <a:off x="3773879" y="1183722"/>
+            <a:ext cx="2386940" cy="732459"/>
+          </a:xfrm>
+          <a:prstGeom prst="rect">
+            <a:avLst/>
+          </a:prstGeom>
+        </p:spPr>
+        <p:style>
+          <a:lnRef idx="2">
+            <a:schemeClr val="accent1">
+              <a:shade val="50000"/>
+            </a:schemeClr>
+          </a:lnRef>
+          <a:fillRef idx="1">
+            <a:schemeClr val="accent1"/>
+          </a:fillRef>
+          <a:effectRef idx="0">
+            <a:schemeClr val="accent1"/>
+          </a:effectRef>
+          <a:fontRef idx="minor">
+            <a:schemeClr val="lt1"/>
+          </a:fontRef>
+        </p:style>
+        <p:txBody>
+          <a:bodyPr rtlCol="0" anchor="ctr"/>
+          <a:lstStyle/>
+          <a:p>
+            <a:pPr algn="ctr"/>
+            <a:r>
+              <a:rPr lang="en-US" altLang="ko-KR" dirty="0"/>
+              <a:t>Serial Port</a:t>
+            </a:r>
+            <a:endParaRPr lang="ko-KR" altLang="en-US" dirty="0"/>
+          </a:p>
+        </p:txBody>
+      </p:sp>
+      <p:cxnSp>
+        <p:nvCxnSpPr>
+          <p:cNvPr id="22" name="직선 화살표 연결선 21">
+            <a:extLst>
+              <a:ext uri="{FF2B5EF4-FFF2-40B4-BE49-F238E27FC236}">
+                <a16:creationId xmlns:a16="http://schemas.microsoft.com/office/drawing/2014/main" id="{6CB121F9-DB25-65CF-049F-E34784069398}"/>
+              </a:ext>
+            </a:extLst>
+          </p:cNvPr>
+          <p:cNvCxnSpPr>
+            <a:cxnSpLocks/>
+          </p:cNvCxnSpPr>
+          <p:nvPr/>
+        </p:nvCxnSpPr>
+        <p:spPr>
+          <a:xfrm>
+            <a:off x="2707573" y="1532979"/>
+            <a:ext cx="947552" cy="0"/>
+          </a:xfrm>
+          <a:prstGeom prst="straightConnector1">
+            <a:avLst/>
+          </a:prstGeom>
+          <a:ln w="31750">
+            <a:headEnd type="triangle"/>
+            <a:tailEnd type="triangle"/>
+          </a:ln>
+        </p:spPr>
+        <p:style>
+          <a:lnRef idx="1">
+            <a:schemeClr val="dk1"/>
+          </a:lnRef>
+          <a:fillRef idx="0">
+            <a:schemeClr val="dk1"/>
+          </a:fillRef>
+          <a:effectRef idx="0">
+            <a:schemeClr val="dk1"/>
+          </a:effectRef>
+          <a:fontRef idx="minor">
+            <a:schemeClr val="tx1"/>
+          </a:fontRef>
+        </p:style>
+      </p:cxnSp>
+      <p:sp>
+        <p:nvSpPr>
+          <p:cNvPr id="25" name="TextBox 24">
+            <a:extLst>
+              <a:ext uri="{FF2B5EF4-FFF2-40B4-BE49-F238E27FC236}">
+                <a16:creationId xmlns:a16="http://schemas.microsoft.com/office/drawing/2014/main" id="{E8E88816-D1EF-6554-4121-E9C376DBFA9F}"/>
+              </a:ext>
+            </a:extLst>
+          </p:cNvPr>
+          <p:cNvSpPr txBox="1"/>
+          <p:nvPr/>
+        </p:nvSpPr>
+        <p:spPr>
+          <a:xfrm>
+            <a:off x="7315200" y="1183722"/>
+            <a:ext cx="3701144" cy="3970318"/>
+          </a:xfrm>
+          <a:prstGeom prst="rect">
+            <a:avLst/>
+          </a:prstGeom>
+          <a:noFill/>
+        </p:spPr>
+        <p:txBody>
+          <a:bodyPr wrap="square" rtlCol="0">
+            <a:spAutoFit/>
+          </a:bodyPr>
+          <a:lstStyle/>
+          <a:p>
+            <a:r>
+              <a:rPr lang="en-US" altLang="ko-KR" dirty="0"/>
+              <a:t>Main</a:t>
+            </a:r>
+            <a:r>
+              <a:rPr lang="ko-KR" altLang="en-US" dirty="0"/>
+              <a:t> </a:t>
+            </a:r>
+            <a:r>
+              <a:rPr lang="en-US" altLang="ko-KR" dirty="0"/>
+              <a:t>Function</a:t>
+            </a:r>
+          </a:p>
+          <a:p>
+            <a:pPr marL="285750" indent="-285750">
+              <a:buFontTx/>
+              <a:buChar char="-"/>
+            </a:pPr>
+            <a:r>
+              <a:rPr lang="en-US" altLang="ko-KR" dirty="0"/>
+              <a:t>SW </a:t>
+            </a:r>
+            <a:r>
+              <a:rPr lang="ko-KR" altLang="en-US" dirty="0"/>
+              <a:t>통해 모든 경보 해제</a:t>
+            </a:r>
+            <a:r>
+              <a:rPr lang="en-US" altLang="ko-KR" dirty="0"/>
+              <a:t>(Clear </a:t>
+            </a:r>
+            <a:r>
+              <a:rPr lang="ko-KR" altLang="en-US" dirty="0"/>
+              <a:t>처리</a:t>
+            </a:r>
+            <a:r>
+              <a:rPr lang="en-US" altLang="ko-KR" dirty="0"/>
+              <a:t>)</a:t>
+            </a:r>
+            <a:r>
+              <a:rPr lang="ko-KR" altLang="en-US" dirty="0"/>
+              <a:t> 기능과 한 번 더 누를 시 해당 값 반전되는 기능</a:t>
+            </a:r>
+            <a:endParaRPr lang="en-US" altLang="ko-KR" dirty="0"/>
+          </a:p>
+          <a:p>
+            <a:pPr marL="285750" indent="-285750">
+              <a:buFontTx/>
+              <a:buChar char="-"/>
+            </a:pPr>
+            <a:endParaRPr lang="en-US" altLang="ko-KR" dirty="0"/>
+          </a:p>
+          <a:p>
+            <a:pPr marL="285750" indent="-285750">
+              <a:buFontTx/>
+              <a:buChar char="-"/>
+            </a:pPr>
+            <a:r>
+              <a:rPr lang="en-US" altLang="ko-KR" dirty="0"/>
+              <a:t>SW </a:t>
+            </a:r>
+            <a:r>
+              <a:rPr lang="ko-KR" altLang="en-US" dirty="0"/>
+              <a:t>통해 </a:t>
+            </a:r>
+            <a:r>
+              <a:rPr lang="en-US" altLang="ko-KR" dirty="0"/>
+              <a:t>Buzzer </a:t>
+            </a:r>
+            <a:r>
+              <a:rPr lang="ko-KR" altLang="en-US" dirty="0"/>
+              <a:t>기능 조정가능</a:t>
+            </a:r>
+            <a:endParaRPr lang="en-US" altLang="ko-KR" dirty="0"/>
+          </a:p>
+          <a:p>
+            <a:pPr marL="285750" indent="-285750">
+              <a:buFontTx/>
+              <a:buChar char="-"/>
+            </a:pPr>
+            <a:endParaRPr lang="en-US" altLang="ko-KR" dirty="0"/>
+          </a:p>
+          <a:p>
+            <a:pPr marL="285750" indent="-285750">
+              <a:buFontTx/>
+              <a:buChar char="-"/>
+            </a:pPr>
+            <a:r>
+              <a:rPr lang="ko-KR" altLang="en-US" dirty="0"/>
+              <a:t>최초 경보 울린 시점 계산하여 경과 시간 체크 </a:t>
+            </a:r>
+            <a:r>
+              <a:rPr lang="en-US" altLang="ko-KR" dirty="0"/>
+              <a:t>(</a:t>
+            </a:r>
+            <a:r>
+              <a:rPr lang="ko-KR" altLang="en-US" dirty="0" err="1"/>
+              <a:t>오래지나면</a:t>
+            </a:r>
+            <a:r>
+              <a:rPr lang="ko-KR" altLang="en-US" dirty="0"/>
+              <a:t> </a:t>
+            </a:r>
+            <a:r>
+              <a:rPr lang="en-US" altLang="ko-KR" dirty="0"/>
+              <a:t>LED </a:t>
+            </a:r>
+            <a:r>
+              <a:rPr lang="ko-KR" altLang="en-US" dirty="0"/>
+              <a:t>동작 변화</a:t>
+            </a:r>
+            <a:r>
+              <a:rPr lang="en-US" altLang="ko-KR" dirty="0"/>
+              <a:t>)</a:t>
+            </a:r>
+          </a:p>
+          <a:p>
+            <a:pPr marL="285750" indent="-285750">
+              <a:buFontTx/>
+              <a:buChar char="-"/>
+            </a:pPr>
+            <a:endParaRPr lang="en-US" altLang="ko-KR" dirty="0"/>
+          </a:p>
+          <a:p>
+            <a:pPr marL="285750" indent="-285750">
+              <a:buFontTx/>
+              <a:buChar char="-"/>
+            </a:pPr>
+            <a:r>
+              <a:rPr lang="en-US" altLang="ko-KR" dirty="0"/>
+              <a:t>Clear </a:t>
+            </a:r>
+            <a:r>
+              <a:rPr lang="ko-KR" altLang="en-US" dirty="0"/>
+              <a:t>신호 받아 가진 데이터 리셋 기능</a:t>
+            </a:r>
+            <a:endParaRPr lang="en-US" altLang="ko-KR" dirty="0"/>
+          </a:p>
+          <a:p>
+            <a:endParaRPr lang="en-US" altLang="ko-KR" dirty="0"/>
           </a:p>
         </p:txBody>
       </p:sp>
     </p:spTree>
     <p:extLst>
       <p:ext uri="{BB962C8B-B14F-4D97-AF65-F5344CB8AC3E}">
-        <p14:creationId xmlns:p14="http://schemas.microsoft.com/office/powerpoint/2010/main" val="1629068261"/>
+        <p14:creationId xmlns:p14="http://schemas.microsoft.com/office/powerpoint/2010/main" val="4048841667"/>
+      </p:ext>
+    </p:extLst>
+  </p:cSld>
+  <p:clrMapOvr>
+    <a:masterClrMapping/>
+  </p:clrMapOvr>
+</p:sld>
+</file>
+
+<file path=ppt/slides/slide6.xml><?xml version="1.0" encoding="utf-8"?>
+<p:sld xmlns:a="http://schemas.openxmlformats.org/drawingml/2006/main" xmlns:r="http://schemas.openxmlformats.org/officeDocument/2006/relationships" xmlns:p="http://schemas.openxmlformats.org/presentationml/2006/main">
+  <p:cSld>
+    <p:spTree>
+      <p:nvGrpSpPr>
+        <p:cNvPr id="1" name=""/>
+        <p:cNvGrpSpPr/>
+        <p:nvPr/>
+      </p:nvGrpSpPr>
+      <p:grpSpPr>
+        <a:xfrm>
+          <a:off x="0" y="0"/>
+          <a:ext cx="0" cy="0"/>
+          <a:chOff x="0" y="0"/>
+          <a:chExt cx="0" cy="0"/>
+        </a:xfrm>
+      </p:grpSpPr>
+      <p:cxnSp>
+        <p:nvCxnSpPr>
+          <p:cNvPr id="7" name="직선 연결선 6">
+            <a:extLst>
+              <a:ext uri="{FF2B5EF4-FFF2-40B4-BE49-F238E27FC236}">
+                <a16:creationId xmlns:a16="http://schemas.microsoft.com/office/drawing/2014/main" id="{739F3D0E-3DE9-97BC-D6A8-646565E692DA}"/>
+              </a:ext>
+            </a:extLst>
+          </p:cNvPr>
+          <p:cNvCxnSpPr>
+            <a:cxnSpLocks/>
+          </p:cNvCxnSpPr>
+          <p:nvPr/>
+        </p:nvCxnSpPr>
+        <p:spPr>
+          <a:xfrm>
+            <a:off x="794657" y="696957"/>
+            <a:ext cx="10602686" cy="0"/>
+          </a:xfrm>
+          <a:prstGeom prst="line">
+            <a:avLst/>
+          </a:prstGeom>
+          <a:ln w="31750"/>
+        </p:spPr>
+        <p:style>
+          <a:lnRef idx="1">
+            <a:schemeClr val="accent1"/>
+          </a:lnRef>
+          <a:fillRef idx="0">
+            <a:schemeClr val="accent1"/>
+          </a:fillRef>
+          <a:effectRef idx="0">
+            <a:schemeClr val="accent1"/>
+          </a:effectRef>
+          <a:fontRef idx="minor">
+            <a:schemeClr val="tx1"/>
+          </a:fontRef>
+        </p:style>
+      </p:cxnSp>
+      <p:sp>
+        <p:nvSpPr>
+          <p:cNvPr id="9" name="TextBox 8">
+            <a:extLst>
+              <a:ext uri="{FF2B5EF4-FFF2-40B4-BE49-F238E27FC236}">
+                <a16:creationId xmlns:a16="http://schemas.microsoft.com/office/drawing/2014/main" id="{B112D299-4F14-CC08-E9C7-71FB470DFC98}"/>
+              </a:ext>
+            </a:extLst>
+          </p:cNvPr>
+          <p:cNvSpPr txBox="1"/>
+          <p:nvPr/>
+        </p:nvSpPr>
+        <p:spPr>
+          <a:xfrm>
+            <a:off x="794657" y="296847"/>
+            <a:ext cx="10602686" cy="400110"/>
+          </a:xfrm>
+          <a:prstGeom prst="rect">
+            <a:avLst/>
+          </a:prstGeom>
+          <a:noFill/>
+        </p:spPr>
+        <p:txBody>
+          <a:bodyPr wrap="square" rtlCol="0">
+            <a:spAutoFit/>
+          </a:bodyPr>
+          <a:lstStyle/>
+          <a:p>
+            <a:r>
+              <a:rPr lang="en-US" altLang="ko-KR" sz="2000" dirty="0"/>
+              <a:t>Module Teacher </a:t>
+            </a:r>
+            <a:r>
+              <a:rPr lang="ko-KR" altLang="en-US" sz="2000" dirty="0"/>
+              <a:t>코드 일부</a:t>
+            </a:r>
+          </a:p>
+        </p:txBody>
+      </p:sp>
+      <p:cxnSp>
+        <p:nvCxnSpPr>
+          <p:cNvPr id="10" name="직선 연결선 9">
+            <a:extLst>
+              <a:ext uri="{FF2B5EF4-FFF2-40B4-BE49-F238E27FC236}">
+                <a16:creationId xmlns:a16="http://schemas.microsoft.com/office/drawing/2014/main" id="{B0785D09-06DA-18D6-490A-F585175105D2}"/>
+              </a:ext>
+            </a:extLst>
+          </p:cNvPr>
+          <p:cNvCxnSpPr>
+            <a:cxnSpLocks/>
+          </p:cNvCxnSpPr>
+          <p:nvPr/>
+        </p:nvCxnSpPr>
+        <p:spPr>
+          <a:xfrm>
+            <a:off x="794657" y="6483803"/>
+            <a:ext cx="10602686" cy="0"/>
+          </a:xfrm>
+          <a:prstGeom prst="line">
+            <a:avLst/>
+          </a:prstGeom>
+          <a:ln w="31750"/>
+        </p:spPr>
+        <p:style>
+          <a:lnRef idx="1">
+            <a:schemeClr val="accent1"/>
+          </a:lnRef>
+          <a:fillRef idx="0">
+            <a:schemeClr val="accent1"/>
+          </a:fillRef>
+          <a:effectRef idx="0">
+            <a:schemeClr val="accent1"/>
+          </a:effectRef>
+          <a:fontRef idx="minor">
+            <a:schemeClr val="tx1"/>
+          </a:fontRef>
+        </p:style>
+      </p:cxnSp>
+      <p:sp>
+        <p:nvSpPr>
+          <p:cNvPr id="12" name="TextBox 11">
+            <a:extLst>
+              <a:ext uri="{FF2B5EF4-FFF2-40B4-BE49-F238E27FC236}">
+                <a16:creationId xmlns:a16="http://schemas.microsoft.com/office/drawing/2014/main" id="{B106CB43-CD10-50ED-AAF0-49E23D52BDAE}"/>
+              </a:ext>
+            </a:extLst>
+          </p:cNvPr>
+          <p:cNvSpPr txBox="1"/>
+          <p:nvPr/>
+        </p:nvSpPr>
+        <p:spPr>
+          <a:xfrm>
+            <a:off x="838200" y="6516580"/>
+            <a:ext cx="3884023" cy="246221"/>
+          </a:xfrm>
+          <a:prstGeom prst="rect">
+            <a:avLst/>
+          </a:prstGeom>
+          <a:noFill/>
+        </p:spPr>
+        <p:txBody>
+          <a:bodyPr wrap="square" rtlCol="0">
+            <a:spAutoFit/>
+          </a:bodyPr>
+          <a:lstStyle/>
+          <a:p>
+            <a:r>
+              <a:rPr lang="en-US" altLang="ko-KR" sz="1000" dirty="0">
+                <a:latin typeface="Aharoni" panose="02010803020104030203" pitchFamily="2" charset="-79"/>
+                <a:cs typeface="Aharoni" panose="02010803020104030203" pitchFamily="2" charset="-79"/>
+              </a:rPr>
+              <a:t>Physical Computing Final Project</a:t>
+            </a:r>
+            <a:endParaRPr lang="ko-KR" altLang="en-US" sz="1000" dirty="0">
+              <a:latin typeface="Aharoni" panose="02010803020104030203" pitchFamily="2" charset="-79"/>
+              <a:cs typeface="Aharoni" panose="02010803020104030203" pitchFamily="2" charset="-79"/>
+            </a:endParaRPr>
+          </a:p>
+        </p:txBody>
+      </p:sp>
+      <p:pic>
+        <p:nvPicPr>
+          <p:cNvPr id="11" name="그림 10">
+            <a:extLst>
+              <a:ext uri="{FF2B5EF4-FFF2-40B4-BE49-F238E27FC236}">
+                <a16:creationId xmlns:a16="http://schemas.microsoft.com/office/drawing/2014/main" id="{D5BE2A39-B0B4-6C98-B74D-CE4EDAFA0F35}"/>
+              </a:ext>
+            </a:extLst>
+          </p:cNvPr>
+          <p:cNvPicPr>
+            <a:picLocks noChangeAspect="1"/>
+          </p:cNvPicPr>
+          <p:nvPr/>
+        </p:nvPicPr>
+        <p:blipFill>
+          <a:blip r:embed="rId2"/>
+          <a:stretch>
+            <a:fillRect/>
+          </a:stretch>
+        </p:blipFill>
+        <p:spPr>
+          <a:xfrm>
+            <a:off x="838200" y="933829"/>
+            <a:ext cx="9427751" cy="4616882"/>
+          </a:xfrm>
+          <a:prstGeom prst="rect">
+            <a:avLst/>
+          </a:prstGeom>
+        </p:spPr>
+      </p:pic>
+    </p:spTree>
+    <p:extLst>
+      <p:ext uri="{BB962C8B-B14F-4D97-AF65-F5344CB8AC3E}">
+        <p14:creationId xmlns:p14="http://schemas.microsoft.com/office/powerpoint/2010/main" val="3461550387"/>
+      </p:ext>
+    </p:extLst>
+  </p:cSld>
+  <p:clrMapOvr>
+    <a:masterClrMapping/>
+  </p:clrMapOvr>
+</p:sld>
+</file>
+
+<file path=ppt/slides/slide7.xml><?xml version="1.0" encoding="utf-8"?>
+<p:sld xmlns:a="http://schemas.openxmlformats.org/drawingml/2006/main" xmlns:r="http://schemas.openxmlformats.org/officeDocument/2006/relationships" xmlns:p="http://schemas.openxmlformats.org/presentationml/2006/main">
+  <p:cSld>
+    <p:spTree>
+      <p:nvGrpSpPr>
+        <p:cNvPr id="1" name=""/>
+        <p:cNvGrpSpPr/>
+        <p:nvPr/>
+      </p:nvGrpSpPr>
+      <p:grpSpPr>
+        <a:xfrm>
+          <a:off x="0" y="0"/>
+          <a:ext cx="0" cy="0"/>
+          <a:chOff x="0" y="0"/>
+          <a:chExt cx="0" cy="0"/>
+        </a:xfrm>
+      </p:grpSpPr>
+      <p:cxnSp>
+        <p:nvCxnSpPr>
+          <p:cNvPr id="7" name="직선 연결선 6">
+            <a:extLst>
+              <a:ext uri="{FF2B5EF4-FFF2-40B4-BE49-F238E27FC236}">
+                <a16:creationId xmlns:a16="http://schemas.microsoft.com/office/drawing/2014/main" id="{739F3D0E-3DE9-97BC-D6A8-646565E692DA}"/>
+              </a:ext>
+            </a:extLst>
+          </p:cNvPr>
+          <p:cNvCxnSpPr>
+            <a:cxnSpLocks/>
+          </p:cNvCxnSpPr>
+          <p:nvPr/>
+        </p:nvCxnSpPr>
+        <p:spPr>
+          <a:xfrm>
+            <a:off x="794657" y="696957"/>
+            <a:ext cx="10602686" cy="0"/>
+          </a:xfrm>
+          <a:prstGeom prst="line">
+            <a:avLst/>
+          </a:prstGeom>
+          <a:ln w="31750"/>
+        </p:spPr>
+        <p:style>
+          <a:lnRef idx="1">
+            <a:schemeClr val="accent1"/>
+          </a:lnRef>
+          <a:fillRef idx="0">
+            <a:schemeClr val="accent1"/>
+          </a:fillRef>
+          <a:effectRef idx="0">
+            <a:schemeClr val="accent1"/>
+          </a:effectRef>
+          <a:fontRef idx="minor">
+            <a:schemeClr val="tx1"/>
+          </a:fontRef>
+        </p:style>
+      </p:cxnSp>
+      <p:sp>
+        <p:nvSpPr>
+          <p:cNvPr id="9" name="TextBox 8">
+            <a:extLst>
+              <a:ext uri="{FF2B5EF4-FFF2-40B4-BE49-F238E27FC236}">
+                <a16:creationId xmlns:a16="http://schemas.microsoft.com/office/drawing/2014/main" id="{B112D299-4F14-CC08-E9C7-71FB470DFC98}"/>
+              </a:ext>
+            </a:extLst>
+          </p:cNvPr>
+          <p:cNvSpPr txBox="1"/>
+          <p:nvPr/>
+        </p:nvSpPr>
+        <p:spPr>
+          <a:xfrm>
+            <a:off x="794657" y="296847"/>
+            <a:ext cx="10602686" cy="400110"/>
+          </a:xfrm>
+          <a:prstGeom prst="rect">
+            <a:avLst/>
+          </a:prstGeom>
+          <a:noFill/>
+        </p:spPr>
+        <p:txBody>
+          <a:bodyPr wrap="square" rtlCol="0">
+            <a:spAutoFit/>
+          </a:bodyPr>
+          <a:lstStyle/>
+          <a:p>
+            <a:r>
+              <a:rPr lang="en-US" altLang="ko-KR" sz="2000" dirty="0"/>
+              <a:t>Module Teacher </a:t>
+            </a:r>
+            <a:r>
+              <a:rPr lang="ko-KR" altLang="en-US" sz="2000" dirty="0"/>
+              <a:t>코드 일부</a:t>
+            </a:r>
+          </a:p>
+        </p:txBody>
+      </p:sp>
+      <p:cxnSp>
+        <p:nvCxnSpPr>
+          <p:cNvPr id="10" name="직선 연결선 9">
+            <a:extLst>
+              <a:ext uri="{FF2B5EF4-FFF2-40B4-BE49-F238E27FC236}">
+                <a16:creationId xmlns:a16="http://schemas.microsoft.com/office/drawing/2014/main" id="{B0785D09-06DA-18D6-490A-F585175105D2}"/>
+              </a:ext>
+            </a:extLst>
+          </p:cNvPr>
+          <p:cNvCxnSpPr>
+            <a:cxnSpLocks/>
+          </p:cNvCxnSpPr>
+          <p:nvPr/>
+        </p:nvCxnSpPr>
+        <p:spPr>
+          <a:xfrm>
+            <a:off x="794657" y="6483803"/>
+            <a:ext cx="10602686" cy="0"/>
+          </a:xfrm>
+          <a:prstGeom prst="line">
+            <a:avLst/>
+          </a:prstGeom>
+          <a:ln w="31750"/>
+        </p:spPr>
+        <p:style>
+          <a:lnRef idx="1">
+            <a:schemeClr val="accent1"/>
+          </a:lnRef>
+          <a:fillRef idx="0">
+            <a:schemeClr val="accent1"/>
+          </a:fillRef>
+          <a:effectRef idx="0">
+            <a:schemeClr val="accent1"/>
+          </a:effectRef>
+          <a:fontRef idx="minor">
+            <a:schemeClr val="tx1"/>
+          </a:fontRef>
+        </p:style>
+      </p:cxnSp>
+      <p:sp>
+        <p:nvSpPr>
+          <p:cNvPr id="12" name="TextBox 11">
+            <a:extLst>
+              <a:ext uri="{FF2B5EF4-FFF2-40B4-BE49-F238E27FC236}">
+                <a16:creationId xmlns:a16="http://schemas.microsoft.com/office/drawing/2014/main" id="{B106CB43-CD10-50ED-AAF0-49E23D52BDAE}"/>
+              </a:ext>
+            </a:extLst>
+          </p:cNvPr>
+          <p:cNvSpPr txBox="1"/>
+          <p:nvPr/>
+        </p:nvSpPr>
+        <p:spPr>
+          <a:xfrm>
+            <a:off x="838200" y="6516580"/>
+            <a:ext cx="3884023" cy="246221"/>
+          </a:xfrm>
+          <a:prstGeom prst="rect">
+            <a:avLst/>
+          </a:prstGeom>
+          <a:noFill/>
+        </p:spPr>
+        <p:txBody>
+          <a:bodyPr wrap="square" rtlCol="0">
+            <a:spAutoFit/>
+          </a:bodyPr>
+          <a:lstStyle/>
+          <a:p>
+            <a:r>
+              <a:rPr lang="en-US" altLang="ko-KR" sz="1000" dirty="0">
+                <a:latin typeface="Aharoni" panose="02010803020104030203" pitchFamily="2" charset="-79"/>
+                <a:cs typeface="Aharoni" panose="02010803020104030203" pitchFamily="2" charset="-79"/>
+              </a:rPr>
+              <a:t>Physical Computing Final Project</a:t>
+            </a:r>
+            <a:endParaRPr lang="ko-KR" altLang="en-US" sz="1000" dirty="0">
+              <a:latin typeface="Aharoni" panose="02010803020104030203" pitchFamily="2" charset="-79"/>
+              <a:cs typeface="Aharoni" panose="02010803020104030203" pitchFamily="2" charset="-79"/>
+            </a:endParaRPr>
+          </a:p>
+        </p:txBody>
+      </p:sp>
+      <p:pic>
+        <p:nvPicPr>
+          <p:cNvPr id="8" name="그림 7">
+            <a:extLst>
+              <a:ext uri="{FF2B5EF4-FFF2-40B4-BE49-F238E27FC236}">
+                <a16:creationId xmlns:a16="http://schemas.microsoft.com/office/drawing/2014/main" id="{8BA6B9CE-2525-84CD-25A0-2519FFF51BF0}"/>
+              </a:ext>
+            </a:extLst>
+          </p:cNvPr>
+          <p:cNvPicPr>
+            <a:picLocks noChangeAspect="1"/>
+          </p:cNvPicPr>
+          <p:nvPr/>
+        </p:nvPicPr>
+        <p:blipFill>
+          <a:blip r:embed="rId2"/>
+          <a:stretch>
+            <a:fillRect/>
+          </a:stretch>
+        </p:blipFill>
+        <p:spPr>
+          <a:xfrm>
+            <a:off x="481631" y="729732"/>
+            <a:ext cx="5614369" cy="5636165"/>
+          </a:xfrm>
+          <a:prstGeom prst="rect">
+            <a:avLst/>
+          </a:prstGeom>
+        </p:spPr>
+      </p:pic>
+    </p:spTree>
+    <p:extLst>
+      <p:ext uri="{BB962C8B-B14F-4D97-AF65-F5344CB8AC3E}">
+        <p14:creationId xmlns:p14="http://schemas.microsoft.com/office/powerpoint/2010/main" val="404904227"/>
+      </p:ext>
+    </p:extLst>
+  </p:cSld>
+  <p:clrMapOvr>
+    <a:masterClrMapping/>
+  </p:clrMapOvr>
+</p:sld>
+</file>
+
+<file path=ppt/slides/slide8.xml><?xml version="1.0" encoding="utf-8"?>
+<p:sld xmlns:a="http://schemas.openxmlformats.org/drawingml/2006/main" xmlns:r="http://schemas.openxmlformats.org/officeDocument/2006/relationships" xmlns:p="http://schemas.openxmlformats.org/presentationml/2006/main">
+  <p:cSld>
+    <p:spTree>
+      <p:nvGrpSpPr>
+        <p:cNvPr id="1" name=""/>
+        <p:cNvGrpSpPr/>
+        <p:nvPr/>
+      </p:nvGrpSpPr>
+      <p:grpSpPr>
+        <a:xfrm>
+          <a:off x="0" y="0"/>
+          <a:ext cx="0" cy="0"/>
+          <a:chOff x="0" y="0"/>
+          <a:chExt cx="0" cy="0"/>
+        </a:xfrm>
+      </p:grpSpPr>
+      <p:cxnSp>
+        <p:nvCxnSpPr>
+          <p:cNvPr id="7" name="직선 연결선 6">
+            <a:extLst>
+              <a:ext uri="{FF2B5EF4-FFF2-40B4-BE49-F238E27FC236}">
+                <a16:creationId xmlns:a16="http://schemas.microsoft.com/office/drawing/2014/main" id="{739F3D0E-3DE9-97BC-D6A8-646565E692DA}"/>
+              </a:ext>
+            </a:extLst>
+          </p:cNvPr>
+          <p:cNvCxnSpPr>
+            <a:cxnSpLocks/>
+          </p:cNvCxnSpPr>
+          <p:nvPr/>
+        </p:nvCxnSpPr>
+        <p:spPr>
+          <a:xfrm>
+            <a:off x="794657" y="696957"/>
+            <a:ext cx="10602686" cy="0"/>
+          </a:xfrm>
+          <a:prstGeom prst="line">
+            <a:avLst/>
+          </a:prstGeom>
+          <a:ln w="31750"/>
+        </p:spPr>
+        <p:style>
+          <a:lnRef idx="1">
+            <a:schemeClr val="accent1"/>
+          </a:lnRef>
+          <a:fillRef idx="0">
+            <a:schemeClr val="accent1"/>
+          </a:fillRef>
+          <a:effectRef idx="0">
+            <a:schemeClr val="accent1"/>
+          </a:effectRef>
+          <a:fontRef idx="minor">
+            <a:schemeClr val="tx1"/>
+          </a:fontRef>
+        </p:style>
+      </p:cxnSp>
+      <p:sp>
+        <p:nvSpPr>
+          <p:cNvPr id="9" name="TextBox 8">
+            <a:extLst>
+              <a:ext uri="{FF2B5EF4-FFF2-40B4-BE49-F238E27FC236}">
+                <a16:creationId xmlns:a16="http://schemas.microsoft.com/office/drawing/2014/main" id="{B112D299-4F14-CC08-E9C7-71FB470DFC98}"/>
+              </a:ext>
+            </a:extLst>
+          </p:cNvPr>
+          <p:cNvSpPr txBox="1"/>
+          <p:nvPr/>
+        </p:nvSpPr>
+        <p:spPr>
+          <a:xfrm>
+            <a:off x="794657" y="296847"/>
+            <a:ext cx="10602686" cy="400110"/>
+          </a:xfrm>
+          <a:prstGeom prst="rect">
+            <a:avLst/>
+          </a:prstGeom>
+          <a:noFill/>
+        </p:spPr>
+        <p:txBody>
+          <a:bodyPr wrap="square" rtlCol="0">
+            <a:spAutoFit/>
+          </a:bodyPr>
+          <a:lstStyle/>
+          <a:p>
+            <a:r>
+              <a:rPr lang="en-US" altLang="ko-KR" sz="2000" dirty="0"/>
+              <a:t>Main MCU(Leonardo) Description</a:t>
+            </a:r>
+            <a:endParaRPr lang="ko-KR" altLang="en-US" sz="2000" dirty="0"/>
+          </a:p>
+        </p:txBody>
+      </p:sp>
+      <p:cxnSp>
+        <p:nvCxnSpPr>
+          <p:cNvPr id="10" name="직선 연결선 9">
+            <a:extLst>
+              <a:ext uri="{FF2B5EF4-FFF2-40B4-BE49-F238E27FC236}">
+                <a16:creationId xmlns:a16="http://schemas.microsoft.com/office/drawing/2014/main" id="{B0785D09-06DA-18D6-490A-F585175105D2}"/>
+              </a:ext>
+            </a:extLst>
+          </p:cNvPr>
+          <p:cNvCxnSpPr>
+            <a:cxnSpLocks/>
+          </p:cNvCxnSpPr>
+          <p:nvPr/>
+        </p:nvCxnSpPr>
+        <p:spPr>
+          <a:xfrm>
+            <a:off x="794657" y="6483803"/>
+            <a:ext cx="10602686" cy="0"/>
+          </a:xfrm>
+          <a:prstGeom prst="line">
+            <a:avLst/>
+          </a:prstGeom>
+          <a:ln w="31750"/>
+        </p:spPr>
+        <p:style>
+          <a:lnRef idx="1">
+            <a:schemeClr val="accent1"/>
+          </a:lnRef>
+          <a:fillRef idx="0">
+            <a:schemeClr val="accent1"/>
+          </a:fillRef>
+          <a:effectRef idx="0">
+            <a:schemeClr val="accent1"/>
+          </a:effectRef>
+          <a:fontRef idx="minor">
+            <a:schemeClr val="tx1"/>
+          </a:fontRef>
+        </p:style>
+      </p:cxnSp>
+      <p:sp>
+        <p:nvSpPr>
+          <p:cNvPr id="12" name="TextBox 11">
+            <a:extLst>
+              <a:ext uri="{FF2B5EF4-FFF2-40B4-BE49-F238E27FC236}">
+                <a16:creationId xmlns:a16="http://schemas.microsoft.com/office/drawing/2014/main" id="{B106CB43-CD10-50ED-AAF0-49E23D52BDAE}"/>
+              </a:ext>
+            </a:extLst>
+          </p:cNvPr>
+          <p:cNvSpPr txBox="1"/>
+          <p:nvPr/>
+        </p:nvSpPr>
+        <p:spPr>
+          <a:xfrm>
+            <a:off x="838200" y="6516580"/>
+            <a:ext cx="3884023" cy="246221"/>
+          </a:xfrm>
+          <a:prstGeom prst="rect">
+            <a:avLst/>
+          </a:prstGeom>
+          <a:noFill/>
+        </p:spPr>
+        <p:txBody>
+          <a:bodyPr wrap="square" rtlCol="0">
+            <a:spAutoFit/>
+          </a:bodyPr>
+          <a:lstStyle/>
+          <a:p>
+            <a:r>
+              <a:rPr lang="en-US" altLang="ko-KR" sz="1000" dirty="0">
+                <a:latin typeface="Aharoni" panose="02010803020104030203" pitchFamily="2" charset="-79"/>
+                <a:cs typeface="Aharoni" panose="02010803020104030203" pitchFamily="2" charset="-79"/>
+              </a:rPr>
+              <a:t>Physical Computing Final Project</a:t>
+            </a:r>
+            <a:endParaRPr lang="ko-KR" altLang="en-US" sz="1000" dirty="0">
+              <a:latin typeface="Aharoni" panose="02010803020104030203" pitchFamily="2" charset="-79"/>
+              <a:cs typeface="Aharoni" panose="02010803020104030203" pitchFamily="2" charset="-79"/>
+            </a:endParaRPr>
+          </a:p>
+        </p:txBody>
+      </p:sp>
+      <p:sp>
+        <p:nvSpPr>
+          <p:cNvPr id="4" name="직사각형 3">
+            <a:extLst>
+              <a:ext uri="{FF2B5EF4-FFF2-40B4-BE49-F238E27FC236}">
+                <a16:creationId xmlns:a16="http://schemas.microsoft.com/office/drawing/2014/main" id="{C8A71C19-4EBD-C26A-CDBD-EE9E2E740EEE}"/>
+              </a:ext>
+            </a:extLst>
+          </p:cNvPr>
+          <p:cNvSpPr/>
+          <p:nvPr/>
+        </p:nvSpPr>
+        <p:spPr>
+          <a:xfrm>
+            <a:off x="838200" y="938151"/>
+            <a:ext cx="5871358" cy="5058887"/>
+          </a:xfrm>
+          <a:prstGeom prst="rect">
+            <a:avLst/>
+          </a:prstGeom>
+          <a:noFill/>
+          <a:ln w="57150">
+            <a:solidFill>
+              <a:schemeClr val="accent6">
+                <a:lumMod val="20000"/>
+                <a:lumOff val="80000"/>
+              </a:schemeClr>
+            </a:solidFill>
+            <a:prstDash val="dash"/>
+          </a:ln>
+        </p:spPr>
+        <p:style>
+          <a:lnRef idx="2">
+            <a:schemeClr val="accent1">
+              <a:shade val="50000"/>
+            </a:schemeClr>
+          </a:lnRef>
+          <a:fillRef idx="1">
+            <a:schemeClr val="accent1"/>
+          </a:fillRef>
+          <a:effectRef idx="0">
+            <a:schemeClr val="accent1"/>
+          </a:effectRef>
+          <a:fontRef idx="minor">
+            <a:schemeClr val="lt1"/>
+          </a:fontRef>
+        </p:style>
+        <p:txBody>
+          <a:bodyPr rtlCol="0" anchor="ctr"/>
+          <a:lstStyle/>
+          <a:p>
+            <a:pPr algn="ctr"/>
+            <a:endParaRPr lang="en-US" altLang="ko-KR" b="1" dirty="0">
+              <a:solidFill>
+                <a:schemeClr val="tx1"/>
+              </a:solidFill>
+            </a:endParaRPr>
+          </a:p>
+        </p:txBody>
+      </p:sp>
+      <p:sp>
+        <p:nvSpPr>
+          <p:cNvPr id="2" name="직사각형 1">
+            <a:extLst>
+              <a:ext uri="{FF2B5EF4-FFF2-40B4-BE49-F238E27FC236}">
+                <a16:creationId xmlns:a16="http://schemas.microsoft.com/office/drawing/2014/main" id="{3D089C1C-628A-A53F-5499-474127BA5301}"/>
+              </a:ext>
+            </a:extLst>
+          </p:cNvPr>
+          <p:cNvSpPr/>
+          <p:nvPr/>
+        </p:nvSpPr>
+        <p:spPr>
+          <a:xfrm>
+            <a:off x="1175656" y="1183723"/>
+            <a:ext cx="1448790" cy="4516434"/>
+          </a:xfrm>
+          <a:prstGeom prst="rect">
+            <a:avLst/>
+          </a:prstGeom>
+        </p:spPr>
+        <p:style>
+          <a:lnRef idx="2">
+            <a:schemeClr val="accent1">
+              <a:shade val="50000"/>
+            </a:schemeClr>
+          </a:lnRef>
+          <a:fillRef idx="1">
+            <a:schemeClr val="accent1"/>
+          </a:fillRef>
+          <a:effectRef idx="0">
+            <a:schemeClr val="accent1"/>
+          </a:effectRef>
+          <a:fontRef idx="minor">
+            <a:schemeClr val="lt1"/>
+          </a:fontRef>
+        </p:style>
+        <p:txBody>
+          <a:bodyPr rtlCol="0" anchor="ctr"/>
+          <a:lstStyle/>
+          <a:p>
+            <a:pPr algn="ctr"/>
+            <a:r>
+              <a:rPr lang="en-US" altLang="ko-KR" dirty="0"/>
+              <a:t>Arduino</a:t>
+            </a:r>
+          </a:p>
+          <a:p>
+            <a:pPr algn="ctr"/>
+            <a:r>
+              <a:rPr lang="en-US" altLang="ko-KR" dirty="0"/>
+              <a:t>Leonardo</a:t>
+            </a:r>
+            <a:endParaRPr lang="ko-KR" altLang="en-US" dirty="0"/>
+          </a:p>
+        </p:txBody>
+      </p:sp>
+      <p:sp>
+        <p:nvSpPr>
+          <p:cNvPr id="3" name="직사각형 2">
+            <a:extLst>
+              <a:ext uri="{FF2B5EF4-FFF2-40B4-BE49-F238E27FC236}">
+                <a16:creationId xmlns:a16="http://schemas.microsoft.com/office/drawing/2014/main" id="{695ECA7B-6015-D286-4513-8B34BDF57590}"/>
+              </a:ext>
+            </a:extLst>
+          </p:cNvPr>
+          <p:cNvSpPr/>
+          <p:nvPr/>
+        </p:nvSpPr>
+        <p:spPr>
+          <a:xfrm>
+            <a:off x="3773879" y="3622170"/>
+            <a:ext cx="2386940" cy="922342"/>
+          </a:xfrm>
+          <a:prstGeom prst="rect">
+            <a:avLst/>
+          </a:prstGeom>
+        </p:spPr>
+        <p:style>
+          <a:lnRef idx="2">
+            <a:schemeClr val="accent1">
+              <a:shade val="50000"/>
+            </a:schemeClr>
+          </a:lnRef>
+          <a:fillRef idx="1">
+            <a:schemeClr val="accent1"/>
+          </a:fillRef>
+          <a:effectRef idx="0">
+            <a:schemeClr val="accent1"/>
+          </a:effectRef>
+          <a:fontRef idx="minor">
+            <a:schemeClr val="lt1"/>
+          </a:fontRef>
+        </p:style>
+        <p:txBody>
+          <a:bodyPr rtlCol="0" anchor="ctr"/>
+          <a:lstStyle/>
+          <a:p>
+            <a:pPr algn="ctr"/>
+            <a:r>
+              <a:rPr lang="en-US" altLang="ko-KR" dirty="0"/>
+              <a:t>GPIO Input</a:t>
+            </a:r>
+          </a:p>
+          <a:p>
+            <a:pPr algn="ctr"/>
+            <a:r>
+              <a:rPr lang="en-US" altLang="ko-KR" dirty="0"/>
+              <a:t>(Warning </a:t>
+            </a:r>
+            <a:r>
+              <a:rPr lang="en-US" altLang="ko-KR" dirty="0" err="1"/>
+              <a:t>signal,Clear</a:t>
+            </a:r>
+            <a:r>
+              <a:rPr lang="en-US" altLang="ko-KR" dirty="0"/>
+              <a:t>)</a:t>
+            </a:r>
+            <a:endParaRPr lang="ko-KR" altLang="en-US" dirty="0"/>
+          </a:p>
+        </p:txBody>
+      </p:sp>
+      <p:cxnSp>
+        <p:nvCxnSpPr>
+          <p:cNvPr id="5" name="직선 화살표 연결선 4">
+            <a:extLst>
+              <a:ext uri="{FF2B5EF4-FFF2-40B4-BE49-F238E27FC236}">
+                <a16:creationId xmlns:a16="http://schemas.microsoft.com/office/drawing/2014/main" id="{23D30DB7-22DC-3EC8-6800-52FC1BB06EE8}"/>
+              </a:ext>
+            </a:extLst>
+          </p:cNvPr>
+          <p:cNvCxnSpPr/>
+          <p:nvPr/>
+        </p:nvCxnSpPr>
+        <p:spPr>
+          <a:xfrm>
+            <a:off x="2802577" y="5248894"/>
+            <a:ext cx="852548" cy="0"/>
+          </a:xfrm>
+          <a:prstGeom prst="straightConnector1">
+            <a:avLst/>
+          </a:prstGeom>
+          <a:ln w="38100">
+            <a:solidFill>
+              <a:schemeClr val="tx1"/>
+            </a:solidFill>
+            <a:tailEnd type="triangle"/>
+          </a:ln>
+        </p:spPr>
+        <p:style>
+          <a:lnRef idx="1">
+            <a:schemeClr val="dk1"/>
+          </a:lnRef>
+          <a:fillRef idx="0">
+            <a:schemeClr val="dk1"/>
+          </a:fillRef>
+          <a:effectRef idx="0">
+            <a:schemeClr val="dk1"/>
+          </a:effectRef>
+          <a:fontRef idx="minor">
+            <a:schemeClr val="tx1"/>
+          </a:fontRef>
+        </p:style>
+      </p:cxnSp>
+      <p:cxnSp>
+        <p:nvCxnSpPr>
+          <p:cNvPr id="6" name="직선 화살표 연결선 5">
+            <a:extLst>
+              <a:ext uri="{FF2B5EF4-FFF2-40B4-BE49-F238E27FC236}">
+                <a16:creationId xmlns:a16="http://schemas.microsoft.com/office/drawing/2014/main" id="{5E33068A-3307-3B12-1621-E33C313F0081}"/>
+              </a:ext>
+            </a:extLst>
+          </p:cNvPr>
+          <p:cNvCxnSpPr>
+            <a:cxnSpLocks/>
+          </p:cNvCxnSpPr>
+          <p:nvPr/>
+        </p:nvCxnSpPr>
+        <p:spPr>
+          <a:xfrm rot="10800000">
+            <a:off x="2802577" y="4025735"/>
+            <a:ext cx="852548" cy="0"/>
+          </a:xfrm>
+          <a:prstGeom prst="straightConnector1">
+            <a:avLst/>
+          </a:prstGeom>
+          <a:ln w="38100">
+            <a:solidFill>
+              <a:schemeClr val="tx1"/>
+            </a:solidFill>
+            <a:tailEnd type="triangle"/>
+          </a:ln>
+        </p:spPr>
+        <p:style>
+          <a:lnRef idx="1">
+            <a:schemeClr val="dk1"/>
+          </a:lnRef>
+          <a:fillRef idx="0">
+            <a:schemeClr val="dk1"/>
+          </a:fillRef>
+          <a:effectRef idx="0">
+            <a:schemeClr val="dk1"/>
+          </a:effectRef>
+          <a:fontRef idx="minor">
+            <a:schemeClr val="tx1"/>
+          </a:fontRef>
+        </p:style>
+      </p:cxnSp>
+      <p:sp>
+        <p:nvSpPr>
+          <p:cNvPr id="8" name="직사각형 7">
+            <a:extLst>
+              <a:ext uri="{FF2B5EF4-FFF2-40B4-BE49-F238E27FC236}">
+                <a16:creationId xmlns:a16="http://schemas.microsoft.com/office/drawing/2014/main" id="{EA50D99A-AC52-514D-E159-8D1EEA59AFF1}"/>
+              </a:ext>
+            </a:extLst>
+          </p:cNvPr>
+          <p:cNvSpPr/>
+          <p:nvPr/>
+        </p:nvSpPr>
+        <p:spPr>
+          <a:xfrm>
+            <a:off x="3773879" y="4841394"/>
+            <a:ext cx="2386940" cy="858762"/>
+          </a:xfrm>
+          <a:prstGeom prst="rect">
+            <a:avLst/>
+          </a:prstGeom>
+        </p:spPr>
+        <p:style>
+          <a:lnRef idx="2">
+            <a:schemeClr val="accent1">
+              <a:shade val="50000"/>
+            </a:schemeClr>
+          </a:lnRef>
+          <a:fillRef idx="1">
+            <a:schemeClr val="accent1"/>
+          </a:fillRef>
+          <a:effectRef idx="0">
+            <a:schemeClr val="accent1"/>
+          </a:effectRef>
+          <a:fontRef idx="minor">
+            <a:schemeClr val="lt1"/>
+          </a:fontRef>
+        </p:style>
+        <p:txBody>
+          <a:bodyPr rtlCol="0" anchor="ctr"/>
+          <a:lstStyle/>
+          <a:p>
+            <a:pPr algn="ctr"/>
+            <a:r>
+              <a:rPr lang="en-US" altLang="ko-KR" dirty="0"/>
+              <a:t>GPIO Output</a:t>
+            </a:r>
+          </a:p>
+          <a:p>
+            <a:pPr algn="ctr"/>
+            <a:r>
+              <a:rPr lang="en-US" altLang="ko-KR" dirty="0"/>
+              <a:t>(Warning </a:t>
+            </a:r>
+            <a:r>
+              <a:rPr lang="en-US" altLang="ko-KR" dirty="0" err="1"/>
+              <a:t>signal,Clear</a:t>
+            </a:r>
+            <a:r>
+              <a:rPr lang="en-US" altLang="ko-KR" dirty="0"/>
+              <a:t>)</a:t>
+            </a:r>
+            <a:endParaRPr lang="ko-KR" altLang="en-US" dirty="0"/>
+          </a:p>
+        </p:txBody>
+      </p:sp>
+      <p:sp>
+        <p:nvSpPr>
+          <p:cNvPr id="11" name="직사각형 10">
+            <a:extLst>
+              <a:ext uri="{FF2B5EF4-FFF2-40B4-BE49-F238E27FC236}">
+                <a16:creationId xmlns:a16="http://schemas.microsoft.com/office/drawing/2014/main" id="{827D6510-5EA2-6B9A-6284-FA75F207E325}"/>
+              </a:ext>
+            </a:extLst>
+          </p:cNvPr>
+          <p:cNvSpPr/>
+          <p:nvPr/>
+        </p:nvSpPr>
+        <p:spPr>
+          <a:xfrm>
+            <a:off x="3773879" y="1183722"/>
+            <a:ext cx="2386940" cy="732459"/>
+          </a:xfrm>
+          <a:prstGeom prst="rect">
+            <a:avLst/>
+          </a:prstGeom>
+        </p:spPr>
+        <p:style>
+          <a:lnRef idx="2">
+            <a:schemeClr val="accent1">
+              <a:shade val="50000"/>
+            </a:schemeClr>
+          </a:lnRef>
+          <a:fillRef idx="1">
+            <a:schemeClr val="accent1"/>
+          </a:fillRef>
+          <a:effectRef idx="0">
+            <a:schemeClr val="accent1"/>
+          </a:effectRef>
+          <a:fontRef idx="minor">
+            <a:schemeClr val="lt1"/>
+          </a:fontRef>
+        </p:style>
+        <p:txBody>
+          <a:bodyPr rtlCol="0" anchor="ctr"/>
+          <a:lstStyle/>
+          <a:p>
+            <a:pPr algn="ctr"/>
+            <a:r>
+              <a:rPr lang="en-US" altLang="ko-KR" dirty="0"/>
+              <a:t>Serial Port</a:t>
+            </a:r>
+            <a:endParaRPr lang="ko-KR" altLang="en-US" dirty="0"/>
+          </a:p>
+        </p:txBody>
+      </p:sp>
+      <p:cxnSp>
+        <p:nvCxnSpPr>
+          <p:cNvPr id="13" name="직선 화살표 연결선 12">
+            <a:extLst>
+              <a:ext uri="{FF2B5EF4-FFF2-40B4-BE49-F238E27FC236}">
+                <a16:creationId xmlns:a16="http://schemas.microsoft.com/office/drawing/2014/main" id="{495D87AC-FEC6-261C-D2EE-FDC9D0393D7E}"/>
+              </a:ext>
+            </a:extLst>
+          </p:cNvPr>
+          <p:cNvCxnSpPr>
+            <a:cxnSpLocks/>
+          </p:cNvCxnSpPr>
+          <p:nvPr/>
+        </p:nvCxnSpPr>
+        <p:spPr>
+          <a:xfrm>
+            <a:off x="2707573" y="1532979"/>
+            <a:ext cx="947552" cy="0"/>
+          </a:xfrm>
+          <a:prstGeom prst="straightConnector1">
+            <a:avLst/>
+          </a:prstGeom>
+          <a:ln w="31750">
+            <a:headEnd type="triangle"/>
+            <a:tailEnd type="triangle"/>
+          </a:ln>
+        </p:spPr>
+        <p:style>
+          <a:lnRef idx="1">
+            <a:schemeClr val="dk1"/>
+          </a:lnRef>
+          <a:fillRef idx="0">
+            <a:schemeClr val="dk1"/>
+          </a:fillRef>
+          <a:effectRef idx="0">
+            <a:schemeClr val="dk1"/>
+          </a:effectRef>
+          <a:fontRef idx="minor">
+            <a:schemeClr val="tx1"/>
+          </a:fontRef>
+        </p:style>
+      </p:cxnSp>
+      <p:sp>
+        <p:nvSpPr>
+          <p:cNvPr id="15" name="TextBox 14">
+            <a:extLst>
+              <a:ext uri="{FF2B5EF4-FFF2-40B4-BE49-F238E27FC236}">
+                <a16:creationId xmlns:a16="http://schemas.microsoft.com/office/drawing/2014/main" id="{4091FA9E-63E7-0C9F-57EC-7BF95C79BCAD}"/>
+              </a:ext>
+            </a:extLst>
+          </p:cNvPr>
+          <p:cNvSpPr txBox="1"/>
+          <p:nvPr/>
+        </p:nvSpPr>
+        <p:spPr>
+          <a:xfrm>
+            <a:off x="7315200" y="1183722"/>
+            <a:ext cx="3701144" cy="2308324"/>
+          </a:xfrm>
+          <a:prstGeom prst="rect">
+            <a:avLst/>
+          </a:prstGeom>
+          <a:noFill/>
+        </p:spPr>
+        <p:txBody>
+          <a:bodyPr wrap="square" rtlCol="0">
+            <a:spAutoFit/>
+          </a:bodyPr>
+          <a:lstStyle/>
+          <a:p>
+            <a:r>
+              <a:rPr lang="en-US" altLang="ko-KR" dirty="0"/>
+              <a:t>Main</a:t>
+            </a:r>
+            <a:r>
+              <a:rPr lang="ko-KR" altLang="en-US" dirty="0"/>
+              <a:t> </a:t>
+            </a:r>
+            <a:r>
+              <a:rPr lang="en-US" altLang="ko-KR" dirty="0"/>
+              <a:t>Function</a:t>
+            </a:r>
+          </a:p>
+          <a:p>
+            <a:pPr marL="285750" indent="-285750">
+              <a:buFontTx/>
+              <a:buChar char="-"/>
+            </a:pPr>
+            <a:r>
+              <a:rPr lang="ko-KR" altLang="en-US" dirty="0"/>
+              <a:t>중간에 위치하여 </a:t>
+            </a:r>
+            <a:r>
+              <a:rPr lang="en-US" altLang="ko-KR" dirty="0"/>
+              <a:t>child </a:t>
+            </a:r>
+            <a:r>
+              <a:rPr lang="ko-KR" altLang="en-US" dirty="0"/>
+              <a:t>와 </a:t>
+            </a:r>
+            <a:r>
+              <a:rPr lang="en-US" altLang="ko-KR" dirty="0"/>
+              <a:t>teacher </a:t>
+            </a:r>
+            <a:r>
+              <a:rPr lang="ko-KR" altLang="en-US" dirty="0"/>
+              <a:t>의 통신 매개체 역할</a:t>
+            </a:r>
+            <a:endParaRPr lang="en-US" altLang="ko-KR" dirty="0"/>
+          </a:p>
+          <a:p>
+            <a:pPr marL="285750" indent="-285750">
+              <a:buFontTx/>
+              <a:buChar char="-"/>
+            </a:pPr>
+            <a:r>
+              <a:rPr lang="en-US" altLang="ko-KR" dirty="0"/>
+              <a:t>Lcd </a:t>
+            </a:r>
+            <a:r>
+              <a:rPr lang="ko-KR" altLang="en-US" dirty="0"/>
+              <a:t>패널에 위치</a:t>
+            </a:r>
+            <a:r>
+              <a:rPr lang="en-US" altLang="ko-KR" dirty="0"/>
+              <a:t>,</a:t>
+            </a:r>
+            <a:r>
+              <a:rPr lang="ko-KR" altLang="en-US" dirty="0"/>
+              <a:t>경과 시간 출력</a:t>
+            </a:r>
+            <a:endParaRPr lang="en-US" altLang="ko-KR" dirty="0"/>
+          </a:p>
+          <a:p>
+            <a:pPr marL="285750" indent="-285750">
+              <a:buFontTx/>
+              <a:buChar char="-"/>
+            </a:pPr>
+            <a:endParaRPr lang="en-US" altLang="ko-KR" dirty="0"/>
+          </a:p>
+          <a:p>
+            <a:pPr marL="285750" indent="-285750">
+              <a:buFontTx/>
+              <a:buChar char="-"/>
+            </a:pPr>
+            <a:r>
+              <a:rPr lang="ko-KR" altLang="en-US" dirty="0"/>
+              <a:t>신호들 받아 처리</a:t>
+            </a:r>
+            <a:endParaRPr lang="en-US" altLang="ko-KR" dirty="0"/>
+          </a:p>
+          <a:p>
+            <a:pPr marL="285750" indent="-285750">
+              <a:buFontTx/>
+              <a:buChar char="-"/>
+            </a:pPr>
+            <a:endParaRPr lang="en-US" altLang="ko-KR" dirty="0"/>
+          </a:p>
+        </p:txBody>
+      </p:sp>
+      <p:sp>
+        <p:nvSpPr>
+          <p:cNvPr id="16" name="직사각형 15">
+            <a:extLst>
+              <a:ext uri="{FF2B5EF4-FFF2-40B4-BE49-F238E27FC236}">
+                <a16:creationId xmlns:a16="http://schemas.microsoft.com/office/drawing/2014/main" id="{2EFEA42F-3F1A-22BC-8670-6316925EE999}"/>
+              </a:ext>
+            </a:extLst>
+          </p:cNvPr>
+          <p:cNvSpPr/>
+          <p:nvPr/>
+        </p:nvSpPr>
+        <p:spPr>
+          <a:xfrm>
+            <a:off x="3773879" y="2402946"/>
+            <a:ext cx="2386940" cy="732459"/>
+          </a:xfrm>
+          <a:prstGeom prst="rect">
+            <a:avLst/>
+          </a:prstGeom>
+        </p:spPr>
+        <p:style>
+          <a:lnRef idx="2">
+            <a:schemeClr val="accent1">
+              <a:shade val="50000"/>
+            </a:schemeClr>
+          </a:lnRef>
+          <a:fillRef idx="1">
+            <a:schemeClr val="accent1"/>
+          </a:fillRef>
+          <a:effectRef idx="0">
+            <a:schemeClr val="accent1"/>
+          </a:effectRef>
+          <a:fontRef idx="minor">
+            <a:schemeClr val="lt1"/>
+          </a:fontRef>
+        </p:style>
+        <p:txBody>
+          <a:bodyPr rtlCol="0" anchor="ctr"/>
+          <a:lstStyle/>
+          <a:p>
+            <a:pPr algn="ctr"/>
+            <a:r>
+              <a:rPr lang="en-US" altLang="ko-KR" dirty="0"/>
+              <a:t>LCD Panel</a:t>
+            </a:r>
+            <a:endParaRPr lang="ko-KR" altLang="en-US" dirty="0"/>
+          </a:p>
+        </p:txBody>
+      </p:sp>
+      <p:cxnSp>
+        <p:nvCxnSpPr>
+          <p:cNvPr id="17" name="직선 화살표 연결선 16">
+            <a:extLst>
+              <a:ext uri="{FF2B5EF4-FFF2-40B4-BE49-F238E27FC236}">
+                <a16:creationId xmlns:a16="http://schemas.microsoft.com/office/drawing/2014/main" id="{B3F1FE95-6EDB-3085-CFFF-5A3ED83C708E}"/>
+              </a:ext>
+            </a:extLst>
+          </p:cNvPr>
+          <p:cNvCxnSpPr>
+            <a:cxnSpLocks/>
+          </p:cNvCxnSpPr>
+          <p:nvPr/>
+        </p:nvCxnSpPr>
+        <p:spPr>
+          <a:xfrm>
+            <a:off x="2707573" y="2744262"/>
+            <a:ext cx="947552" cy="0"/>
+          </a:xfrm>
+          <a:prstGeom prst="straightConnector1">
+            <a:avLst/>
+          </a:prstGeom>
+          <a:ln w="31750">
+            <a:headEnd type="triangle"/>
+            <a:tailEnd type="triangle"/>
+          </a:ln>
+        </p:spPr>
+        <p:style>
+          <a:lnRef idx="1">
+            <a:schemeClr val="dk1"/>
+          </a:lnRef>
+          <a:fillRef idx="0">
+            <a:schemeClr val="dk1"/>
+          </a:fillRef>
+          <a:effectRef idx="0">
+            <a:schemeClr val="dk1"/>
+          </a:effectRef>
+          <a:fontRef idx="minor">
+            <a:schemeClr val="tx1"/>
+          </a:fontRef>
+        </p:style>
+      </p:cxnSp>
+    </p:spTree>
+    <p:extLst>
+      <p:ext uri="{BB962C8B-B14F-4D97-AF65-F5344CB8AC3E}">
+        <p14:creationId xmlns:p14="http://schemas.microsoft.com/office/powerpoint/2010/main" val="358996467"/>
+      </p:ext>
+    </p:extLst>
+  </p:cSld>
+  <p:clrMapOvr>
+    <a:masterClrMapping/>
+  </p:clrMapOvr>
+</p:sld>
+</file>
+
+<file path=ppt/slides/slide9.xml><?xml version="1.0" encoding="utf-8"?>
+<p:sld xmlns:a="http://schemas.openxmlformats.org/drawingml/2006/main" xmlns:r="http://schemas.openxmlformats.org/officeDocument/2006/relationships" xmlns:p="http://schemas.openxmlformats.org/presentationml/2006/main">
+  <p:cSld>
+    <p:spTree>
+      <p:nvGrpSpPr>
+        <p:cNvPr id="1" name=""/>
+        <p:cNvGrpSpPr/>
+        <p:nvPr/>
+      </p:nvGrpSpPr>
+      <p:grpSpPr>
+        <a:xfrm>
+          <a:off x="0" y="0"/>
+          <a:ext cx="0" cy="0"/>
+          <a:chOff x="0" y="0"/>
+          <a:chExt cx="0" cy="0"/>
+        </a:xfrm>
+      </p:grpSpPr>
+      <p:cxnSp>
+        <p:nvCxnSpPr>
+          <p:cNvPr id="7" name="직선 연결선 6">
+            <a:extLst>
+              <a:ext uri="{FF2B5EF4-FFF2-40B4-BE49-F238E27FC236}">
+                <a16:creationId xmlns:a16="http://schemas.microsoft.com/office/drawing/2014/main" id="{739F3D0E-3DE9-97BC-D6A8-646565E692DA}"/>
+              </a:ext>
+            </a:extLst>
+          </p:cNvPr>
+          <p:cNvCxnSpPr>
+            <a:cxnSpLocks/>
+          </p:cNvCxnSpPr>
+          <p:nvPr/>
+        </p:nvCxnSpPr>
+        <p:spPr>
+          <a:xfrm>
+            <a:off x="794657" y="696957"/>
+            <a:ext cx="10602686" cy="0"/>
+          </a:xfrm>
+          <a:prstGeom prst="line">
+            <a:avLst/>
+          </a:prstGeom>
+          <a:ln w="31750"/>
+        </p:spPr>
+        <p:style>
+          <a:lnRef idx="1">
+            <a:schemeClr val="accent1"/>
+          </a:lnRef>
+          <a:fillRef idx="0">
+            <a:schemeClr val="accent1"/>
+          </a:fillRef>
+          <a:effectRef idx="0">
+            <a:schemeClr val="accent1"/>
+          </a:effectRef>
+          <a:fontRef idx="minor">
+            <a:schemeClr val="tx1"/>
+          </a:fontRef>
+        </p:style>
+      </p:cxnSp>
+      <p:sp>
+        <p:nvSpPr>
+          <p:cNvPr id="9" name="TextBox 8">
+            <a:extLst>
+              <a:ext uri="{FF2B5EF4-FFF2-40B4-BE49-F238E27FC236}">
+                <a16:creationId xmlns:a16="http://schemas.microsoft.com/office/drawing/2014/main" id="{B112D299-4F14-CC08-E9C7-71FB470DFC98}"/>
+              </a:ext>
+            </a:extLst>
+          </p:cNvPr>
+          <p:cNvSpPr txBox="1"/>
+          <p:nvPr/>
+        </p:nvSpPr>
+        <p:spPr>
+          <a:xfrm>
+            <a:off x="794657" y="296847"/>
+            <a:ext cx="10602686" cy="400110"/>
+          </a:xfrm>
+          <a:prstGeom prst="rect">
+            <a:avLst/>
+          </a:prstGeom>
+          <a:noFill/>
+        </p:spPr>
+        <p:txBody>
+          <a:bodyPr wrap="square" rtlCol="0">
+            <a:spAutoFit/>
+          </a:bodyPr>
+          <a:lstStyle/>
+          <a:p>
+            <a:r>
+              <a:rPr lang="en-US" altLang="ko-KR" sz="2000" dirty="0"/>
+              <a:t>Main MCU </a:t>
+            </a:r>
+            <a:r>
+              <a:rPr lang="ko-KR" altLang="en-US" sz="2000" dirty="0"/>
+              <a:t>코드 일부</a:t>
+            </a:r>
+          </a:p>
+        </p:txBody>
+      </p:sp>
+      <p:cxnSp>
+        <p:nvCxnSpPr>
+          <p:cNvPr id="10" name="직선 연결선 9">
+            <a:extLst>
+              <a:ext uri="{FF2B5EF4-FFF2-40B4-BE49-F238E27FC236}">
+                <a16:creationId xmlns:a16="http://schemas.microsoft.com/office/drawing/2014/main" id="{B0785D09-06DA-18D6-490A-F585175105D2}"/>
+              </a:ext>
+            </a:extLst>
+          </p:cNvPr>
+          <p:cNvCxnSpPr>
+            <a:cxnSpLocks/>
+          </p:cNvCxnSpPr>
+          <p:nvPr/>
+        </p:nvCxnSpPr>
+        <p:spPr>
+          <a:xfrm>
+            <a:off x="794657" y="6483803"/>
+            <a:ext cx="10602686" cy="0"/>
+          </a:xfrm>
+          <a:prstGeom prst="line">
+            <a:avLst/>
+          </a:prstGeom>
+          <a:ln w="31750"/>
+        </p:spPr>
+        <p:style>
+          <a:lnRef idx="1">
+            <a:schemeClr val="accent1"/>
+          </a:lnRef>
+          <a:fillRef idx="0">
+            <a:schemeClr val="accent1"/>
+          </a:fillRef>
+          <a:effectRef idx="0">
+            <a:schemeClr val="accent1"/>
+          </a:effectRef>
+          <a:fontRef idx="minor">
+            <a:schemeClr val="tx1"/>
+          </a:fontRef>
+        </p:style>
+      </p:cxnSp>
+      <p:sp>
+        <p:nvSpPr>
+          <p:cNvPr id="12" name="TextBox 11">
+            <a:extLst>
+              <a:ext uri="{FF2B5EF4-FFF2-40B4-BE49-F238E27FC236}">
+                <a16:creationId xmlns:a16="http://schemas.microsoft.com/office/drawing/2014/main" id="{B106CB43-CD10-50ED-AAF0-49E23D52BDAE}"/>
+              </a:ext>
+            </a:extLst>
+          </p:cNvPr>
+          <p:cNvSpPr txBox="1"/>
+          <p:nvPr/>
+        </p:nvSpPr>
+        <p:spPr>
+          <a:xfrm>
+            <a:off x="838200" y="6516580"/>
+            <a:ext cx="3884023" cy="246221"/>
+          </a:xfrm>
+          <a:prstGeom prst="rect">
+            <a:avLst/>
+          </a:prstGeom>
+          <a:noFill/>
+        </p:spPr>
+        <p:txBody>
+          <a:bodyPr wrap="square" rtlCol="0">
+            <a:spAutoFit/>
+          </a:bodyPr>
+          <a:lstStyle/>
+          <a:p>
+            <a:r>
+              <a:rPr lang="en-US" altLang="ko-KR" sz="1000" dirty="0">
+                <a:latin typeface="Aharoni" panose="02010803020104030203" pitchFamily="2" charset="-79"/>
+                <a:cs typeface="Aharoni" panose="02010803020104030203" pitchFamily="2" charset="-79"/>
+              </a:rPr>
+              <a:t>Physical Computing Final Project</a:t>
+            </a:r>
+            <a:endParaRPr lang="ko-KR" altLang="en-US" sz="1000" dirty="0">
+              <a:latin typeface="Aharoni" panose="02010803020104030203" pitchFamily="2" charset="-79"/>
+              <a:cs typeface="Aharoni" panose="02010803020104030203" pitchFamily="2" charset="-79"/>
+            </a:endParaRPr>
+          </a:p>
+        </p:txBody>
+      </p:sp>
+      <p:pic>
+        <p:nvPicPr>
+          <p:cNvPr id="6" name="그림 5">
+            <a:extLst>
+              <a:ext uri="{FF2B5EF4-FFF2-40B4-BE49-F238E27FC236}">
+                <a16:creationId xmlns:a16="http://schemas.microsoft.com/office/drawing/2014/main" id="{BC1C490E-EC78-8BE1-43AC-96D938BD0281}"/>
+              </a:ext>
+            </a:extLst>
+          </p:cNvPr>
+          <p:cNvPicPr>
+            <a:picLocks noChangeAspect="1"/>
+          </p:cNvPicPr>
+          <p:nvPr/>
+        </p:nvPicPr>
+        <p:blipFill>
+          <a:blip r:embed="rId2"/>
+          <a:stretch>
+            <a:fillRect/>
+          </a:stretch>
+        </p:blipFill>
+        <p:spPr>
+          <a:xfrm rot="10800000" flipH="1" flipV="1">
+            <a:off x="623346" y="696957"/>
+            <a:ext cx="2156865" cy="5779375"/>
+          </a:xfrm>
+          <a:prstGeom prst="rect">
+            <a:avLst/>
+          </a:prstGeom>
+        </p:spPr>
+      </p:pic>
+      <p:pic>
+        <p:nvPicPr>
+          <p:cNvPr id="11" name="그림 10">
+            <a:extLst>
+              <a:ext uri="{FF2B5EF4-FFF2-40B4-BE49-F238E27FC236}">
+                <a16:creationId xmlns:a16="http://schemas.microsoft.com/office/drawing/2014/main" id="{A3ECF173-E642-36C5-6ED6-404F501E7A48}"/>
+              </a:ext>
+            </a:extLst>
+          </p:cNvPr>
+          <p:cNvPicPr>
+            <a:picLocks noChangeAspect="1"/>
+          </p:cNvPicPr>
+          <p:nvPr/>
+        </p:nvPicPr>
+        <p:blipFill>
+          <a:blip r:embed="rId3"/>
+          <a:stretch>
+            <a:fillRect/>
+          </a:stretch>
+        </p:blipFill>
+        <p:spPr>
+          <a:xfrm>
+            <a:off x="3463475" y="723896"/>
+            <a:ext cx="4710284" cy="5725496"/>
+          </a:xfrm>
+          <a:prstGeom prst="rect">
+            <a:avLst/>
+          </a:prstGeom>
+        </p:spPr>
+      </p:pic>
+      <p:sp>
+        <p:nvSpPr>
+          <p:cNvPr id="13" name="TextBox 12">
+            <a:extLst>
+              <a:ext uri="{FF2B5EF4-FFF2-40B4-BE49-F238E27FC236}">
+                <a16:creationId xmlns:a16="http://schemas.microsoft.com/office/drawing/2014/main" id="{055FB6E2-F5AE-84D4-C73C-86BF2990DE10}"/>
+              </a:ext>
+            </a:extLst>
+          </p:cNvPr>
+          <p:cNvSpPr txBox="1"/>
+          <p:nvPr/>
+        </p:nvSpPr>
+        <p:spPr>
+          <a:xfrm>
+            <a:off x="8264500" y="1097067"/>
+            <a:ext cx="3755323" cy="2862322"/>
+          </a:xfrm>
+          <a:prstGeom prst="rect">
+            <a:avLst/>
+          </a:prstGeom>
+          <a:noFill/>
+        </p:spPr>
+        <p:txBody>
+          <a:bodyPr wrap="square" rtlCol="0">
+            <a:spAutoFit/>
+          </a:bodyPr>
+          <a:lstStyle/>
+          <a:p>
+            <a:r>
+              <a:rPr lang="ko-KR" altLang="en-US" dirty="0"/>
+              <a:t>보셨듯이 대부분의 </a:t>
+            </a:r>
+            <a:r>
+              <a:rPr lang="en-US" altLang="ko-KR" dirty="0"/>
+              <a:t>process</a:t>
+            </a:r>
+            <a:r>
+              <a:rPr lang="ko-KR" altLang="en-US" dirty="0"/>
+              <a:t> 형식을 </a:t>
+            </a:r>
+            <a:r>
+              <a:rPr lang="en-US" altLang="ko-KR" dirty="0"/>
+              <a:t>flag</a:t>
+            </a:r>
+            <a:r>
+              <a:rPr lang="ko-KR" altLang="en-US" dirty="0"/>
+              <a:t>를 통해 </a:t>
+            </a:r>
+            <a:r>
+              <a:rPr lang="en-US" altLang="ko-KR" dirty="0"/>
+              <a:t>switch case</a:t>
+            </a:r>
+            <a:r>
+              <a:rPr lang="ko-KR" altLang="en-US" dirty="0"/>
+              <a:t>형식으로 만들어 의도한 동작만 하게 하여</a:t>
+            </a:r>
+            <a:r>
+              <a:rPr lang="en-US" altLang="ko-KR" dirty="0"/>
+              <a:t> </a:t>
+            </a:r>
+            <a:r>
+              <a:rPr lang="ko-KR" altLang="en-US" dirty="0"/>
+              <a:t>다른 함수나 변수에 종속성이 없게끔 하였습니다</a:t>
+            </a:r>
+            <a:r>
+              <a:rPr lang="en-US" altLang="ko-KR" dirty="0"/>
+              <a:t>.</a:t>
+            </a:r>
+          </a:p>
+          <a:p>
+            <a:endParaRPr lang="en-US" altLang="ko-KR" dirty="0"/>
+          </a:p>
+          <a:p>
+            <a:r>
+              <a:rPr lang="ko-KR" altLang="en-US" dirty="0"/>
+              <a:t>구조가 조금 이상하지만 어느정도 </a:t>
+            </a:r>
+            <a:r>
+              <a:rPr lang="en-US" altLang="ko-KR" dirty="0"/>
+              <a:t>Class </a:t>
+            </a:r>
+            <a:r>
+              <a:rPr lang="ko-KR" altLang="en-US" dirty="0"/>
+              <a:t>화 하여 추후 기능 확장 시 용이하도록 라이브러리 화 하였음</a:t>
+            </a:r>
+            <a:r>
+              <a:rPr lang="en-US" altLang="ko-KR" dirty="0"/>
+              <a:t>. </a:t>
+            </a:r>
+            <a:r>
+              <a:rPr lang="en-US" altLang="ko-KR" dirty="0">
+                <a:solidFill>
+                  <a:srgbClr val="FF0000"/>
+                </a:solidFill>
+              </a:rPr>
+              <a:t> </a:t>
+            </a:r>
+            <a:r>
+              <a:rPr lang="ko-KR" altLang="en-US" dirty="0">
+                <a:solidFill>
+                  <a:srgbClr val="FF0000"/>
+                </a:solidFill>
+              </a:rPr>
+              <a:t>이건 대사로 하자</a:t>
+            </a:r>
+          </a:p>
+        </p:txBody>
+      </p:sp>
+    </p:spTree>
+    <p:extLst>
+      <p:ext uri="{BB962C8B-B14F-4D97-AF65-F5344CB8AC3E}">
+        <p14:creationId xmlns:p14="http://schemas.microsoft.com/office/powerpoint/2010/main" val="3125206007"/>
       </p:ext>
     </p:extLst>
   </p:cSld>
